--- a/03_Team_Data/B팀/2주차_2.3장_B팀_김시현.pptx
+++ b/03_Team_Data/B팀/2주차_2.3장_B팀_김시현.pptx
@@ -11,31 +11,30 @@
     <p:sldId id="269" r:id="rId5"/>
     <p:sldId id="270" r:id="rId6"/>
     <p:sldId id="271" r:id="rId7"/>
-    <p:sldId id="272" r:id="rId8"/>
-    <p:sldId id="273" r:id="rId9"/>
-    <p:sldId id="274" r:id="rId10"/>
-    <p:sldId id="276" r:id="rId11"/>
-    <p:sldId id="277" r:id="rId12"/>
-    <p:sldId id="278" r:id="rId13"/>
-    <p:sldId id="279" r:id="rId14"/>
-    <p:sldId id="280" r:id="rId15"/>
-    <p:sldId id="282" r:id="rId16"/>
-    <p:sldId id="281" r:id="rId17"/>
-    <p:sldId id="283" r:id="rId18"/>
-    <p:sldId id="284" r:id="rId19"/>
-    <p:sldId id="285" r:id="rId20"/>
-    <p:sldId id="286" r:id="rId21"/>
-    <p:sldId id="287" r:id="rId22"/>
-    <p:sldId id="288" r:id="rId23"/>
-    <p:sldId id="289" r:id="rId24"/>
-    <p:sldId id="290" r:id="rId25"/>
-    <p:sldId id="291" r:id="rId26"/>
-    <p:sldId id="292" r:id="rId27"/>
-    <p:sldId id="293" r:id="rId28"/>
-    <p:sldId id="294" r:id="rId29"/>
-    <p:sldId id="295" r:id="rId30"/>
-    <p:sldId id="297" r:id="rId31"/>
-    <p:sldId id="296" r:id="rId32"/>
+    <p:sldId id="273" r:id="rId8"/>
+    <p:sldId id="274" r:id="rId9"/>
+    <p:sldId id="276" r:id="rId10"/>
+    <p:sldId id="277" r:id="rId11"/>
+    <p:sldId id="278" r:id="rId12"/>
+    <p:sldId id="279" r:id="rId13"/>
+    <p:sldId id="280" r:id="rId14"/>
+    <p:sldId id="282" r:id="rId15"/>
+    <p:sldId id="281" r:id="rId16"/>
+    <p:sldId id="283" r:id="rId17"/>
+    <p:sldId id="284" r:id="rId18"/>
+    <p:sldId id="285" r:id="rId19"/>
+    <p:sldId id="286" r:id="rId20"/>
+    <p:sldId id="287" r:id="rId21"/>
+    <p:sldId id="288" r:id="rId22"/>
+    <p:sldId id="289" r:id="rId23"/>
+    <p:sldId id="290" r:id="rId24"/>
+    <p:sldId id="291" r:id="rId25"/>
+    <p:sldId id="292" r:id="rId26"/>
+    <p:sldId id="293" r:id="rId27"/>
+    <p:sldId id="294" r:id="rId28"/>
+    <p:sldId id="295" r:id="rId29"/>
+    <p:sldId id="297" r:id="rId30"/>
+    <p:sldId id="296" r:id="rId31"/>
   </p:sldIdLst>
   <p:sldSz cx="12192000" cy="6858000"/>
   <p:notesSz cx="6858000" cy="9144000"/>
@@ -134,6 +133,11 @@
       </a:defRPr>
     </a:lvl9pPr>
   </p:defaultTextStyle>
+  <p:extLst>
+    <p:ext uri="{EFAFB233-063F-42B5-8137-9DF3F51BA10A}">
+      <p15:sldGuideLst xmlns:p15="http://schemas.microsoft.com/office/powerpoint/2012/main"/>
+    </p:ext>
+  </p:extLst>
 </p:presentation>
 </file>
 
@@ -4124,47 +4128,12 @@
           <a:chExt cx="0" cy="0"/>
         </a:xfrm>
       </p:grpSpPr>
-      <p:pic>
-        <p:nvPicPr>
-          <p:cNvPr id="3" name="그림 2">
-            <a:extLst>
-              <a:ext uri="{FF2B5EF4-FFF2-40B4-BE49-F238E27FC236}">
-                <a16:creationId xmlns:a16="http://schemas.microsoft.com/office/drawing/2014/main" id="{331F6F75-B221-4061-B962-758F7C3BEBFF}"/>
-              </a:ext>
-            </a:extLst>
-          </p:cNvPr>
-          <p:cNvPicPr>
-            <a:picLocks noChangeAspect="1"/>
-          </p:cNvPicPr>
-          <p:nvPr/>
-        </p:nvPicPr>
-        <p:blipFill rotWithShape="1">
-          <a:blip r:embed="rId2" cstate="screen">
-            <a:extLst>
-              <a:ext uri="{28A0092B-C50C-407E-A947-70E740481C1C}">
-                <a14:useLocalDpi xmlns:a14="http://schemas.microsoft.com/office/drawing/2010/main" val="0"/>
-              </a:ext>
-            </a:extLst>
-          </a:blip>
-          <a:srcRect/>
-          <a:stretch/>
-        </p:blipFill>
-        <p:spPr>
-          <a:xfrm>
-            <a:off x="3474720" y="0"/>
-            <a:ext cx="8717280" cy="6858000"/>
-          </a:xfrm>
-          <a:prstGeom prst="rect">
-            <a:avLst/>
-          </a:prstGeom>
-        </p:spPr>
-      </p:pic>
       <p:sp>
         <p:nvSpPr>
-          <p:cNvPr id="7" name="직사각형 6">
-            <a:extLst>
-              <a:ext uri="{FF2B5EF4-FFF2-40B4-BE49-F238E27FC236}">
-                <a16:creationId xmlns:a16="http://schemas.microsoft.com/office/drawing/2014/main" id="{BFB742AF-8DE1-4801-BAAB-FF7C033D40F3}"/>
+          <p:cNvPr id="2" name="직사각형 1">
+            <a:extLst>
+              <a:ext uri="{FF2B5EF4-FFF2-40B4-BE49-F238E27FC236}">
+                <a16:creationId xmlns:a16="http://schemas.microsoft.com/office/drawing/2014/main" id="{0546E572-061A-4F66-860A-EA1641AD3DE2}"/>
               </a:ext>
             </a:extLst>
           </p:cNvPr>
@@ -4174,7 +4143,7 @@
         <p:spPr>
           <a:xfrm>
             <a:off x="0" y="0"/>
-            <a:ext cx="6096000" cy="6858000"/>
+            <a:ext cx="12192000" cy="1076960"/>
           </a:xfrm>
           <a:prstGeom prst="rect">
             <a:avLst/>
@@ -4235,10 +4204,10 @@
       </p:sp>
       <p:sp>
         <p:nvSpPr>
-          <p:cNvPr id="9" name="TextBox 8">
-            <a:extLst>
-              <a:ext uri="{FF2B5EF4-FFF2-40B4-BE49-F238E27FC236}">
-                <a16:creationId xmlns:a16="http://schemas.microsoft.com/office/drawing/2014/main" id="{E9B29B74-5530-431A-9A1D-6C360E5E40A6}"/>
+          <p:cNvPr id="3" name="TextBox 2">
+            <a:extLst>
+              <a:ext uri="{FF2B5EF4-FFF2-40B4-BE49-F238E27FC236}">
+                <a16:creationId xmlns:a16="http://schemas.microsoft.com/office/drawing/2014/main" id="{8951765C-E4E1-440B-B3F6-AD127EB533CF}"/>
               </a:ext>
             </a:extLst>
           </p:cNvPr>
@@ -4247,7 +4216,7 @@
         </p:nvSpPr>
         <p:spPr>
           <a:xfrm>
-            <a:off x="2648307" y="3153927"/>
+            <a:off x="875104" y="101916"/>
             <a:ext cx="2723823" cy="646331"/>
           </a:xfrm>
           <a:prstGeom prst="rect">
@@ -4294,7 +4263,7 @@
               </a:rPr>
               <a:t>브로드캐스팅</a:t>
             </a:r>
-            <a:endParaRPr kumimoji="0" lang="en-US" altLang="ko-KR" sz="3600" b="0" i="0" u="none" strike="noStrike" kern="1200" cap="none" spc="-300" normalizeH="0" baseline="0" noProof="0" dirty="0">
+            <a:endParaRPr kumimoji="0" lang="ko-KR" altLang="en-US" sz="3600" b="0" i="0" u="none" strike="noStrike" kern="1200" cap="none" spc="-300" normalizeH="0" baseline="0" noProof="0" dirty="0">
               <a:ln>
                 <a:noFill/>
               </a:ln>
@@ -4312,10 +4281,10 @@
       </p:sp>
       <p:sp>
         <p:nvSpPr>
-          <p:cNvPr id="11" name="TextBox 10">
-            <a:extLst>
-              <a:ext uri="{FF2B5EF4-FFF2-40B4-BE49-F238E27FC236}">
-                <a16:creationId xmlns:a16="http://schemas.microsoft.com/office/drawing/2014/main" id="{DD6DC040-1911-4DE1-B7BA-8D50B20BC5F8}"/>
+          <p:cNvPr id="4" name="TextBox 3">
+            <a:extLst>
+              <a:ext uri="{FF2B5EF4-FFF2-40B4-BE49-F238E27FC236}">
+                <a16:creationId xmlns:a16="http://schemas.microsoft.com/office/drawing/2014/main" id="{8E877FB6-6DE1-44E4-8EF8-7160153CD120}"/>
               </a:ext>
             </a:extLst>
           </p:cNvPr>
@@ -4324,7 +4293,7 @@
         </p:nvSpPr>
         <p:spPr>
           <a:xfrm>
-            <a:off x="904240" y="2846150"/>
+            <a:off x="132080" y="117305"/>
             <a:ext cx="562975" cy="307777"/>
           </a:xfrm>
           <a:prstGeom prst="rect">
@@ -4356,18 +4325,11 @@
               <a:defRPr/>
             </a:pPr>
             <a:r>
-              <a:rPr kumimoji="0" lang="en-US" altLang="ko-KR" sz="1400" b="0" i="0" u="none" strike="noStrike" kern="1200" cap="none" spc="0" normalizeH="0" baseline="0" noProof="0" dirty="0">
-                <a:ln>
-                  <a:noFill/>
-                </a:ln>
+              <a:rPr lang="en-US" altLang="ko-KR" sz="1400" dirty="0">
                 <a:solidFill>
                   <a:prstClr val="white"/>
                 </a:solidFill>
-                <a:effectLst/>
-                <a:uLnTx/>
-                <a:uFillTx/>
                 <a:ea typeface="나눔스퀘어 Light"/>
-                <a:cs typeface="+mn-cs"/>
               </a:rPr>
               <a:t>2.3.2</a:t>
             </a:r>
@@ -4387,96 +4349,540 @@
           </a:p>
         </p:txBody>
       </p:sp>
-      <p:cxnSp>
-        <p:nvCxnSpPr>
-          <p:cNvPr id="12" name="직선 연결선 11">
-            <a:extLst>
-              <a:ext uri="{FF2B5EF4-FFF2-40B4-BE49-F238E27FC236}">
-                <a16:creationId xmlns:a16="http://schemas.microsoft.com/office/drawing/2014/main" id="{E9C7568C-DA98-40CE-9115-1F19853EEDF6}"/>
-              </a:ext>
-            </a:extLst>
-          </p:cNvPr>
-          <p:cNvCxnSpPr>
-            <a:cxnSpLocks/>
-          </p:cNvCxnSpPr>
+      <p:sp>
+        <p:nvSpPr>
+          <p:cNvPr id="17" name="TextBox 16">
+            <a:extLst>
+              <a:ext uri="{FF2B5EF4-FFF2-40B4-BE49-F238E27FC236}">
+                <a16:creationId xmlns:a16="http://schemas.microsoft.com/office/drawing/2014/main" id="{B42EAFAD-1516-4266-AEB8-C727D93D2B43}"/>
+              </a:ext>
+            </a:extLst>
+          </p:cNvPr>
+          <p:cNvSpPr txBox="1"/>
           <p:nvPr/>
-        </p:nvCxnSpPr>
-        <p:spPr>
-          <a:xfrm>
-            <a:off x="904240" y="2823130"/>
-            <a:ext cx="4467890" cy="0"/>
-          </a:xfrm>
-          <a:prstGeom prst="line">
+        </p:nvSpPr>
+        <p:spPr>
+          <a:xfrm>
+            <a:off x="399062" y="1316621"/>
+            <a:ext cx="11488138" cy="892552"/>
+          </a:xfrm>
+          <a:prstGeom prst="rect">
             <a:avLst/>
           </a:prstGeom>
-          <a:ln>
-            <a:solidFill>
-              <a:schemeClr val="bg1"/>
-            </a:solidFill>
-          </a:ln>
-        </p:spPr>
-        <p:style>
-          <a:lnRef idx="1">
-            <a:schemeClr val="accent1"/>
-          </a:lnRef>
-          <a:fillRef idx="0">
-            <a:schemeClr val="accent1"/>
-          </a:fillRef>
-          <a:effectRef idx="0">
-            <a:schemeClr val="accent1"/>
-          </a:effectRef>
-          <a:fontRef idx="minor">
-            <a:schemeClr val="tx1"/>
-          </a:fontRef>
-        </p:style>
-      </p:cxnSp>
-      <p:cxnSp>
-        <p:nvCxnSpPr>
-          <p:cNvPr id="13" name="직선 연결선 12">
-            <a:extLst>
-              <a:ext uri="{FF2B5EF4-FFF2-40B4-BE49-F238E27FC236}">
-                <a16:creationId xmlns:a16="http://schemas.microsoft.com/office/drawing/2014/main" id="{92A7BF85-EFF0-4169-9F33-5B30AFBB9A2A}"/>
-              </a:ext>
-            </a:extLst>
-          </p:cNvPr>
-          <p:cNvCxnSpPr>
-            <a:cxnSpLocks/>
-          </p:cNvCxnSpPr>
+          <a:noFill/>
+        </p:spPr>
+        <p:txBody>
+          <a:bodyPr wrap="square">
+            <a:spAutoFit/>
+          </a:bodyPr>
+          <a:lstStyle/>
+          <a:p>
+            <a:pPr marL="0" marR="0" lvl="0" indent="0" algn="l" defTabSz="914400" rtl="0" eaLnBrk="1" fontAlgn="auto" latinLnBrk="1" hangingPunct="1">
+              <a:lnSpc>
+                <a:spcPct val="100000"/>
+              </a:lnSpc>
+              <a:spcBef>
+                <a:spcPts val="0"/>
+              </a:spcBef>
+              <a:spcAft>
+                <a:spcPts val="0"/>
+              </a:spcAft>
+              <a:buClrTx/>
+              <a:buSzTx/>
+              <a:buFontTx/>
+              <a:buNone/>
+              <a:tabLst/>
+              <a:defRPr/>
+            </a:pPr>
+            <a:r>
+              <a:rPr lang="ko-KR" altLang="en-US" sz="2800" b="1" dirty="0" err="1">
+                <a:solidFill>
+                  <a:schemeClr val="accent2">
+                    <a:lumMod val="50000"/>
+                  </a:schemeClr>
+                </a:solidFill>
+                <a:latin typeface="맑은 고딕" panose="020F0502020204030204"/>
+                <a:ea typeface="맑은 고딕" panose="020B0503020000020004" pitchFamily="50" charset="-127"/>
+              </a:rPr>
+              <a:t>브로드캐스팅</a:t>
+            </a:r>
+            <a:r>
+              <a:rPr kumimoji="0" lang="en-US" altLang="ko-KR" sz="2800" b="1" i="0" u="none" strike="noStrike" kern="1200" cap="none" spc="0" normalizeH="0" baseline="0" noProof="0" dirty="0">
+                <a:ln>
+                  <a:noFill/>
+                </a:ln>
+                <a:solidFill>
+                  <a:schemeClr val="accent2">
+                    <a:lumMod val="50000"/>
+                  </a:schemeClr>
+                </a:solidFill>
+                <a:effectLst/>
+                <a:uLnTx/>
+                <a:uFillTx/>
+                <a:latin typeface="맑은 고딕" panose="020F0502020204030204"/>
+                <a:ea typeface="맑은 고딕" panose="020B0503020000020004" pitchFamily="50" charset="-127"/>
+                <a:cs typeface="+mn-cs"/>
+              </a:rPr>
+              <a:t>(Broadcasting)</a:t>
+            </a:r>
+            <a:r>
+              <a:rPr kumimoji="0" lang="ko-KR" altLang="en-US" sz="2800" b="1" i="0" u="none" strike="noStrike" kern="1200" cap="none" spc="0" normalizeH="0" baseline="0" noProof="0" dirty="0">
+                <a:ln>
+                  <a:noFill/>
+                </a:ln>
+                <a:solidFill>
+                  <a:schemeClr val="accent2">
+                    <a:lumMod val="50000"/>
+                  </a:schemeClr>
+                </a:solidFill>
+                <a:effectLst/>
+                <a:uLnTx/>
+                <a:uFillTx/>
+                <a:latin typeface="맑은 고딕" panose="020F0502020204030204"/>
+                <a:ea typeface="맑은 고딕" panose="020B0503020000020004" pitchFamily="50" charset="-127"/>
+                <a:cs typeface="+mn-cs"/>
+              </a:rPr>
+              <a:t> </a:t>
+            </a:r>
+            <a:r>
+              <a:rPr kumimoji="0" lang="en-US" altLang="ko-KR" sz="2400" b="0" i="0" u="none" strike="noStrike" kern="1200" cap="none" spc="0" normalizeH="0" baseline="0" noProof="0" dirty="0">
+                <a:ln>
+                  <a:noFill/>
+                </a:ln>
+                <a:solidFill>
+                  <a:schemeClr val="accent2">
+                    <a:lumMod val="50000"/>
+                  </a:schemeClr>
+                </a:solidFill>
+                <a:effectLst/>
+                <a:uLnTx/>
+                <a:uFillTx/>
+                <a:latin typeface="맑은 고딕" panose="020F0502020204030204"/>
+                <a:ea typeface="맑은 고딕" panose="020B0503020000020004" pitchFamily="50" charset="-127"/>
+                <a:cs typeface="+mn-cs"/>
+              </a:rPr>
+              <a:t>: </a:t>
+            </a:r>
+            <a:r>
+              <a:rPr kumimoji="0" lang="ko-KR" altLang="en-US" sz="2400" b="0" i="0" u="none" strike="noStrike" kern="1200" cap="none" spc="0" normalizeH="0" baseline="0" noProof="0" dirty="0">
+                <a:ln>
+                  <a:noFill/>
+                </a:ln>
+                <a:solidFill>
+                  <a:schemeClr val="accent2">
+                    <a:lumMod val="50000"/>
+                  </a:schemeClr>
+                </a:solidFill>
+                <a:effectLst/>
+                <a:uLnTx/>
+                <a:uFillTx/>
+                <a:latin typeface="맑은 고딕" panose="020F0502020204030204"/>
+                <a:ea typeface="맑은 고딕" panose="020B0503020000020004" pitchFamily="50" charset="-127"/>
+                <a:cs typeface="+mn-cs"/>
+              </a:rPr>
+              <a:t>두 행렬 </a:t>
+            </a:r>
+            <a:r>
+              <a:rPr kumimoji="0" lang="en-US" altLang="ko-KR" sz="2400" b="0" i="0" u="none" strike="noStrike" kern="1200" cap="none" spc="0" normalizeH="0" baseline="0" noProof="0" dirty="0">
+                <a:ln>
+                  <a:noFill/>
+                </a:ln>
+                <a:solidFill>
+                  <a:schemeClr val="accent2">
+                    <a:lumMod val="50000"/>
+                  </a:schemeClr>
+                </a:solidFill>
+                <a:effectLst/>
+                <a:uLnTx/>
+                <a:uFillTx/>
+                <a:latin typeface="맑은 고딕" panose="020F0502020204030204"/>
+                <a:ea typeface="맑은 고딕" panose="020B0503020000020004" pitchFamily="50" charset="-127"/>
+                <a:cs typeface="+mn-cs"/>
+              </a:rPr>
+              <a:t>A, B </a:t>
+            </a:r>
+            <a:r>
+              <a:rPr kumimoji="0" lang="ko-KR" altLang="en-US" sz="2400" b="0" i="0" u="none" strike="noStrike" kern="1200" cap="none" spc="0" normalizeH="0" baseline="0" noProof="0" dirty="0">
+                <a:ln>
+                  <a:noFill/>
+                </a:ln>
+                <a:solidFill>
+                  <a:schemeClr val="accent2">
+                    <a:lumMod val="50000"/>
+                  </a:schemeClr>
+                </a:solidFill>
+                <a:effectLst/>
+                <a:uLnTx/>
+                <a:uFillTx/>
+                <a:latin typeface="맑은 고딕" panose="020F0502020204030204"/>
+                <a:ea typeface="맑은 고딕" panose="020B0503020000020004" pitchFamily="50" charset="-127"/>
+                <a:cs typeface="+mn-cs"/>
+              </a:rPr>
+              <a:t>중 크기가 작은 행렬을 크기가 큰 </a:t>
+            </a:r>
+            <a:r>
+              <a:rPr kumimoji="0" lang="en-US" altLang="ko-KR" sz="2400" b="0" i="0" u="none" strike="noStrike" kern="1200" cap="none" spc="0" normalizeH="0" baseline="0" noProof="0" dirty="0">
+                <a:ln>
+                  <a:noFill/>
+                </a:ln>
+                <a:solidFill>
+                  <a:schemeClr val="accent2">
+                    <a:lumMod val="50000"/>
+                  </a:schemeClr>
+                </a:solidFill>
+                <a:effectLst/>
+                <a:uLnTx/>
+                <a:uFillTx/>
+                <a:latin typeface="맑은 고딕" panose="020F0502020204030204"/>
+                <a:ea typeface="맑은 고딕" panose="020B0503020000020004" pitchFamily="50" charset="-127"/>
+                <a:cs typeface="+mn-cs"/>
+              </a:rPr>
+              <a:t>					</a:t>
+            </a:r>
+            <a:r>
+              <a:rPr kumimoji="0" lang="ko-KR" altLang="en-US" sz="2400" b="0" i="0" u="none" strike="noStrike" kern="1200" cap="none" spc="0" normalizeH="0" baseline="0" noProof="0" dirty="0">
+                <a:ln>
+                  <a:noFill/>
+                </a:ln>
+                <a:solidFill>
+                  <a:schemeClr val="accent2">
+                    <a:lumMod val="50000"/>
+                  </a:schemeClr>
+                </a:solidFill>
+                <a:effectLst/>
+                <a:uLnTx/>
+                <a:uFillTx/>
+                <a:latin typeface="맑은 고딕" panose="020F0502020204030204"/>
+                <a:ea typeface="맑은 고딕" panose="020B0503020000020004" pitchFamily="50" charset="-127"/>
+                <a:cs typeface="+mn-cs"/>
+              </a:rPr>
+              <a:t>행렬과 모양</a:t>
+            </a:r>
+            <a:r>
+              <a:rPr kumimoji="0" lang="en-US" altLang="ko-KR" sz="2400" b="0" i="0" u="none" strike="noStrike" kern="1200" cap="none" spc="0" normalizeH="0" baseline="0" noProof="0" dirty="0">
+                <a:ln>
+                  <a:noFill/>
+                </a:ln>
+                <a:solidFill>
+                  <a:schemeClr val="accent2">
+                    <a:lumMod val="50000"/>
+                  </a:schemeClr>
+                </a:solidFill>
+                <a:effectLst/>
+                <a:uLnTx/>
+                <a:uFillTx/>
+                <a:latin typeface="맑은 고딕" panose="020F0502020204030204"/>
+                <a:ea typeface="맑은 고딕" panose="020B0503020000020004" pitchFamily="50" charset="-127"/>
+                <a:cs typeface="+mn-cs"/>
+              </a:rPr>
+              <a:t>(shape)</a:t>
+            </a:r>
+            <a:r>
+              <a:rPr kumimoji="0" lang="ko-KR" altLang="en-US" sz="2400" b="0" i="0" u="none" strike="noStrike" kern="1200" cap="none" spc="0" normalizeH="0" baseline="0" noProof="0" dirty="0">
+                <a:ln>
+                  <a:noFill/>
+                </a:ln>
+                <a:solidFill>
+                  <a:schemeClr val="accent2">
+                    <a:lumMod val="50000"/>
+                  </a:schemeClr>
+                </a:solidFill>
+                <a:effectLst/>
+                <a:uLnTx/>
+                <a:uFillTx/>
+                <a:latin typeface="맑은 고딕" panose="020F0502020204030204"/>
+                <a:ea typeface="맑은 고딕" panose="020B0503020000020004" pitchFamily="50" charset="-127"/>
+                <a:cs typeface="+mn-cs"/>
+              </a:rPr>
+              <a:t>이 맞게끔 늘려주는 것을 의미</a:t>
+            </a:r>
+            <a:endParaRPr kumimoji="0" lang="en-US" altLang="ko-KR" sz="2400" b="1" i="0" u="none" strike="noStrike" kern="1200" cap="none" spc="0" normalizeH="0" baseline="0" noProof="0" dirty="0">
+              <a:ln>
+                <a:noFill/>
+              </a:ln>
+              <a:solidFill>
+                <a:schemeClr val="accent2">
+                  <a:lumMod val="50000"/>
+                </a:schemeClr>
+              </a:solidFill>
+              <a:effectLst/>
+              <a:uLnTx/>
+              <a:uFillTx/>
+              <a:latin typeface="맑은 고딕" panose="020F0502020204030204"/>
+              <a:ea typeface="맑은 고딕" panose="020B0503020000020004" pitchFamily="50" charset="-127"/>
+              <a:cs typeface="+mn-cs"/>
+            </a:endParaRPr>
+          </a:p>
+        </p:txBody>
+      </p:sp>
+      <p:sp>
+        <p:nvSpPr>
+          <p:cNvPr id="18" name="TextBox 17">
+            <a:extLst>
+              <a:ext uri="{FF2B5EF4-FFF2-40B4-BE49-F238E27FC236}">
+                <a16:creationId xmlns:a16="http://schemas.microsoft.com/office/drawing/2014/main" id="{A3929806-CFE4-42C6-A419-C14C5205A4AF}"/>
+              </a:ext>
+            </a:extLst>
+          </p:cNvPr>
+          <p:cNvSpPr txBox="1"/>
           <p:nvPr/>
-        </p:nvCxnSpPr>
-        <p:spPr>
-          <a:xfrm>
-            <a:off x="904240" y="4011850"/>
-            <a:ext cx="4467890" cy="0"/>
-          </a:xfrm>
-          <a:prstGeom prst="line">
+        </p:nvSpPr>
+        <p:spPr>
+          <a:xfrm>
+            <a:off x="2551645" y="3525588"/>
+            <a:ext cx="7182972" cy="1015663"/>
+          </a:xfrm>
+          <a:prstGeom prst="rect">
             <a:avLst/>
           </a:prstGeom>
-          <a:ln>
-            <a:solidFill>
-              <a:schemeClr val="bg1"/>
-            </a:solidFill>
-          </a:ln>
-        </p:spPr>
-        <p:style>
-          <a:lnRef idx="1">
-            <a:schemeClr val="accent1"/>
-          </a:lnRef>
-          <a:fillRef idx="0">
-            <a:schemeClr val="accent1"/>
-          </a:fillRef>
-          <a:effectRef idx="0">
-            <a:schemeClr val="accent1"/>
-          </a:effectRef>
-          <a:fontRef idx="minor">
-            <a:schemeClr val="tx1"/>
-          </a:fontRef>
-        </p:style>
-      </p:cxnSp>
+          <a:noFill/>
+        </p:spPr>
+        <p:txBody>
+          <a:bodyPr wrap="square">
+            <a:spAutoFit/>
+          </a:bodyPr>
+          <a:lstStyle/>
+          <a:p>
+            <a:pPr marL="342900" marR="0" lvl="0" indent="-342900" algn="l" defTabSz="914400" rtl="0" eaLnBrk="1" fontAlgn="auto" latinLnBrk="1" hangingPunct="1">
+              <a:lnSpc>
+                <a:spcPct val="100000"/>
+              </a:lnSpc>
+              <a:spcBef>
+                <a:spcPts val="0"/>
+              </a:spcBef>
+              <a:spcAft>
+                <a:spcPts val="0"/>
+              </a:spcAft>
+              <a:buClrTx/>
+              <a:buSzTx/>
+              <a:buFontTx/>
+              <a:buAutoNum type="arabicParenR"/>
+              <a:tabLst/>
+              <a:defRPr/>
+            </a:pPr>
+            <a:r>
+              <a:rPr lang="ko-KR" altLang="en-US" sz="2000" dirty="0">
+                <a:solidFill>
+                  <a:schemeClr val="accent2">
+                    <a:lumMod val="50000"/>
+                  </a:schemeClr>
+                </a:solidFill>
+                <a:latin typeface="맑은 고딕" panose="020F0502020204030204"/>
+                <a:ea typeface="맑은 고딕" panose="020B0503020000020004" pitchFamily="50" charset="-127"/>
+              </a:rPr>
+              <a:t>큰 </a:t>
+            </a:r>
+            <a:r>
+              <a:rPr lang="ko-KR" altLang="en-US" sz="2000" dirty="0" err="1">
+                <a:solidFill>
+                  <a:schemeClr val="accent2">
+                    <a:lumMod val="50000"/>
+                  </a:schemeClr>
+                </a:solidFill>
+                <a:latin typeface="맑은 고딕" panose="020F0502020204030204"/>
+                <a:ea typeface="맑은 고딕" panose="020B0503020000020004" pitchFamily="50" charset="-127"/>
+              </a:rPr>
+              <a:t>텐서의</a:t>
+            </a:r>
+            <a:r>
+              <a:rPr lang="ko-KR" altLang="en-US" sz="2000" dirty="0">
+                <a:solidFill>
+                  <a:schemeClr val="accent2">
+                    <a:lumMod val="50000"/>
+                  </a:schemeClr>
+                </a:solidFill>
+                <a:latin typeface="맑은 고딕" panose="020F0502020204030204"/>
+                <a:ea typeface="맑은 고딕" panose="020B0503020000020004" pitchFamily="50" charset="-127"/>
+              </a:rPr>
+              <a:t> </a:t>
+            </a:r>
+            <a:r>
+              <a:rPr lang="en-US" altLang="ko-KR" sz="2000" dirty="0" err="1">
+                <a:solidFill>
+                  <a:schemeClr val="accent2">
+                    <a:lumMod val="50000"/>
+                  </a:schemeClr>
+                </a:solidFill>
+                <a:latin typeface="맑은 고딕" panose="020F0502020204030204"/>
+                <a:ea typeface="맑은 고딕" panose="020B0503020000020004" pitchFamily="50" charset="-127"/>
+              </a:rPr>
+              <a:t>ndim</a:t>
+            </a:r>
+            <a:r>
+              <a:rPr lang="ko-KR" altLang="en-US" sz="2000" dirty="0">
+                <a:solidFill>
+                  <a:schemeClr val="accent2">
+                    <a:lumMod val="50000"/>
+                  </a:schemeClr>
+                </a:solidFill>
+                <a:latin typeface="맑은 고딕" panose="020F0502020204030204"/>
+                <a:ea typeface="맑은 고딕" panose="020B0503020000020004" pitchFamily="50" charset="-127"/>
+              </a:rPr>
+              <a:t>에 맞도록 작은 </a:t>
+            </a:r>
+            <a:r>
+              <a:rPr lang="ko-KR" altLang="en-US" sz="2000" dirty="0" err="1">
+                <a:solidFill>
+                  <a:schemeClr val="accent2">
+                    <a:lumMod val="50000"/>
+                  </a:schemeClr>
+                </a:solidFill>
+                <a:latin typeface="맑은 고딕" panose="020F0502020204030204"/>
+                <a:ea typeface="맑은 고딕" panose="020B0503020000020004" pitchFamily="50" charset="-127"/>
+              </a:rPr>
+              <a:t>텐서에</a:t>
+            </a:r>
+            <a:r>
+              <a:rPr lang="ko-KR" altLang="en-US" sz="2000" dirty="0">
+                <a:solidFill>
+                  <a:schemeClr val="accent2">
+                    <a:lumMod val="50000"/>
+                  </a:schemeClr>
+                </a:solidFill>
+                <a:latin typeface="맑은 고딕" panose="020F0502020204030204"/>
+                <a:ea typeface="맑은 고딕" panose="020B0503020000020004" pitchFamily="50" charset="-127"/>
+              </a:rPr>
+              <a:t> 축이 추가</a:t>
+            </a:r>
+            <a:endParaRPr kumimoji="0" lang="en-US" altLang="ko-KR" sz="2000" i="0" u="none" strike="noStrike" kern="1200" cap="none" spc="0" normalizeH="0" baseline="0" noProof="0" dirty="0">
+              <a:ln>
+                <a:noFill/>
+              </a:ln>
+              <a:solidFill>
+                <a:schemeClr val="accent2">
+                  <a:lumMod val="50000"/>
+                </a:schemeClr>
+              </a:solidFill>
+              <a:effectLst/>
+              <a:uLnTx/>
+              <a:uFillTx/>
+              <a:latin typeface="맑은 고딕" panose="020F0502020204030204"/>
+              <a:ea typeface="맑은 고딕" panose="020B0503020000020004" pitchFamily="50" charset="-127"/>
+              <a:cs typeface="+mn-cs"/>
+            </a:endParaRPr>
+          </a:p>
+          <a:p>
+            <a:pPr marL="342900" marR="0" lvl="0" indent="-342900" algn="l" defTabSz="914400" rtl="0" eaLnBrk="1" fontAlgn="auto" latinLnBrk="1" hangingPunct="1">
+              <a:lnSpc>
+                <a:spcPct val="100000"/>
+              </a:lnSpc>
+              <a:spcBef>
+                <a:spcPts val="0"/>
+              </a:spcBef>
+              <a:spcAft>
+                <a:spcPts val="0"/>
+              </a:spcAft>
+              <a:buClrTx/>
+              <a:buSzTx/>
+              <a:buFontTx/>
+              <a:buAutoNum type="arabicParenR"/>
+              <a:tabLst/>
+              <a:defRPr/>
+            </a:pPr>
+            <a:endParaRPr lang="en-US" altLang="ko-KR" sz="2000" dirty="0">
+              <a:solidFill>
+                <a:schemeClr val="accent2">
+                  <a:lumMod val="50000"/>
+                </a:schemeClr>
+              </a:solidFill>
+              <a:latin typeface="맑은 고딕" panose="020F0502020204030204"/>
+              <a:ea typeface="맑은 고딕" panose="020B0503020000020004" pitchFamily="50" charset="-127"/>
+            </a:endParaRPr>
+          </a:p>
+          <a:p>
+            <a:pPr marL="342900" marR="0" lvl="0" indent="-342900" algn="l" defTabSz="914400" rtl="0" eaLnBrk="1" fontAlgn="auto" latinLnBrk="1" hangingPunct="1">
+              <a:lnSpc>
+                <a:spcPct val="100000"/>
+              </a:lnSpc>
+              <a:spcBef>
+                <a:spcPts val="0"/>
+              </a:spcBef>
+              <a:spcAft>
+                <a:spcPts val="0"/>
+              </a:spcAft>
+              <a:buClrTx/>
+              <a:buSzTx/>
+              <a:buFontTx/>
+              <a:buAutoNum type="arabicParenR"/>
+              <a:tabLst/>
+              <a:defRPr/>
+            </a:pPr>
+            <a:r>
+              <a:rPr lang="ko-KR" altLang="en-US" sz="2000" dirty="0">
+                <a:solidFill>
+                  <a:schemeClr val="accent2">
+                    <a:lumMod val="50000"/>
+                  </a:schemeClr>
+                </a:solidFill>
+                <a:latin typeface="맑은 고딕" panose="020F0502020204030204"/>
+                <a:ea typeface="맑은 고딕" panose="020B0503020000020004" pitchFamily="50" charset="-127"/>
+              </a:rPr>
+              <a:t>작은 </a:t>
+            </a:r>
+            <a:r>
+              <a:rPr lang="ko-KR" altLang="en-US" sz="2000" dirty="0" err="1">
+                <a:solidFill>
+                  <a:schemeClr val="accent2">
+                    <a:lumMod val="50000"/>
+                  </a:schemeClr>
+                </a:solidFill>
+                <a:latin typeface="맑은 고딕" panose="020F0502020204030204"/>
+                <a:ea typeface="맑은 고딕" panose="020B0503020000020004" pitchFamily="50" charset="-127"/>
+              </a:rPr>
+              <a:t>텐서가</a:t>
+            </a:r>
+            <a:r>
+              <a:rPr lang="ko-KR" altLang="en-US" sz="2000" dirty="0">
+                <a:solidFill>
+                  <a:schemeClr val="accent2">
+                    <a:lumMod val="50000"/>
+                  </a:schemeClr>
+                </a:solidFill>
+                <a:latin typeface="맑은 고딕" panose="020F0502020204030204"/>
+                <a:ea typeface="맑은 고딕" panose="020B0503020000020004" pitchFamily="50" charset="-127"/>
+              </a:rPr>
+              <a:t> 새 축을 따라서 큰 </a:t>
+            </a:r>
+            <a:r>
+              <a:rPr lang="ko-KR" altLang="en-US" sz="2000" dirty="0" err="1">
+                <a:solidFill>
+                  <a:schemeClr val="accent2">
+                    <a:lumMod val="50000"/>
+                  </a:schemeClr>
+                </a:solidFill>
+                <a:latin typeface="맑은 고딕" panose="020F0502020204030204"/>
+                <a:ea typeface="맑은 고딕" panose="020B0503020000020004" pitchFamily="50" charset="-127"/>
+              </a:rPr>
+              <a:t>텐서의</a:t>
+            </a:r>
+            <a:r>
+              <a:rPr lang="ko-KR" altLang="en-US" sz="2000" dirty="0">
+                <a:solidFill>
+                  <a:schemeClr val="accent2">
+                    <a:lumMod val="50000"/>
+                  </a:schemeClr>
+                </a:solidFill>
+                <a:latin typeface="맑은 고딕" panose="020F0502020204030204"/>
+                <a:ea typeface="맑은 고딕" panose="020B0503020000020004" pitchFamily="50" charset="-127"/>
+              </a:rPr>
+              <a:t> 크기에 맞도록 반복</a:t>
+            </a:r>
+            <a:endParaRPr lang="en-US" altLang="ko-KR" sz="2000" dirty="0">
+              <a:solidFill>
+                <a:schemeClr val="accent2">
+                  <a:lumMod val="50000"/>
+                </a:schemeClr>
+              </a:solidFill>
+              <a:latin typeface="맑은 고딕" panose="020F0502020204030204"/>
+              <a:ea typeface="맑은 고딕" panose="020B0503020000020004" pitchFamily="50" charset="-127"/>
+            </a:endParaRPr>
+          </a:p>
+        </p:txBody>
+      </p:sp>
     </p:spTree>
     <p:extLst>
       <p:ext uri="{BB962C8B-B14F-4D97-AF65-F5344CB8AC3E}">
-        <p14:creationId xmlns:p14="http://schemas.microsoft.com/office/powerpoint/2010/main" val="3567732404"/>
+        <p14:creationId xmlns:p14="http://schemas.microsoft.com/office/powerpoint/2010/main" val="418287922"/>
       </p:ext>
     </p:extLst>
   </p:cSld>
@@ -5002,274 +5408,57 @@
           </a:p>
         </p:txBody>
       </p:sp>
-      <p:sp>
-        <p:nvSpPr>
-          <p:cNvPr id="18" name="TextBox 17">
-            <a:extLst>
-              <a:ext uri="{FF2B5EF4-FFF2-40B4-BE49-F238E27FC236}">
-                <a16:creationId xmlns:a16="http://schemas.microsoft.com/office/drawing/2014/main" id="{A3929806-CFE4-42C6-A419-C14C5205A4AF}"/>
-              </a:ext>
-            </a:extLst>
-          </p:cNvPr>
-          <p:cNvSpPr txBox="1"/>
+      <p:pic>
+        <p:nvPicPr>
+          <p:cNvPr id="2050" name="Picture 2">
+            <a:extLst>
+              <a:ext uri="{FF2B5EF4-FFF2-40B4-BE49-F238E27FC236}">
+                <a16:creationId xmlns:a16="http://schemas.microsoft.com/office/drawing/2014/main" id="{5BD4ECCC-F6E3-4351-B5FF-642A4D48E450}"/>
+              </a:ext>
+            </a:extLst>
+          </p:cNvPr>
+          <p:cNvPicPr>
+            <a:picLocks noChangeAspect="1" noChangeArrowheads="1"/>
+          </p:cNvPicPr>
           <p:nvPr/>
-        </p:nvSpPr>
-        <p:spPr>
-          <a:xfrm>
-            <a:off x="2551645" y="3525588"/>
-            <a:ext cx="7182972" cy="1015663"/>
+        </p:nvPicPr>
+        <p:blipFill>
+          <a:blip r:embed="rId2">
+            <a:extLst>
+              <a:ext uri="{28A0092B-C50C-407E-A947-70E740481C1C}">
+                <a14:useLocalDpi xmlns:a14="http://schemas.microsoft.com/office/drawing/2010/main" val="0"/>
+              </a:ext>
+            </a:extLst>
+          </a:blip>
+          <a:srcRect/>
+          <a:stretch>
+            <a:fillRect/>
+          </a:stretch>
+        </p:blipFill>
+        <p:spPr bwMode="auto">
+          <a:xfrm>
+            <a:off x="2190750" y="3303562"/>
+            <a:ext cx="7810500" cy="2152650"/>
           </a:xfrm>
           <a:prstGeom prst="rect">
             <a:avLst/>
           </a:prstGeom>
           <a:noFill/>
-        </p:spPr>
-        <p:txBody>
-          <a:bodyPr wrap="square">
-            <a:spAutoFit/>
-          </a:bodyPr>
-          <a:lstStyle/>
-          <a:p>
-            <a:pPr marL="342900" marR="0" lvl="0" indent="-342900" algn="l" defTabSz="914400" rtl="0" eaLnBrk="1" fontAlgn="auto" latinLnBrk="1" hangingPunct="1">
-              <a:lnSpc>
-                <a:spcPct val="100000"/>
-              </a:lnSpc>
-              <a:spcBef>
-                <a:spcPts val="0"/>
-              </a:spcBef>
-              <a:spcAft>
-                <a:spcPts val="0"/>
-              </a:spcAft>
-              <a:buClrTx/>
-              <a:buSzTx/>
-              <a:buFontTx/>
-              <a:buAutoNum type="arabicParenR"/>
-              <a:tabLst/>
-              <a:defRPr/>
-            </a:pPr>
-            <a:r>
-              <a:rPr lang="ko-KR" altLang="en-US" sz="2000" dirty="0">
-                <a:solidFill>
-                  <a:schemeClr val="accent2">
-                    <a:lumMod val="50000"/>
-                  </a:schemeClr>
-                </a:solidFill>
-                <a:latin typeface="맑은 고딕" panose="020F0502020204030204"/>
-                <a:ea typeface="맑은 고딕" panose="020B0503020000020004" pitchFamily="50" charset="-127"/>
-              </a:rPr>
-              <a:t>큰 </a:t>
-            </a:r>
-            <a:r>
-              <a:rPr lang="ko-KR" altLang="en-US" sz="2000" dirty="0" err="1">
-                <a:solidFill>
-                  <a:schemeClr val="accent2">
-                    <a:lumMod val="50000"/>
-                  </a:schemeClr>
-                </a:solidFill>
-                <a:latin typeface="맑은 고딕" panose="020F0502020204030204"/>
-                <a:ea typeface="맑은 고딕" panose="020B0503020000020004" pitchFamily="50" charset="-127"/>
-              </a:rPr>
-              <a:t>텐서의</a:t>
-            </a:r>
-            <a:r>
-              <a:rPr lang="ko-KR" altLang="en-US" sz="2000" dirty="0">
-                <a:solidFill>
-                  <a:schemeClr val="accent2">
-                    <a:lumMod val="50000"/>
-                  </a:schemeClr>
-                </a:solidFill>
-                <a:latin typeface="맑은 고딕" panose="020F0502020204030204"/>
-                <a:ea typeface="맑은 고딕" panose="020B0503020000020004" pitchFamily="50" charset="-127"/>
-              </a:rPr>
-              <a:t> </a:t>
-            </a:r>
-            <a:r>
-              <a:rPr lang="en-US" altLang="ko-KR" sz="2000" dirty="0" err="1">
-                <a:solidFill>
-                  <a:schemeClr val="accent2">
-                    <a:lumMod val="50000"/>
-                  </a:schemeClr>
-                </a:solidFill>
-                <a:latin typeface="맑은 고딕" panose="020F0502020204030204"/>
-                <a:ea typeface="맑은 고딕" panose="020B0503020000020004" pitchFamily="50" charset="-127"/>
-              </a:rPr>
-              <a:t>ndim</a:t>
-            </a:r>
-            <a:r>
-              <a:rPr lang="ko-KR" altLang="en-US" sz="2000" dirty="0">
-                <a:solidFill>
-                  <a:schemeClr val="accent2">
-                    <a:lumMod val="50000"/>
-                  </a:schemeClr>
-                </a:solidFill>
-                <a:latin typeface="맑은 고딕" panose="020F0502020204030204"/>
-                <a:ea typeface="맑은 고딕" panose="020B0503020000020004" pitchFamily="50" charset="-127"/>
-              </a:rPr>
-              <a:t>에 맞도록 작은 </a:t>
-            </a:r>
-            <a:r>
-              <a:rPr lang="ko-KR" altLang="en-US" sz="2000" dirty="0" err="1">
-                <a:solidFill>
-                  <a:schemeClr val="accent2">
-                    <a:lumMod val="50000"/>
-                  </a:schemeClr>
-                </a:solidFill>
-                <a:latin typeface="맑은 고딕" panose="020F0502020204030204"/>
-                <a:ea typeface="맑은 고딕" panose="020B0503020000020004" pitchFamily="50" charset="-127"/>
-              </a:rPr>
-              <a:t>텐서에</a:t>
-            </a:r>
-            <a:r>
-              <a:rPr lang="ko-KR" altLang="en-US" sz="2000" dirty="0">
-                <a:solidFill>
-                  <a:schemeClr val="accent2">
-                    <a:lumMod val="50000"/>
-                  </a:schemeClr>
-                </a:solidFill>
-                <a:latin typeface="맑은 고딕" panose="020F0502020204030204"/>
-                <a:ea typeface="맑은 고딕" panose="020B0503020000020004" pitchFamily="50" charset="-127"/>
-              </a:rPr>
-              <a:t> 축이 추가</a:t>
-            </a:r>
-            <a:endParaRPr kumimoji="0" lang="en-US" altLang="ko-KR" sz="2000" i="0" u="none" strike="noStrike" kern="1200" cap="none" spc="0" normalizeH="0" baseline="0" noProof="0" dirty="0">
-              <a:ln>
-                <a:noFill/>
-              </a:ln>
-              <a:solidFill>
-                <a:schemeClr val="accent2">
-                  <a:lumMod val="50000"/>
-                </a:schemeClr>
-              </a:solidFill>
-              <a:effectLst/>
-              <a:uLnTx/>
-              <a:uFillTx/>
-              <a:latin typeface="맑은 고딕" panose="020F0502020204030204"/>
-              <a:ea typeface="맑은 고딕" panose="020B0503020000020004" pitchFamily="50" charset="-127"/>
-              <a:cs typeface="+mn-cs"/>
-            </a:endParaRPr>
-          </a:p>
-          <a:p>
-            <a:pPr marL="342900" marR="0" lvl="0" indent="-342900" algn="l" defTabSz="914400" rtl="0" eaLnBrk="1" fontAlgn="auto" latinLnBrk="1" hangingPunct="1">
-              <a:lnSpc>
-                <a:spcPct val="100000"/>
-              </a:lnSpc>
-              <a:spcBef>
-                <a:spcPts val="0"/>
-              </a:spcBef>
-              <a:spcAft>
-                <a:spcPts val="0"/>
-              </a:spcAft>
-              <a:buClrTx/>
-              <a:buSzTx/>
-              <a:buFontTx/>
-              <a:buAutoNum type="arabicParenR"/>
-              <a:tabLst/>
-              <a:defRPr/>
-            </a:pPr>
-            <a:endParaRPr lang="en-US" altLang="ko-KR" sz="2000" dirty="0">
-              <a:solidFill>
-                <a:schemeClr val="accent2">
-                  <a:lumMod val="50000"/>
-                </a:schemeClr>
-              </a:solidFill>
-              <a:latin typeface="맑은 고딕" panose="020F0502020204030204"/>
-              <a:ea typeface="맑은 고딕" panose="020B0503020000020004" pitchFamily="50" charset="-127"/>
-            </a:endParaRPr>
-          </a:p>
-          <a:p>
-            <a:pPr marL="342900" marR="0" lvl="0" indent="-342900" algn="l" defTabSz="914400" rtl="0" eaLnBrk="1" fontAlgn="auto" latinLnBrk="1" hangingPunct="1">
-              <a:lnSpc>
-                <a:spcPct val="100000"/>
-              </a:lnSpc>
-              <a:spcBef>
-                <a:spcPts val="0"/>
-              </a:spcBef>
-              <a:spcAft>
-                <a:spcPts val="0"/>
-              </a:spcAft>
-              <a:buClrTx/>
-              <a:buSzTx/>
-              <a:buFontTx/>
-              <a:buAutoNum type="arabicParenR"/>
-              <a:tabLst/>
-              <a:defRPr/>
-            </a:pPr>
-            <a:r>
-              <a:rPr lang="ko-KR" altLang="en-US" sz="2000" dirty="0">
-                <a:solidFill>
-                  <a:schemeClr val="accent2">
-                    <a:lumMod val="50000"/>
-                  </a:schemeClr>
-                </a:solidFill>
-                <a:latin typeface="맑은 고딕" panose="020F0502020204030204"/>
-                <a:ea typeface="맑은 고딕" panose="020B0503020000020004" pitchFamily="50" charset="-127"/>
-              </a:rPr>
-              <a:t>작은 </a:t>
-            </a:r>
-            <a:r>
-              <a:rPr lang="ko-KR" altLang="en-US" sz="2000" dirty="0" err="1">
-                <a:solidFill>
-                  <a:schemeClr val="accent2">
-                    <a:lumMod val="50000"/>
-                  </a:schemeClr>
-                </a:solidFill>
-                <a:latin typeface="맑은 고딕" panose="020F0502020204030204"/>
-                <a:ea typeface="맑은 고딕" panose="020B0503020000020004" pitchFamily="50" charset="-127"/>
-              </a:rPr>
-              <a:t>텐서가</a:t>
-            </a:r>
-            <a:r>
-              <a:rPr lang="ko-KR" altLang="en-US" sz="2000" dirty="0">
-                <a:solidFill>
-                  <a:schemeClr val="accent2">
-                    <a:lumMod val="50000"/>
-                  </a:schemeClr>
-                </a:solidFill>
-                <a:latin typeface="맑은 고딕" panose="020F0502020204030204"/>
-                <a:ea typeface="맑은 고딕" panose="020B0503020000020004" pitchFamily="50" charset="-127"/>
-              </a:rPr>
-              <a:t> 새 축을 따라서 큰 </a:t>
-            </a:r>
-            <a:r>
-              <a:rPr lang="ko-KR" altLang="en-US" sz="2000" dirty="0" err="1">
-                <a:solidFill>
-                  <a:schemeClr val="accent2">
-                    <a:lumMod val="50000"/>
-                  </a:schemeClr>
-                </a:solidFill>
-                <a:latin typeface="맑은 고딕" panose="020F0502020204030204"/>
-                <a:ea typeface="맑은 고딕" panose="020B0503020000020004" pitchFamily="50" charset="-127"/>
-              </a:rPr>
-              <a:t>텐서의</a:t>
-            </a:r>
-            <a:r>
-              <a:rPr lang="ko-KR" altLang="en-US" sz="2000" dirty="0">
-                <a:solidFill>
-                  <a:schemeClr val="accent2">
-                    <a:lumMod val="50000"/>
-                  </a:schemeClr>
-                </a:solidFill>
-                <a:latin typeface="맑은 고딕" panose="020F0502020204030204"/>
-                <a:ea typeface="맑은 고딕" panose="020B0503020000020004" pitchFamily="50" charset="-127"/>
-              </a:rPr>
-              <a:t> 크기에 맞도록 반복</a:t>
-            </a:r>
-            <a:endParaRPr lang="en-US" altLang="ko-KR" sz="2000" dirty="0">
-              <a:solidFill>
-                <a:schemeClr val="accent2">
-                  <a:lumMod val="50000"/>
-                </a:schemeClr>
-              </a:solidFill>
-              <a:latin typeface="맑은 고딕" panose="020F0502020204030204"/>
-              <a:ea typeface="맑은 고딕" panose="020B0503020000020004" pitchFamily="50" charset="-127"/>
-            </a:endParaRPr>
-          </a:p>
-        </p:txBody>
-      </p:sp>
+          <a:extLst>
+            <a:ext uri="{909E8E84-426E-40DD-AFC4-6F175D3DCCD1}">
+              <a14:hiddenFill xmlns:a14="http://schemas.microsoft.com/office/drawing/2010/main">
+                <a:solidFill>
+                  <a:srgbClr val="FFFFFF"/>
+                </a:solidFill>
+              </a14:hiddenFill>
+            </a:ext>
+          </a:extLst>
+        </p:spPr>
+      </p:pic>
     </p:spTree>
     <p:extLst>
       <p:ext uri="{BB962C8B-B14F-4D97-AF65-F5344CB8AC3E}">
-        <p14:creationId xmlns:p14="http://schemas.microsoft.com/office/powerpoint/2010/main" val="418287922"/>
+        <p14:creationId xmlns:p14="http://schemas.microsoft.com/office/powerpoint/2010/main" val="4113107830"/>
       </p:ext>
     </p:extLst>
   </p:cSld>
@@ -5797,55 +5986,38 @@
       </p:sp>
       <p:pic>
         <p:nvPicPr>
-          <p:cNvPr id="2050" name="Picture 2">
-            <a:extLst>
-              <a:ext uri="{FF2B5EF4-FFF2-40B4-BE49-F238E27FC236}">
-                <a16:creationId xmlns:a16="http://schemas.microsoft.com/office/drawing/2014/main" id="{5BD4ECCC-F6E3-4351-B5FF-642A4D48E450}"/>
+          <p:cNvPr id="6" name="그림 5">
+            <a:extLst>
+              <a:ext uri="{FF2B5EF4-FFF2-40B4-BE49-F238E27FC236}">
+                <a16:creationId xmlns:a16="http://schemas.microsoft.com/office/drawing/2014/main" id="{5CE6F864-6E1B-497B-8CDF-D36E92F49C6B}"/>
               </a:ext>
             </a:extLst>
           </p:cNvPr>
           <p:cNvPicPr>
-            <a:picLocks noChangeAspect="1" noChangeArrowheads="1"/>
+            <a:picLocks noChangeAspect="1"/>
           </p:cNvPicPr>
           <p:nvPr/>
         </p:nvPicPr>
         <p:blipFill>
-          <a:blip r:embed="rId2">
-            <a:extLst>
-              <a:ext uri="{28A0092B-C50C-407E-A947-70E740481C1C}">
-                <a14:useLocalDpi xmlns:a14="http://schemas.microsoft.com/office/drawing/2010/main" val="0"/>
-              </a:ext>
-            </a:extLst>
-          </a:blip>
-          <a:srcRect/>
+          <a:blip r:embed="rId2"/>
           <a:stretch>
             <a:fillRect/>
           </a:stretch>
         </p:blipFill>
-        <p:spPr bwMode="auto">
-          <a:xfrm>
-            <a:off x="2190750" y="3303562"/>
-            <a:ext cx="7810500" cy="2152650"/>
+        <p:spPr>
+          <a:xfrm>
+            <a:off x="2942284" y="2980573"/>
+            <a:ext cx="6401693" cy="2743583"/>
           </a:xfrm>
           <a:prstGeom prst="rect">
             <a:avLst/>
           </a:prstGeom>
-          <a:noFill/>
-          <a:extLst>
-            <a:ext uri="{909E8E84-426E-40DD-AFC4-6F175D3DCCD1}">
-              <a14:hiddenFill xmlns:a14="http://schemas.microsoft.com/office/drawing/2010/main">
-                <a:solidFill>
-                  <a:srgbClr val="FFFFFF"/>
-                </a:solidFill>
-              </a14:hiddenFill>
-            </a:ext>
-          </a:extLst>
         </p:spPr>
       </p:pic>
     </p:spTree>
     <p:extLst>
       <p:ext uri="{BB962C8B-B14F-4D97-AF65-F5344CB8AC3E}">
-        <p14:creationId xmlns:p14="http://schemas.microsoft.com/office/powerpoint/2010/main" val="4113107830"/>
+        <p14:creationId xmlns:p14="http://schemas.microsoft.com/office/powerpoint/2010/main" val="2111745222"/>
       </p:ext>
     </p:extLst>
   </p:cSld>
@@ -6373,10 +6545,10 @@
       </p:sp>
       <p:pic>
         <p:nvPicPr>
-          <p:cNvPr id="6" name="그림 5">
-            <a:extLst>
-              <a:ext uri="{FF2B5EF4-FFF2-40B4-BE49-F238E27FC236}">
-                <a16:creationId xmlns:a16="http://schemas.microsoft.com/office/drawing/2014/main" id="{5CE6F864-6E1B-497B-8CDF-D36E92F49C6B}"/>
+          <p:cNvPr id="7" name="그림 6">
+            <a:extLst>
+              <a:ext uri="{FF2B5EF4-FFF2-40B4-BE49-F238E27FC236}">
+                <a16:creationId xmlns:a16="http://schemas.microsoft.com/office/drawing/2014/main" id="{91B4B770-A7B5-4BB1-B994-124500DF9BBD}"/>
               </a:ext>
             </a:extLst>
           </p:cNvPr>
@@ -6393,8 +6565,8 @@
         </p:blipFill>
         <p:spPr>
           <a:xfrm>
-            <a:off x="2942284" y="2980573"/>
-            <a:ext cx="6401693" cy="2743583"/>
+            <a:off x="4581590" y="3238444"/>
+            <a:ext cx="3028819" cy="1825884"/>
           </a:xfrm>
           <a:prstGeom prst="rect">
             <a:avLst/>
@@ -6404,7 +6576,7 @@
     </p:spTree>
     <p:extLst>
       <p:ext uri="{BB962C8B-B14F-4D97-AF65-F5344CB8AC3E}">
-        <p14:creationId xmlns:p14="http://schemas.microsoft.com/office/powerpoint/2010/main" val="2111745222"/>
+        <p14:creationId xmlns:p14="http://schemas.microsoft.com/office/powerpoint/2010/main" val="2359039158"/>
       </p:ext>
     </p:extLst>
   </p:cSld>
@@ -6443,12 +6615,47 @@
           <a:chExt cx="0" cy="0"/>
         </a:xfrm>
       </p:grpSpPr>
+      <p:pic>
+        <p:nvPicPr>
+          <p:cNvPr id="3" name="그림 2">
+            <a:extLst>
+              <a:ext uri="{FF2B5EF4-FFF2-40B4-BE49-F238E27FC236}">
+                <a16:creationId xmlns:a16="http://schemas.microsoft.com/office/drawing/2014/main" id="{331F6F75-B221-4061-B962-758F7C3BEBFF}"/>
+              </a:ext>
+            </a:extLst>
+          </p:cNvPr>
+          <p:cNvPicPr>
+            <a:picLocks noChangeAspect="1"/>
+          </p:cNvPicPr>
+          <p:nvPr/>
+        </p:nvPicPr>
+        <p:blipFill rotWithShape="1">
+          <a:blip r:embed="rId2" cstate="screen">
+            <a:extLst>
+              <a:ext uri="{28A0092B-C50C-407E-A947-70E740481C1C}">
+                <a14:useLocalDpi xmlns:a14="http://schemas.microsoft.com/office/drawing/2010/main" val="0"/>
+              </a:ext>
+            </a:extLst>
+          </a:blip>
+          <a:srcRect/>
+          <a:stretch/>
+        </p:blipFill>
+        <p:spPr>
+          <a:xfrm>
+            <a:off x="3474720" y="0"/>
+            <a:ext cx="8717280" cy="6858000"/>
+          </a:xfrm>
+          <a:prstGeom prst="rect">
+            <a:avLst/>
+          </a:prstGeom>
+        </p:spPr>
+      </p:pic>
       <p:sp>
         <p:nvSpPr>
-          <p:cNvPr id="2" name="직사각형 1">
-            <a:extLst>
-              <a:ext uri="{FF2B5EF4-FFF2-40B4-BE49-F238E27FC236}">
-                <a16:creationId xmlns:a16="http://schemas.microsoft.com/office/drawing/2014/main" id="{0546E572-061A-4F66-860A-EA1641AD3DE2}"/>
+          <p:cNvPr id="7" name="직사각형 6">
+            <a:extLst>
+              <a:ext uri="{FF2B5EF4-FFF2-40B4-BE49-F238E27FC236}">
+                <a16:creationId xmlns:a16="http://schemas.microsoft.com/office/drawing/2014/main" id="{BFB742AF-8DE1-4801-BAAB-FF7C033D40F3}"/>
               </a:ext>
             </a:extLst>
           </p:cNvPr>
@@ -6458,7 +6665,7 @@
         <p:spPr>
           <a:xfrm>
             <a:off x="0" y="0"/>
-            <a:ext cx="12192000" cy="1076960"/>
+            <a:ext cx="6096000" cy="6858000"/>
           </a:xfrm>
           <a:prstGeom prst="rect">
             <a:avLst/>
@@ -6519,10 +6726,10 @@
       </p:sp>
       <p:sp>
         <p:nvSpPr>
-          <p:cNvPr id="3" name="TextBox 2">
-            <a:extLst>
-              <a:ext uri="{FF2B5EF4-FFF2-40B4-BE49-F238E27FC236}">
-                <a16:creationId xmlns:a16="http://schemas.microsoft.com/office/drawing/2014/main" id="{8951765C-E4E1-440B-B3F6-AD127EB533CF}"/>
+          <p:cNvPr id="9" name="TextBox 8">
+            <a:extLst>
+              <a:ext uri="{FF2B5EF4-FFF2-40B4-BE49-F238E27FC236}">
+                <a16:creationId xmlns:a16="http://schemas.microsoft.com/office/drawing/2014/main" id="{E9B29B74-5530-431A-9A1D-6C360E5E40A6}"/>
               </a:ext>
             </a:extLst>
           </p:cNvPr>
@@ -6531,8 +6738,8 @@
         </p:nvSpPr>
         <p:spPr>
           <a:xfrm>
-            <a:off x="875104" y="101916"/>
-            <a:ext cx="2723823" cy="646331"/>
+            <a:off x="3371261" y="3153927"/>
+            <a:ext cx="2000869" cy="646331"/>
           </a:xfrm>
           <a:prstGeom prst="rect">
             <a:avLst/>
@@ -6563,7 +6770,7 @@
               <a:defRPr/>
             </a:pPr>
             <a:r>
-              <a:rPr kumimoji="0" lang="ko-KR" altLang="en-US" sz="3600" b="0" i="0" u="none" strike="noStrike" kern="1200" cap="none" spc="-300" normalizeH="0" baseline="0" noProof="0" dirty="0" err="1">
+              <a:rPr kumimoji="0" lang="ko-KR" altLang="en-US" sz="3600" b="0" i="0" u="none" strike="noStrike" kern="1200" cap="none" spc="-300" normalizeH="0" baseline="0" noProof="0">
                 <a:ln>
                   <a:noFill/>
                 </a:ln>
@@ -6576,9 +6783,41 @@
                 <a:ea typeface="나눔스퀘어 Light"/>
                 <a:cs typeface="+mn-cs"/>
               </a:rPr>
-              <a:t>브로드캐스팅</a:t>
-            </a:r>
-            <a:endParaRPr kumimoji="0" lang="ko-KR" altLang="en-US" sz="3600" b="0" i="0" u="none" strike="noStrike" kern="1200" cap="none" spc="-300" normalizeH="0" baseline="0" noProof="0" dirty="0">
+              <a:t>텐서</a:t>
+            </a:r>
+            <a:r>
+              <a:rPr kumimoji="0" lang="ko-KR" altLang="en-US" sz="3600" b="0" i="0" u="none" strike="noStrike" kern="1200" cap="none" spc="-300" normalizeH="0" baseline="0" noProof="0" dirty="0">
+                <a:ln>
+                  <a:noFill/>
+                </a:ln>
+                <a:solidFill>
+                  <a:prstClr val="white"/>
+                </a:solidFill>
+                <a:effectLst/>
+                <a:uLnTx/>
+                <a:uFillTx/>
+                <a:ea typeface="나눔스퀘어 Light"/>
+                <a:cs typeface="+mn-cs"/>
+              </a:rPr>
+              <a:t> </a:t>
+            </a:r>
+            <a:r>
+              <a:rPr kumimoji="0" lang="ko-KR" altLang="en-US" sz="3600" b="0" i="0" u="none" strike="noStrike" kern="1200" cap="none" spc="-300" normalizeH="0" baseline="0" noProof="0" dirty="0" err="1">
+                <a:ln>
+                  <a:noFill/>
+                </a:ln>
+                <a:solidFill>
+                  <a:prstClr val="white"/>
+                </a:solidFill>
+                <a:effectLst/>
+                <a:uLnTx/>
+                <a:uFillTx/>
+                <a:ea typeface="나눔스퀘어 Light"/>
+                <a:cs typeface="+mn-cs"/>
+              </a:rPr>
+              <a:t>점곱</a:t>
+            </a:r>
+            <a:endParaRPr kumimoji="0" lang="en-US" altLang="ko-KR" sz="3600" b="0" i="0" u="none" strike="noStrike" kern="1200" cap="none" spc="-300" normalizeH="0" baseline="0" noProof="0" dirty="0">
               <a:ln>
                 <a:noFill/>
               </a:ln>
@@ -6596,10 +6835,10 @@
       </p:sp>
       <p:sp>
         <p:nvSpPr>
-          <p:cNvPr id="4" name="TextBox 3">
-            <a:extLst>
-              <a:ext uri="{FF2B5EF4-FFF2-40B4-BE49-F238E27FC236}">
-                <a16:creationId xmlns:a16="http://schemas.microsoft.com/office/drawing/2014/main" id="{8E877FB6-6DE1-44E4-8EF8-7160153CD120}"/>
+          <p:cNvPr id="11" name="TextBox 10">
+            <a:extLst>
+              <a:ext uri="{FF2B5EF4-FFF2-40B4-BE49-F238E27FC236}">
+                <a16:creationId xmlns:a16="http://schemas.microsoft.com/office/drawing/2014/main" id="{DD6DC040-1911-4DE1-B7BA-8D50B20BC5F8}"/>
               </a:ext>
             </a:extLst>
           </p:cNvPr>
@@ -6608,8 +6847,8 @@
         </p:nvSpPr>
         <p:spPr>
           <a:xfrm>
-            <a:off x="132080" y="117305"/>
-            <a:ext cx="562975" cy="307777"/>
+            <a:off x="904240" y="2846150"/>
+            <a:ext cx="625492" cy="307777"/>
           </a:xfrm>
           <a:prstGeom prst="rect">
             <a:avLst/>
@@ -6640,13 +6879,20 @@
               <a:defRPr/>
             </a:pPr>
             <a:r>
-              <a:rPr lang="en-US" altLang="ko-KR" sz="1400" dirty="0">
+              <a:rPr kumimoji="0" lang="en-US" altLang="ko-KR" sz="1400" b="0" i="0" u="none" strike="noStrike" kern="1200" cap="none" spc="0" normalizeH="0" baseline="0" noProof="0" dirty="0">
+                <a:ln>
+                  <a:noFill/>
+                </a:ln>
                 <a:solidFill>
                   <a:prstClr val="white"/>
                 </a:solidFill>
+                <a:effectLst/>
+                <a:uLnTx/>
+                <a:uFillTx/>
                 <a:ea typeface="나눔스퀘어 Light"/>
-              </a:rPr>
-              <a:t>2.3.2</a:t>
+                <a:cs typeface="+mn-cs"/>
+              </a:rPr>
+              <a:t>2.3.3 </a:t>
             </a:r>
             <a:endParaRPr kumimoji="0" lang="ko-KR" altLang="en-US" sz="1400" b="0" i="0" u="none" strike="noStrike" kern="1200" cap="none" spc="0" normalizeH="0" baseline="0" noProof="0" dirty="0">
               <a:ln>
@@ -6664,306 +6910,96 @@
           </a:p>
         </p:txBody>
       </p:sp>
-      <p:sp>
-        <p:nvSpPr>
-          <p:cNvPr id="17" name="TextBox 16">
-            <a:extLst>
-              <a:ext uri="{FF2B5EF4-FFF2-40B4-BE49-F238E27FC236}">
-                <a16:creationId xmlns:a16="http://schemas.microsoft.com/office/drawing/2014/main" id="{B42EAFAD-1516-4266-AEB8-C727D93D2B43}"/>
-              </a:ext>
-            </a:extLst>
-          </p:cNvPr>
-          <p:cNvSpPr txBox="1"/>
+      <p:cxnSp>
+        <p:nvCxnSpPr>
+          <p:cNvPr id="12" name="직선 연결선 11">
+            <a:extLst>
+              <a:ext uri="{FF2B5EF4-FFF2-40B4-BE49-F238E27FC236}">
+                <a16:creationId xmlns:a16="http://schemas.microsoft.com/office/drawing/2014/main" id="{E9C7568C-DA98-40CE-9115-1F19853EEDF6}"/>
+              </a:ext>
+            </a:extLst>
+          </p:cNvPr>
+          <p:cNvCxnSpPr>
+            <a:cxnSpLocks/>
+          </p:cNvCxnSpPr>
           <p:nvPr/>
-        </p:nvSpPr>
-        <p:spPr>
-          <a:xfrm>
-            <a:off x="399062" y="1316621"/>
-            <a:ext cx="11488138" cy="892552"/>
-          </a:xfrm>
-          <a:prstGeom prst="rect">
+        </p:nvCxnSpPr>
+        <p:spPr>
+          <a:xfrm>
+            <a:off x="904240" y="2823130"/>
+            <a:ext cx="4467890" cy="0"/>
+          </a:xfrm>
+          <a:prstGeom prst="line">
             <a:avLst/>
           </a:prstGeom>
-          <a:noFill/>
-        </p:spPr>
-        <p:txBody>
-          <a:bodyPr wrap="square">
-            <a:spAutoFit/>
-          </a:bodyPr>
-          <a:lstStyle/>
-          <a:p>
-            <a:pPr marL="0" marR="0" lvl="0" indent="0" algn="l" defTabSz="914400" rtl="0" eaLnBrk="1" fontAlgn="auto" latinLnBrk="1" hangingPunct="1">
-              <a:lnSpc>
-                <a:spcPct val="100000"/>
-              </a:lnSpc>
-              <a:spcBef>
-                <a:spcPts val="0"/>
-              </a:spcBef>
-              <a:spcAft>
-                <a:spcPts val="0"/>
-              </a:spcAft>
-              <a:buClrTx/>
-              <a:buSzTx/>
-              <a:buFontTx/>
-              <a:buNone/>
-              <a:tabLst/>
-              <a:defRPr/>
-            </a:pPr>
-            <a:r>
-              <a:rPr lang="ko-KR" altLang="en-US" sz="2800" b="1" dirty="0" err="1">
-                <a:solidFill>
-                  <a:schemeClr val="accent2">
-                    <a:lumMod val="50000"/>
-                  </a:schemeClr>
-                </a:solidFill>
-                <a:latin typeface="맑은 고딕" panose="020F0502020204030204"/>
-                <a:ea typeface="맑은 고딕" panose="020B0503020000020004" pitchFamily="50" charset="-127"/>
-              </a:rPr>
-              <a:t>브로드캐스팅</a:t>
-            </a:r>
-            <a:r>
-              <a:rPr kumimoji="0" lang="en-US" altLang="ko-KR" sz="2800" b="1" i="0" u="none" strike="noStrike" kern="1200" cap="none" spc="0" normalizeH="0" baseline="0" noProof="0" dirty="0">
-                <a:ln>
-                  <a:noFill/>
-                </a:ln>
-                <a:solidFill>
-                  <a:schemeClr val="accent2">
-                    <a:lumMod val="50000"/>
-                  </a:schemeClr>
-                </a:solidFill>
-                <a:effectLst/>
-                <a:uLnTx/>
-                <a:uFillTx/>
-                <a:latin typeface="맑은 고딕" panose="020F0502020204030204"/>
-                <a:ea typeface="맑은 고딕" panose="020B0503020000020004" pitchFamily="50" charset="-127"/>
-                <a:cs typeface="+mn-cs"/>
-              </a:rPr>
-              <a:t>(Broadcasting)</a:t>
-            </a:r>
-            <a:r>
-              <a:rPr kumimoji="0" lang="ko-KR" altLang="en-US" sz="2800" b="1" i="0" u="none" strike="noStrike" kern="1200" cap="none" spc="0" normalizeH="0" baseline="0" noProof="0" dirty="0">
-                <a:ln>
-                  <a:noFill/>
-                </a:ln>
-                <a:solidFill>
-                  <a:schemeClr val="accent2">
-                    <a:lumMod val="50000"/>
-                  </a:schemeClr>
-                </a:solidFill>
-                <a:effectLst/>
-                <a:uLnTx/>
-                <a:uFillTx/>
-                <a:latin typeface="맑은 고딕" panose="020F0502020204030204"/>
-                <a:ea typeface="맑은 고딕" panose="020B0503020000020004" pitchFamily="50" charset="-127"/>
-                <a:cs typeface="+mn-cs"/>
-              </a:rPr>
-              <a:t> </a:t>
-            </a:r>
-            <a:r>
-              <a:rPr kumimoji="0" lang="en-US" altLang="ko-KR" sz="2400" b="0" i="0" u="none" strike="noStrike" kern="1200" cap="none" spc="0" normalizeH="0" baseline="0" noProof="0" dirty="0">
-                <a:ln>
-                  <a:noFill/>
-                </a:ln>
-                <a:solidFill>
-                  <a:schemeClr val="accent2">
-                    <a:lumMod val="50000"/>
-                  </a:schemeClr>
-                </a:solidFill>
-                <a:effectLst/>
-                <a:uLnTx/>
-                <a:uFillTx/>
-                <a:latin typeface="맑은 고딕" panose="020F0502020204030204"/>
-                <a:ea typeface="맑은 고딕" panose="020B0503020000020004" pitchFamily="50" charset="-127"/>
-                <a:cs typeface="+mn-cs"/>
-              </a:rPr>
-              <a:t>: </a:t>
-            </a:r>
-            <a:r>
-              <a:rPr kumimoji="0" lang="ko-KR" altLang="en-US" sz="2400" b="0" i="0" u="none" strike="noStrike" kern="1200" cap="none" spc="0" normalizeH="0" baseline="0" noProof="0" dirty="0">
-                <a:ln>
-                  <a:noFill/>
-                </a:ln>
-                <a:solidFill>
-                  <a:schemeClr val="accent2">
-                    <a:lumMod val="50000"/>
-                  </a:schemeClr>
-                </a:solidFill>
-                <a:effectLst/>
-                <a:uLnTx/>
-                <a:uFillTx/>
-                <a:latin typeface="맑은 고딕" panose="020F0502020204030204"/>
-                <a:ea typeface="맑은 고딕" panose="020B0503020000020004" pitchFamily="50" charset="-127"/>
-                <a:cs typeface="+mn-cs"/>
-              </a:rPr>
-              <a:t>두 행렬 </a:t>
-            </a:r>
-            <a:r>
-              <a:rPr kumimoji="0" lang="en-US" altLang="ko-KR" sz="2400" b="0" i="0" u="none" strike="noStrike" kern="1200" cap="none" spc="0" normalizeH="0" baseline="0" noProof="0" dirty="0">
-                <a:ln>
-                  <a:noFill/>
-                </a:ln>
-                <a:solidFill>
-                  <a:schemeClr val="accent2">
-                    <a:lumMod val="50000"/>
-                  </a:schemeClr>
-                </a:solidFill>
-                <a:effectLst/>
-                <a:uLnTx/>
-                <a:uFillTx/>
-                <a:latin typeface="맑은 고딕" panose="020F0502020204030204"/>
-                <a:ea typeface="맑은 고딕" panose="020B0503020000020004" pitchFamily="50" charset="-127"/>
-                <a:cs typeface="+mn-cs"/>
-              </a:rPr>
-              <a:t>A, B </a:t>
-            </a:r>
-            <a:r>
-              <a:rPr kumimoji="0" lang="ko-KR" altLang="en-US" sz="2400" b="0" i="0" u="none" strike="noStrike" kern="1200" cap="none" spc="0" normalizeH="0" baseline="0" noProof="0" dirty="0">
-                <a:ln>
-                  <a:noFill/>
-                </a:ln>
-                <a:solidFill>
-                  <a:schemeClr val="accent2">
-                    <a:lumMod val="50000"/>
-                  </a:schemeClr>
-                </a:solidFill>
-                <a:effectLst/>
-                <a:uLnTx/>
-                <a:uFillTx/>
-                <a:latin typeface="맑은 고딕" panose="020F0502020204030204"/>
-                <a:ea typeface="맑은 고딕" panose="020B0503020000020004" pitchFamily="50" charset="-127"/>
-                <a:cs typeface="+mn-cs"/>
-              </a:rPr>
-              <a:t>중 크기가 작은 행렬을 크기가 큰 </a:t>
-            </a:r>
-            <a:r>
-              <a:rPr kumimoji="0" lang="en-US" altLang="ko-KR" sz="2400" b="0" i="0" u="none" strike="noStrike" kern="1200" cap="none" spc="0" normalizeH="0" baseline="0" noProof="0" dirty="0">
-                <a:ln>
-                  <a:noFill/>
-                </a:ln>
-                <a:solidFill>
-                  <a:schemeClr val="accent2">
-                    <a:lumMod val="50000"/>
-                  </a:schemeClr>
-                </a:solidFill>
-                <a:effectLst/>
-                <a:uLnTx/>
-                <a:uFillTx/>
-                <a:latin typeface="맑은 고딕" panose="020F0502020204030204"/>
-                <a:ea typeface="맑은 고딕" panose="020B0503020000020004" pitchFamily="50" charset="-127"/>
-                <a:cs typeface="+mn-cs"/>
-              </a:rPr>
-              <a:t>					</a:t>
-            </a:r>
-            <a:r>
-              <a:rPr kumimoji="0" lang="ko-KR" altLang="en-US" sz="2400" b="0" i="0" u="none" strike="noStrike" kern="1200" cap="none" spc="0" normalizeH="0" baseline="0" noProof="0" dirty="0">
-                <a:ln>
-                  <a:noFill/>
-                </a:ln>
-                <a:solidFill>
-                  <a:schemeClr val="accent2">
-                    <a:lumMod val="50000"/>
-                  </a:schemeClr>
-                </a:solidFill>
-                <a:effectLst/>
-                <a:uLnTx/>
-                <a:uFillTx/>
-                <a:latin typeface="맑은 고딕" panose="020F0502020204030204"/>
-                <a:ea typeface="맑은 고딕" panose="020B0503020000020004" pitchFamily="50" charset="-127"/>
-                <a:cs typeface="+mn-cs"/>
-              </a:rPr>
-              <a:t>행렬과 모양</a:t>
-            </a:r>
-            <a:r>
-              <a:rPr kumimoji="0" lang="en-US" altLang="ko-KR" sz="2400" b="0" i="0" u="none" strike="noStrike" kern="1200" cap="none" spc="0" normalizeH="0" baseline="0" noProof="0" dirty="0">
-                <a:ln>
-                  <a:noFill/>
-                </a:ln>
-                <a:solidFill>
-                  <a:schemeClr val="accent2">
-                    <a:lumMod val="50000"/>
-                  </a:schemeClr>
-                </a:solidFill>
-                <a:effectLst/>
-                <a:uLnTx/>
-                <a:uFillTx/>
-                <a:latin typeface="맑은 고딕" panose="020F0502020204030204"/>
-                <a:ea typeface="맑은 고딕" panose="020B0503020000020004" pitchFamily="50" charset="-127"/>
-                <a:cs typeface="+mn-cs"/>
-              </a:rPr>
-              <a:t>(shape)</a:t>
-            </a:r>
-            <a:r>
-              <a:rPr kumimoji="0" lang="ko-KR" altLang="en-US" sz="2400" b="0" i="0" u="none" strike="noStrike" kern="1200" cap="none" spc="0" normalizeH="0" baseline="0" noProof="0" dirty="0">
-                <a:ln>
-                  <a:noFill/>
-                </a:ln>
-                <a:solidFill>
-                  <a:schemeClr val="accent2">
-                    <a:lumMod val="50000"/>
-                  </a:schemeClr>
-                </a:solidFill>
-                <a:effectLst/>
-                <a:uLnTx/>
-                <a:uFillTx/>
-                <a:latin typeface="맑은 고딕" panose="020F0502020204030204"/>
-                <a:ea typeface="맑은 고딕" panose="020B0503020000020004" pitchFamily="50" charset="-127"/>
-                <a:cs typeface="+mn-cs"/>
-              </a:rPr>
-              <a:t>이 맞게끔 늘려주는 것을 의미</a:t>
-            </a:r>
-            <a:endParaRPr kumimoji="0" lang="en-US" altLang="ko-KR" sz="2400" b="1" i="0" u="none" strike="noStrike" kern="1200" cap="none" spc="0" normalizeH="0" baseline="0" noProof="0" dirty="0">
-              <a:ln>
-                <a:noFill/>
-              </a:ln>
-              <a:solidFill>
-                <a:schemeClr val="accent2">
-                  <a:lumMod val="50000"/>
-                </a:schemeClr>
-              </a:solidFill>
-              <a:effectLst/>
-              <a:uLnTx/>
-              <a:uFillTx/>
-              <a:latin typeface="맑은 고딕" panose="020F0502020204030204"/>
-              <a:ea typeface="맑은 고딕" panose="020B0503020000020004" pitchFamily="50" charset="-127"/>
-              <a:cs typeface="+mn-cs"/>
-            </a:endParaRPr>
-          </a:p>
-        </p:txBody>
-      </p:sp>
-      <p:pic>
-        <p:nvPicPr>
-          <p:cNvPr id="7" name="그림 6">
-            <a:extLst>
-              <a:ext uri="{FF2B5EF4-FFF2-40B4-BE49-F238E27FC236}">
-                <a16:creationId xmlns:a16="http://schemas.microsoft.com/office/drawing/2014/main" id="{91B4B770-A7B5-4BB1-B994-124500DF9BBD}"/>
-              </a:ext>
-            </a:extLst>
-          </p:cNvPr>
-          <p:cNvPicPr>
-            <a:picLocks noChangeAspect="1"/>
-          </p:cNvPicPr>
+          <a:ln>
+            <a:solidFill>
+              <a:schemeClr val="bg1"/>
+            </a:solidFill>
+          </a:ln>
+        </p:spPr>
+        <p:style>
+          <a:lnRef idx="1">
+            <a:schemeClr val="accent1"/>
+          </a:lnRef>
+          <a:fillRef idx="0">
+            <a:schemeClr val="accent1"/>
+          </a:fillRef>
+          <a:effectRef idx="0">
+            <a:schemeClr val="accent1"/>
+          </a:effectRef>
+          <a:fontRef idx="minor">
+            <a:schemeClr val="tx1"/>
+          </a:fontRef>
+        </p:style>
+      </p:cxnSp>
+      <p:cxnSp>
+        <p:nvCxnSpPr>
+          <p:cNvPr id="13" name="직선 연결선 12">
+            <a:extLst>
+              <a:ext uri="{FF2B5EF4-FFF2-40B4-BE49-F238E27FC236}">
+                <a16:creationId xmlns:a16="http://schemas.microsoft.com/office/drawing/2014/main" id="{92A7BF85-EFF0-4169-9F33-5B30AFBB9A2A}"/>
+              </a:ext>
+            </a:extLst>
+          </p:cNvPr>
+          <p:cNvCxnSpPr>
+            <a:cxnSpLocks/>
+          </p:cNvCxnSpPr>
           <p:nvPr/>
-        </p:nvPicPr>
-        <p:blipFill>
-          <a:blip r:embed="rId2"/>
-          <a:stretch>
-            <a:fillRect/>
-          </a:stretch>
-        </p:blipFill>
-        <p:spPr>
-          <a:xfrm>
-            <a:off x="4581590" y="3238444"/>
-            <a:ext cx="3028819" cy="1825884"/>
-          </a:xfrm>
-          <a:prstGeom prst="rect">
+        </p:nvCxnSpPr>
+        <p:spPr>
+          <a:xfrm>
+            <a:off x="904240" y="4011850"/>
+            <a:ext cx="4467890" cy="0"/>
+          </a:xfrm>
+          <a:prstGeom prst="line">
             <a:avLst/>
           </a:prstGeom>
-        </p:spPr>
-      </p:pic>
+          <a:ln>
+            <a:solidFill>
+              <a:schemeClr val="bg1"/>
+            </a:solidFill>
+          </a:ln>
+        </p:spPr>
+        <p:style>
+          <a:lnRef idx="1">
+            <a:schemeClr val="accent1"/>
+          </a:lnRef>
+          <a:fillRef idx="0">
+            <a:schemeClr val="accent1"/>
+          </a:fillRef>
+          <a:effectRef idx="0">
+            <a:schemeClr val="accent1"/>
+          </a:effectRef>
+          <a:fontRef idx="minor">
+            <a:schemeClr val="tx1"/>
+          </a:fontRef>
+        </p:style>
+      </p:cxnSp>
     </p:spTree>
     <p:extLst>
       <p:ext uri="{BB962C8B-B14F-4D97-AF65-F5344CB8AC3E}">
-        <p14:creationId xmlns:p14="http://schemas.microsoft.com/office/powerpoint/2010/main" val="2359039158"/>
+        <p14:creationId xmlns:p14="http://schemas.microsoft.com/office/powerpoint/2010/main" val="1888927995"/>
       </p:ext>
     </p:extLst>
   </p:cSld>
@@ -7002,47 +7038,12 @@
           <a:chExt cx="0" cy="0"/>
         </a:xfrm>
       </p:grpSpPr>
-      <p:pic>
-        <p:nvPicPr>
-          <p:cNvPr id="3" name="그림 2">
-            <a:extLst>
-              <a:ext uri="{FF2B5EF4-FFF2-40B4-BE49-F238E27FC236}">
-                <a16:creationId xmlns:a16="http://schemas.microsoft.com/office/drawing/2014/main" id="{331F6F75-B221-4061-B962-758F7C3BEBFF}"/>
-              </a:ext>
-            </a:extLst>
-          </p:cNvPr>
-          <p:cNvPicPr>
-            <a:picLocks noChangeAspect="1"/>
-          </p:cNvPicPr>
-          <p:nvPr/>
-        </p:nvPicPr>
-        <p:blipFill rotWithShape="1">
-          <a:blip r:embed="rId2" cstate="screen">
-            <a:extLst>
-              <a:ext uri="{28A0092B-C50C-407E-A947-70E740481C1C}">
-                <a14:useLocalDpi xmlns:a14="http://schemas.microsoft.com/office/drawing/2010/main" val="0"/>
-              </a:ext>
-            </a:extLst>
-          </a:blip>
-          <a:srcRect/>
-          <a:stretch/>
-        </p:blipFill>
-        <p:spPr>
-          <a:xfrm>
-            <a:off x="3474720" y="0"/>
-            <a:ext cx="8717280" cy="6858000"/>
-          </a:xfrm>
-          <a:prstGeom prst="rect">
-            <a:avLst/>
-          </a:prstGeom>
-        </p:spPr>
-      </p:pic>
       <p:sp>
         <p:nvSpPr>
-          <p:cNvPr id="7" name="직사각형 6">
-            <a:extLst>
-              <a:ext uri="{FF2B5EF4-FFF2-40B4-BE49-F238E27FC236}">
-                <a16:creationId xmlns:a16="http://schemas.microsoft.com/office/drawing/2014/main" id="{BFB742AF-8DE1-4801-BAAB-FF7C033D40F3}"/>
+          <p:cNvPr id="2" name="직사각형 1">
+            <a:extLst>
+              <a:ext uri="{FF2B5EF4-FFF2-40B4-BE49-F238E27FC236}">
+                <a16:creationId xmlns:a16="http://schemas.microsoft.com/office/drawing/2014/main" id="{0546E572-061A-4F66-860A-EA1641AD3DE2}"/>
               </a:ext>
             </a:extLst>
           </p:cNvPr>
@@ -7052,7 +7053,7 @@
         <p:spPr>
           <a:xfrm>
             <a:off x="0" y="0"/>
-            <a:ext cx="6096000" cy="6858000"/>
+            <a:ext cx="12192000" cy="1076960"/>
           </a:xfrm>
           <a:prstGeom prst="rect">
             <a:avLst/>
@@ -7113,10 +7114,10 @@
       </p:sp>
       <p:sp>
         <p:nvSpPr>
-          <p:cNvPr id="9" name="TextBox 8">
-            <a:extLst>
-              <a:ext uri="{FF2B5EF4-FFF2-40B4-BE49-F238E27FC236}">
-                <a16:creationId xmlns:a16="http://schemas.microsoft.com/office/drawing/2014/main" id="{E9B29B74-5530-431A-9A1D-6C360E5E40A6}"/>
+          <p:cNvPr id="3" name="TextBox 2">
+            <a:extLst>
+              <a:ext uri="{FF2B5EF4-FFF2-40B4-BE49-F238E27FC236}">
+                <a16:creationId xmlns:a16="http://schemas.microsoft.com/office/drawing/2014/main" id="{8951765C-E4E1-440B-B3F6-AD127EB533CF}"/>
               </a:ext>
             </a:extLst>
           </p:cNvPr>
@@ -7125,7 +7126,7 @@
         </p:nvSpPr>
         <p:spPr>
           <a:xfrm>
-            <a:off x="3371261" y="3153927"/>
+            <a:off x="875104" y="101916"/>
             <a:ext cx="2000869" cy="646331"/>
           </a:xfrm>
           <a:prstGeom prst="rect">
@@ -7157,7 +7158,7 @@
               <a:defRPr/>
             </a:pPr>
             <a:r>
-              <a:rPr kumimoji="0" lang="ko-KR" altLang="en-US" sz="3600" b="0" i="0" u="none" strike="noStrike" kern="1200" cap="none" spc="-300" normalizeH="0" baseline="0" noProof="0">
+              <a:rPr kumimoji="0" lang="ko-KR" altLang="en-US" sz="3600" b="0" i="0" u="none" strike="noStrike" kern="1200" cap="none" spc="-300" normalizeH="0" baseline="0" noProof="0" dirty="0" err="1">
                 <a:ln>
                   <a:noFill/>
                 </a:ln>
@@ -7204,7 +7205,7 @@
               </a:rPr>
               <a:t>점곱</a:t>
             </a:r>
-            <a:endParaRPr kumimoji="0" lang="en-US" altLang="ko-KR" sz="3600" b="0" i="0" u="none" strike="noStrike" kern="1200" cap="none" spc="-300" normalizeH="0" baseline="0" noProof="0" dirty="0">
+            <a:endParaRPr kumimoji="0" lang="ko-KR" altLang="en-US" sz="3600" b="0" i="0" u="none" strike="noStrike" kern="1200" cap="none" spc="-300" normalizeH="0" baseline="0" noProof="0" dirty="0">
               <a:ln>
                 <a:noFill/>
               </a:ln>
@@ -7222,10 +7223,10 @@
       </p:sp>
       <p:sp>
         <p:nvSpPr>
-          <p:cNvPr id="11" name="TextBox 10">
-            <a:extLst>
-              <a:ext uri="{FF2B5EF4-FFF2-40B4-BE49-F238E27FC236}">
-                <a16:creationId xmlns:a16="http://schemas.microsoft.com/office/drawing/2014/main" id="{DD6DC040-1911-4DE1-B7BA-8D50B20BC5F8}"/>
+          <p:cNvPr id="4" name="TextBox 3">
+            <a:extLst>
+              <a:ext uri="{FF2B5EF4-FFF2-40B4-BE49-F238E27FC236}">
+                <a16:creationId xmlns:a16="http://schemas.microsoft.com/office/drawing/2014/main" id="{8E877FB6-6DE1-44E4-8EF8-7160153CD120}"/>
               </a:ext>
             </a:extLst>
           </p:cNvPr>
@@ -7234,8 +7235,8 @@
         </p:nvSpPr>
         <p:spPr>
           <a:xfrm>
-            <a:off x="904240" y="2846150"/>
-            <a:ext cx="625492" cy="307777"/>
+            <a:off x="132080" y="117305"/>
+            <a:ext cx="562975" cy="307777"/>
           </a:xfrm>
           <a:prstGeom prst="rect">
             <a:avLst/>
@@ -7266,20 +7267,13 @@
               <a:defRPr/>
             </a:pPr>
             <a:r>
-              <a:rPr kumimoji="0" lang="en-US" altLang="ko-KR" sz="1400" b="0" i="0" u="none" strike="noStrike" kern="1200" cap="none" spc="0" normalizeH="0" baseline="0" noProof="0" dirty="0">
-                <a:ln>
-                  <a:noFill/>
-                </a:ln>
+              <a:rPr lang="en-US" altLang="ko-KR" sz="1400" dirty="0">
                 <a:solidFill>
                   <a:prstClr val="white"/>
                 </a:solidFill>
-                <a:effectLst/>
-                <a:uLnTx/>
-                <a:uFillTx/>
                 <a:ea typeface="나눔스퀘어 Light"/>
-                <a:cs typeface="+mn-cs"/>
-              </a:rPr>
-              <a:t>2.3.3 </a:t>
+              </a:rPr>
+              <a:t>2.3.3</a:t>
             </a:r>
             <a:endParaRPr kumimoji="0" lang="ko-KR" altLang="en-US" sz="1400" b="0" i="0" u="none" strike="noStrike" kern="1200" cap="none" spc="0" normalizeH="0" baseline="0" noProof="0" dirty="0">
               <a:ln>
@@ -7297,96 +7291,553 @@
           </a:p>
         </p:txBody>
       </p:sp>
-      <p:cxnSp>
-        <p:nvCxnSpPr>
-          <p:cNvPr id="12" name="직선 연결선 11">
-            <a:extLst>
-              <a:ext uri="{FF2B5EF4-FFF2-40B4-BE49-F238E27FC236}">
-                <a16:creationId xmlns:a16="http://schemas.microsoft.com/office/drawing/2014/main" id="{E9C7568C-DA98-40CE-9115-1F19853EEDF6}"/>
-              </a:ext>
-            </a:extLst>
-          </p:cNvPr>
-          <p:cNvCxnSpPr>
-            <a:cxnSpLocks/>
-          </p:cNvCxnSpPr>
+      <p:sp>
+        <p:nvSpPr>
+          <p:cNvPr id="17" name="TextBox 16">
+            <a:extLst>
+              <a:ext uri="{FF2B5EF4-FFF2-40B4-BE49-F238E27FC236}">
+                <a16:creationId xmlns:a16="http://schemas.microsoft.com/office/drawing/2014/main" id="{B42EAFAD-1516-4266-AEB8-C727D93D2B43}"/>
+              </a:ext>
+            </a:extLst>
+          </p:cNvPr>
+          <p:cNvSpPr txBox="1"/>
           <p:nvPr/>
-        </p:nvCxnSpPr>
-        <p:spPr>
-          <a:xfrm>
-            <a:off x="904240" y="2823130"/>
-            <a:ext cx="4467890" cy="0"/>
-          </a:xfrm>
-          <a:prstGeom prst="line">
+        </p:nvSpPr>
+        <p:spPr>
+          <a:xfrm>
+            <a:off x="399062" y="1316621"/>
+            <a:ext cx="11488138" cy="830997"/>
+          </a:xfrm>
+          <a:prstGeom prst="rect">
             <a:avLst/>
           </a:prstGeom>
-          <a:ln>
-            <a:solidFill>
-              <a:schemeClr val="bg1"/>
-            </a:solidFill>
-          </a:ln>
+          <a:noFill/>
+        </p:spPr>
+        <p:txBody>
+          <a:bodyPr wrap="square">
+            <a:spAutoFit/>
+          </a:bodyPr>
+          <a:lstStyle/>
+          <a:p>
+            <a:pPr marL="0" marR="0" lvl="0" indent="0" algn="l" defTabSz="914400" rtl="0" eaLnBrk="1" fontAlgn="auto" latinLnBrk="1" hangingPunct="1">
+              <a:lnSpc>
+                <a:spcPct val="100000"/>
+              </a:lnSpc>
+              <a:spcBef>
+                <a:spcPts val="0"/>
+              </a:spcBef>
+              <a:spcAft>
+                <a:spcPts val="0"/>
+              </a:spcAft>
+              <a:buClrTx/>
+              <a:buSzTx/>
+              <a:buFontTx/>
+              <a:buNone/>
+              <a:tabLst/>
+              <a:defRPr/>
+            </a:pPr>
+            <a:r>
+              <a:rPr kumimoji="0" lang="ko-KR" altLang="en-US" sz="2400" b="1" i="0" u="none" strike="noStrike" kern="1200" cap="none" spc="0" normalizeH="0" baseline="0" noProof="0" dirty="0" err="1">
+                <a:ln>
+                  <a:noFill/>
+                </a:ln>
+                <a:solidFill>
+                  <a:schemeClr val="accent2">
+                    <a:lumMod val="50000"/>
+                  </a:schemeClr>
+                </a:solidFill>
+                <a:effectLst/>
+                <a:uLnTx/>
+                <a:uFillTx/>
+                <a:latin typeface="맑은 고딕" panose="020F0502020204030204"/>
+                <a:ea typeface="맑은 고딕" panose="020B0503020000020004" pitchFamily="50" charset="-127"/>
+                <a:cs typeface="+mn-cs"/>
+              </a:rPr>
+              <a:t>텐서</a:t>
+            </a:r>
+            <a:r>
+              <a:rPr kumimoji="0" lang="ko-KR" altLang="en-US" sz="2400" b="1" i="0" u="none" strike="noStrike" kern="1200" cap="none" spc="0" normalizeH="0" baseline="0" noProof="0" dirty="0">
+                <a:ln>
+                  <a:noFill/>
+                </a:ln>
+                <a:solidFill>
+                  <a:schemeClr val="accent2">
+                    <a:lumMod val="50000"/>
+                  </a:schemeClr>
+                </a:solidFill>
+                <a:effectLst/>
+                <a:uLnTx/>
+                <a:uFillTx/>
+                <a:latin typeface="맑은 고딕" panose="020F0502020204030204"/>
+                <a:ea typeface="맑은 고딕" panose="020B0503020000020004" pitchFamily="50" charset="-127"/>
+                <a:cs typeface="+mn-cs"/>
+              </a:rPr>
+              <a:t> 곱셈</a:t>
+            </a:r>
+            <a:r>
+              <a:rPr kumimoji="0" lang="en-US" altLang="ko-KR" sz="2400" b="1" i="0" u="none" strike="noStrike" kern="1200" cap="none" spc="0" normalizeH="0" baseline="0" noProof="0" dirty="0">
+                <a:ln>
+                  <a:noFill/>
+                </a:ln>
+                <a:solidFill>
+                  <a:schemeClr val="accent2">
+                    <a:lumMod val="50000"/>
+                  </a:schemeClr>
+                </a:solidFill>
+                <a:effectLst/>
+                <a:uLnTx/>
+                <a:uFillTx/>
+                <a:latin typeface="맑은 고딕" panose="020F0502020204030204"/>
+                <a:ea typeface="맑은 고딕" panose="020B0503020000020004" pitchFamily="50" charset="-127"/>
+                <a:cs typeface="+mn-cs"/>
+              </a:rPr>
+              <a:t>(tensor product) or </a:t>
+            </a:r>
+            <a:r>
+              <a:rPr kumimoji="0" lang="ko-KR" altLang="en-US" sz="2400" b="1" i="0" u="none" strike="noStrike" kern="1200" cap="none" spc="0" normalizeH="0" baseline="0" noProof="0" dirty="0" err="1">
+                <a:ln>
+                  <a:noFill/>
+                </a:ln>
+                <a:solidFill>
+                  <a:schemeClr val="accent2">
+                    <a:lumMod val="50000"/>
+                  </a:schemeClr>
+                </a:solidFill>
+                <a:effectLst/>
+                <a:uLnTx/>
+                <a:uFillTx/>
+                <a:latin typeface="맑은 고딕" panose="020F0502020204030204"/>
+                <a:ea typeface="맑은 고딕" panose="020B0503020000020004" pitchFamily="50" charset="-127"/>
+                <a:cs typeface="+mn-cs"/>
+              </a:rPr>
+              <a:t>점곱</a:t>
+            </a:r>
+            <a:r>
+              <a:rPr kumimoji="0" lang="ko-KR" altLang="en-US" sz="2400" b="1" i="0" u="none" strike="noStrike" kern="1200" cap="none" spc="0" normalizeH="0" baseline="0" noProof="0" dirty="0">
+                <a:ln>
+                  <a:noFill/>
+                </a:ln>
+                <a:solidFill>
+                  <a:schemeClr val="accent2">
+                    <a:lumMod val="50000"/>
+                  </a:schemeClr>
+                </a:solidFill>
+                <a:effectLst/>
+                <a:uLnTx/>
+                <a:uFillTx/>
+                <a:latin typeface="맑은 고딕" panose="020F0502020204030204"/>
+                <a:ea typeface="맑은 고딕" panose="020B0503020000020004" pitchFamily="50" charset="-127"/>
+                <a:cs typeface="+mn-cs"/>
+              </a:rPr>
+              <a:t> 연산</a:t>
+            </a:r>
+            <a:r>
+              <a:rPr kumimoji="0" lang="en-US" altLang="ko-KR" sz="2400" b="1" i="0" u="none" strike="noStrike" kern="1200" cap="none" spc="0" normalizeH="0" baseline="0" noProof="0" dirty="0">
+                <a:ln>
+                  <a:noFill/>
+                </a:ln>
+                <a:solidFill>
+                  <a:schemeClr val="accent2">
+                    <a:lumMod val="50000"/>
+                  </a:schemeClr>
+                </a:solidFill>
+                <a:effectLst/>
+                <a:uLnTx/>
+                <a:uFillTx/>
+                <a:latin typeface="맑은 고딕" panose="020F0502020204030204"/>
+                <a:ea typeface="맑은 고딕" panose="020B0503020000020004" pitchFamily="50" charset="-127"/>
+                <a:cs typeface="+mn-cs"/>
+              </a:rPr>
+              <a:t>(dot operation)</a:t>
+            </a:r>
+            <a:r>
+              <a:rPr lang="ko-KR" altLang="en-US" sz="2400" b="1" dirty="0">
+                <a:solidFill>
+                  <a:schemeClr val="accent2">
+                    <a:lumMod val="50000"/>
+                  </a:schemeClr>
+                </a:solidFill>
+                <a:latin typeface="맑은 고딕" panose="020F0502020204030204"/>
+                <a:ea typeface="맑은 고딕" panose="020B0503020000020004" pitchFamily="50" charset="-127"/>
+              </a:rPr>
+              <a:t> </a:t>
+            </a:r>
+            <a:r>
+              <a:rPr lang="en-US" altLang="ko-KR" sz="2400" b="1" dirty="0">
+                <a:solidFill>
+                  <a:schemeClr val="accent2">
+                    <a:lumMod val="50000"/>
+                  </a:schemeClr>
+                </a:solidFill>
+                <a:latin typeface="맑은 고딕" panose="020F0502020204030204"/>
+                <a:ea typeface="맑은 고딕" panose="020B0503020000020004" pitchFamily="50" charset="-127"/>
+              </a:rPr>
+              <a:t>:</a:t>
+            </a:r>
+          </a:p>
+          <a:p>
+            <a:pPr marL="0" marR="0" lvl="0" indent="0" algn="ctr" defTabSz="914400" rtl="0" eaLnBrk="1" fontAlgn="auto" latinLnBrk="1" hangingPunct="1">
+              <a:lnSpc>
+                <a:spcPct val="100000"/>
+              </a:lnSpc>
+              <a:spcBef>
+                <a:spcPts val="0"/>
+              </a:spcBef>
+              <a:spcAft>
+                <a:spcPts val="0"/>
+              </a:spcAft>
+              <a:buClrTx/>
+              <a:buSzTx/>
+              <a:buFontTx/>
+              <a:buNone/>
+              <a:tabLst/>
+              <a:defRPr/>
+            </a:pPr>
+            <a:r>
+              <a:rPr kumimoji="0" lang="en-US" altLang="ko-KR" sz="2400" i="0" u="none" strike="noStrike" kern="1200" cap="none" spc="0" normalizeH="0" baseline="0" noProof="0" dirty="0">
+                <a:ln>
+                  <a:noFill/>
+                </a:ln>
+                <a:solidFill>
+                  <a:schemeClr val="accent2">
+                    <a:lumMod val="50000"/>
+                  </a:schemeClr>
+                </a:solidFill>
+                <a:effectLst/>
+                <a:uLnTx/>
+                <a:uFillTx/>
+                <a:latin typeface="맑은 고딕" panose="020F0502020204030204"/>
+                <a:ea typeface="맑은 고딕" panose="020B0503020000020004" pitchFamily="50" charset="-127"/>
+                <a:cs typeface="+mn-cs"/>
+              </a:rPr>
+              <a:t>				</a:t>
+            </a:r>
+            <a:r>
+              <a:rPr kumimoji="0" lang="ko-KR" altLang="en-US" sz="2400" i="0" u="none" strike="noStrike" kern="1200" cap="none" spc="0" normalizeH="0" baseline="0" noProof="0" dirty="0">
+                <a:ln>
+                  <a:noFill/>
+                </a:ln>
+                <a:solidFill>
+                  <a:schemeClr val="accent2">
+                    <a:lumMod val="50000"/>
+                  </a:schemeClr>
+                </a:solidFill>
+                <a:effectLst/>
+                <a:uLnTx/>
+                <a:uFillTx/>
+                <a:latin typeface="맑은 고딕" panose="020F0502020204030204"/>
+                <a:ea typeface="맑은 고딕" panose="020B0503020000020004" pitchFamily="50" charset="-127"/>
+                <a:cs typeface="+mn-cs"/>
+              </a:rPr>
+              <a:t>가장 널리 사용되고 유용한 </a:t>
+            </a:r>
+            <a:r>
+              <a:rPr kumimoji="0" lang="ko-KR" altLang="en-US" sz="2400" i="0" u="none" strike="noStrike" kern="1200" cap="none" spc="0" normalizeH="0" baseline="0" noProof="0" dirty="0" err="1">
+                <a:ln>
+                  <a:noFill/>
+                </a:ln>
+                <a:solidFill>
+                  <a:schemeClr val="accent2">
+                    <a:lumMod val="50000"/>
+                  </a:schemeClr>
+                </a:solidFill>
+                <a:effectLst/>
+                <a:uLnTx/>
+                <a:uFillTx/>
+                <a:latin typeface="맑은 고딕" panose="020F0502020204030204"/>
+                <a:ea typeface="맑은 고딕" panose="020B0503020000020004" pitchFamily="50" charset="-127"/>
+                <a:cs typeface="+mn-cs"/>
+              </a:rPr>
+              <a:t>텐서</a:t>
+            </a:r>
+            <a:r>
+              <a:rPr kumimoji="0" lang="ko-KR" altLang="en-US" sz="2400" i="0" u="none" strike="noStrike" kern="1200" cap="none" spc="0" normalizeH="0" baseline="0" noProof="0" dirty="0">
+                <a:ln>
+                  <a:noFill/>
+                </a:ln>
+                <a:solidFill>
+                  <a:schemeClr val="accent2">
+                    <a:lumMod val="50000"/>
+                  </a:schemeClr>
+                </a:solidFill>
+                <a:effectLst/>
+                <a:uLnTx/>
+                <a:uFillTx/>
+                <a:latin typeface="맑은 고딕" panose="020F0502020204030204"/>
+                <a:ea typeface="맑은 고딕" panose="020B0503020000020004" pitchFamily="50" charset="-127"/>
+                <a:cs typeface="+mn-cs"/>
+              </a:rPr>
+              <a:t> 연산</a:t>
+            </a:r>
+            <a:endParaRPr kumimoji="0" lang="en-US" altLang="ko-KR" sz="2400" i="0" u="none" strike="noStrike" kern="1200" cap="none" spc="0" normalizeH="0" baseline="0" noProof="0" dirty="0">
+              <a:ln>
+                <a:noFill/>
+              </a:ln>
+              <a:solidFill>
+                <a:schemeClr val="accent2">
+                  <a:lumMod val="50000"/>
+                </a:schemeClr>
+              </a:solidFill>
+              <a:effectLst/>
+              <a:uLnTx/>
+              <a:uFillTx/>
+              <a:latin typeface="맑은 고딕" panose="020F0502020204030204"/>
+              <a:ea typeface="맑은 고딕" panose="020B0503020000020004" pitchFamily="50" charset="-127"/>
+              <a:cs typeface="+mn-cs"/>
+            </a:endParaRPr>
+          </a:p>
+        </p:txBody>
+      </p:sp>
+      <p:sp>
+        <p:nvSpPr>
+          <p:cNvPr id="8" name="TextBox 7">
+            <a:extLst>
+              <a:ext uri="{FF2B5EF4-FFF2-40B4-BE49-F238E27FC236}">
+                <a16:creationId xmlns:a16="http://schemas.microsoft.com/office/drawing/2014/main" id="{A4D9AA96-5F57-4245-8E32-826DFE3C0155}"/>
+              </a:ext>
+            </a:extLst>
+          </p:cNvPr>
+          <p:cNvSpPr txBox="1"/>
+          <p:nvPr/>
+        </p:nvSpPr>
+        <p:spPr>
+          <a:xfrm>
+            <a:off x="2469909" y="2507414"/>
+            <a:ext cx="7346444" cy="461665"/>
+          </a:xfrm>
+          <a:prstGeom prst="rect">
+            <a:avLst/>
+          </a:prstGeom>
+          <a:noFill/>
+        </p:spPr>
+        <p:txBody>
+          <a:bodyPr wrap="square">
+            <a:spAutoFit/>
+          </a:bodyPr>
+          <a:lstStyle/>
+          <a:p>
+            <a:pPr marL="0" marR="0" lvl="0" indent="0" algn="l" defTabSz="914400" rtl="0" eaLnBrk="1" fontAlgn="auto" latinLnBrk="1" hangingPunct="1">
+              <a:lnSpc>
+                <a:spcPct val="100000"/>
+              </a:lnSpc>
+              <a:spcBef>
+                <a:spcPts val="0"/>
+              </a:spcBef>
+              <a:spcAft>
+                <a:spcPts val="0"/>
+              </a:spcAft>
+              <a:buClrTx/>
+              <a:buSzTx/>
+              <a:buFontTx/>
+              <a:buNone/>
+              <a:tabLst/>
+              <a:defRPr/>
+            </a:pPr>
+            <a:r>
+              <a:rPr kumimoji="0" lang="ko-KR" altLang="en-US" sz="2400" i="0" u="none" strike="noStrike" kern="1200" cap="none" spc="0" normalizeH="0" baseline="0" noProof="0" dirty="0" err="1">
+                <a:ln>
+                  <a:noFill/>
+                </a:ln>
+                <a:solidFill>
+                  <a:schemeClr val="accent2">
+                    <a:lumMod val="50000"/>
+                  </a:schemeClr>
+                </a:solidFill>
+                <a:effectLst/>
+                <a:uLnTx/>
+                <a:uFillTx/>
+                <a:latin typeface="맑은 고딕" panose="020F0502020204030204"/>
+                <a:ea typeface="맑은 고딕" panose="020B0503020000020004" pitchFamily="50" charset="-127"/>
+                <a:cs typeface="+mn-cs"/>
+              </a:rPr>
+              <a:t>원소별</a:t>
+            </a:r>
+            <a:r>
+              <a:rPr kumimoji="0" lang="ko-KR" altLang="en-US" sz="2400" i="0" u="none" strike="noStrike" kern="1200" cap="none" spc="0" normalizeH="0" baseline="0" noProof="0" dirty="0">
+                <a:ln>
+                  <a:noFill/>
+                </a:ln>
+                <a:solidFill>
+                  <a:schemeClr val="accent2">
+                    <a:lumMod val="50000"/>
+                  </a:schemeClr>
+                </a:solidFill>
+                <a:effectLst/>
+                <a:uLnTx/>
+                <a:uFillTx/>
+                <a:latin typeface="맑은 고딕" panose="020F0502020204030204"/>
+                <a:ea typeface="맑은 고딕" panose="020B0503020000020004" pitchFamily="50" charset="-127"/>
+                <a:cs typeface="+mn-cs"/>
+              </a:rPr>
+              <a:t> 연산과 반대로 입력 </a:t>
+            </a:r>
+            <a:r>
+              <a:rPr kumimoji="0" lang="ko-KR" altLang="en-US" sz="2400" i="0" u="none" strike="noStrike" kern="1200" cap="none" spc="0" normalizeH="0" baseline="0" noProof="0" dirty="0" err="1">
+                <a:ln>
+                  <a:noFill/>
+                </a:ln>
+                <a:solidFill>
+                  <a:schemeClr val="accent2">
+                    <a:lumMod val="50000"/>
+                  </a:schemeClr>
+                </a:solidFill>
+                <a:effectLst/>
+                <a:uLnTx/>
+                <a:uFillTx/>
+                <a:latin typeface="맑은 고딕" panose="020F0502020204030204"/>
+                <a:ea typeface="맑은 고딕" panose="020B0503020000020004" pitchFamily="50" charset="-127"/>
+                <a:cs typeface="+mn-cs"/>
+              </a:rPr>
+              <a:t>텐서의</a:t>
+            </a:r>
+            <a:r>
+              <a:rPr kumimoji="0" lang="ko-KR" altLang="en-US" sz="2400" i="0" u="none" strike="noStrike" kern="1200" cap="none" spc="0" normalizeH="0" baseline="0" noProof="0" dirty="0">
+                <a:ln>
+                  <a:noFill/>
+                </a:ln>
+                <a:solidFill>
+                  <a:schemeClr val="accent2">
+                    <a:lumMod val="50000"/>
+                  </a:schemeClr>
+                </a:solidFill>
+                <a:effectLst/>
+                <a:uLnTx/>
+                <a:uFillTx/>
+                <a:latin typeface="맑은 고딕" panose="020F0502020204030204"/>
+                <a:ea typeface="맑은 고딕" panose="020B0503020000020004" pitchFamily="50" charset="-127"/>
+                <a:cs typeface="+mn-cs"/>
+              </a:rPr>
+              <a:t> 원소들을 결합</a:t>
+            </a:r>
+            <a:endParaRPr kumimoji="0" lang="en-US" altLang="ko-KR" sz="2400" i="0" u="none" strike="noStrike" kern="1200" cap="none" spc="0" normalizeH="0" baseline="0" noProof="0" dirty="0">
+              <a:ln>
+                <a:noFill/>
+              </a:ln>
+              <a:solidFill>
+                <a:schemeClr val="accent2">
+                  <a:lumMod val="50000"/>
+                </a:schemeClr>
+              </a:solidFill>
+              <a:effectLst/>
+              <a:uLnTx/>
+              <a:uFillTx/>
+              <a:latin typeface="맑은 고딕" panose="020F0502020204030204"/>
+              <a:ea typeface="맑은 고딕" panose="020B0503020000020004" pitchFamily="50" charset="-127"/>
+              <a:cs typeface="+mn-cs"/>
+            </a:endParaRPr>
+          </a:p>
+        </p:txBody>
+      </p:sp>
+      <p:pic>
+        <p:nvPicPr>
+          <p:cNvPr id="6" name="그림 5">
+            <a:extLst>
+              <a:ext uri="{FF2B5EF4-FFF2-40B4-BE49-F238E27FC236}">
+                <a16:creationId xmlns:a16="http://schemas.microsoft.com/office/drawing/2014/main" id="{CA708C5F-1A3F-4581-A1B7-1F60292660CA}"/>
+              </a:ext>
+            </a:extLst>
+          </p:cNvPr>
+          <p:cNvPicPr>
+            <a:picLocks noChangeAspect="1"/>
+          </p:cNvPicPr>
+          <p:nvPr/>
+        </p:nvPicPr>
+        <p:blipFill>
+          <a:blip r:embed="rId2"/>
+          <a:stretch>
+            <a:fillRect/>
+          </a:stretch>
+        </p:blipFill>
+        <p:spPr>
+          <a:xfrm>
+            <a:off x="8153874" y="3740462"/>
+            <a:ext cx="2586457" cy="1939842"/>
+          </a:xfrm>
+          <a:prstGeom prst="rect">
+            <a:avLst/>
+          </a:prstGeom>
+        </p:spPr>
+      </p:pic>
+      <p:sp>
+        <p:nvSpPr>
+          <p:cNvPr id="10" name="화살표: 오른쪽 9">
+            <a:extLst>
+              <a:ext uri="{FF2B5EF4-FFF2-40B4-BE49-F238E27FC236}">
+                <a16:creationId xmlns:a16="http://schemas.microsoft.com/office/drawing/2014/main" id="{C1F1F1CD-96DB-44B7-9166-2FCEBE84D57B}"/>
+              </a:ext>
+            </a:extLst>
+          </p:cNvPr>
+          <p:cNvSpPr/>
+          <p:nvPr/>
+        </p:nvSpPr>
+        <p:spPr>
+          <a:xfrm>
+            <a:off x="5740408" y="4351845"/>
+            <a:ext cx="1629269" cy="523220"/>
+          </a:xfrm>
+          <a:prstGeom prst="rightArrow">
+            <a:avLst/>
+          </a:prstGeom>
         </p:spPr>
         <p:style>
-          <a:lnRef idx="1">
-            <a:schemeClr val="accent1"/>
+          <a:lnRef idx="2">
+            <a:schemeClr val="accent1">
+              <a:shade val="50000"/>
+            </a:schemeClr>
           </a:lnRef>
-          <a:fillRef idx="0">
+          <a:fillRef idx="1">
             <a:schemeClr val="accent1"/>
           </a:fillRef>
           <a:effectRef idx="0">
             <a:schemeClr val="accent1"/>
           </a:effectRef>
           <a:fontRef idx="minor">
-            <a:schemeClr val="tx1"/>
+            <a:schemeClr val="lt1"/>
           </a:fontRef>
         </p:style>
-      </p:cxnSp>
-      <p:cxnSp>
-        <p:nvCxnSpPr>
-          <p:cNvPr id="13" name="직선 연결선 12">
-            <a:extLst>
-              <a:ext uri="{FF2B5EF4-FFF2-40B4-BE49-F238E27FC236}">
-                <a16:creationId xmlns:a16="http://schemas.microsoft.com/office/drawing/2014/main" id="{92A7BF85-EFF0-4169-9F33-5B30AFBB9A2A}"/>
-              </a:ext>
-            </a:extLst>
-          </p:cNvPr>
-          <p:cNvCxnSpPr>
-            <a:cxnSpLocks/>
-          </p:cNvCxnSpPr>
+        <p:txBody>
+          <a:bodyPr rtlCol="0" anchor="ctr"/>
+          <a:lstStyle/>
+          <a:p>
+            <a:pPr algn="ctr"/>
+            <a:endParaRPr lang="ko-KR" altLang="en-US"/>
+          </a:p>
+        </p:txBody>
+      </p:sp>
+      <p:pic>
+        <p:nvPicPr>
+          <p:cNvPr id="12" name="그림 11">
+            <a:extLst>
+              <a:ext uri="{FF2B5EF4-FFF2-40B4-BE49-F238E27FC236}">
+                <a16:creationId xmlns:a16="http://schemas.microsoft.com/office/drawing/2014/main" id="{B189A6DF-E710-4A03-A87E-E3CF3541124C}"/>
+              </a:ext>
+            </a:extLst>
+          </p:cNvPr>
+          <p:cNvPicPr>
+            <a:picLocks noChangeAspect="1"/>
+          </p:cNvPicPr>
           <p:nvPr/>
-        </p:nvCxnSpPr>
-        <p:spPr>
-          <a:xfrm>
-            <a:off x="904240" y="4011850"/>
-            <a:ext cx="4467890" cy="0"/>
-          </a:xfrm>
-          <a:prstGeom prst="line">
+        </p:nvPicPr>
+        <p:blipFill>
+          <a:blip r:embed="rId3"/>
+          <a:stretch>
+            <a:fillRect/>
+          </a:stretch>
+        </p:blipFill>
+        <p:spPr>
+          <a:xfrm>
+            <a:off x="688157" y="4063187"/>
+            <a:ext cx="4375631" cy="1100537"/>
+          </a:xfrm>
+          <a:prstGeom prst="rect">
             <a:avLst/>
           </a:prstGeom>
-          <a:ln>
-            <a:solidFill>
-              <a:schemeClr val="bg1"/>
-            </a:solidFill>
-          </a:ln>
-        </p:spPr>
-        <p:style>
-          <a:lnRef idx="1">
-            <a:schemeClr val="accent1"/>
-          </a:lnRef>
-          <a:fillRef idx="0">
-            <a:schemeClr val="accent1"/>
-          </a:fillRef>
-          <a:effectRef idx="0">
-            <a:schemeClr val="accent1"/>
-          </a:effectRef>
-          <a:fontRef idx="minor">
-            <a:schemeClr val="tx1"/>
-          </a:fontRef>
-        </p:style>
-      </p:cxnSp>
+        </p:spPr>
+      </p:pic>
     </p:spTree>
     <p:extLst>
       <p:ext uri="{BB962C8B-B14F-4D97-AF65-F5344CB8AC3E}">
-        <p14:creationId xmlns:p14="http://schemas.microsoft.com/office/powerpoint/2010/main" val="1888927995"/>
+        <p14:creationId xmlns:p14="http://schemas.microsoft.com/office/powerpoint/2010/main" val="3870226584"/>
       </p:ext>
     </p:extLst>
   </p:cSld>
@@ -7514,7 +7965,7 @@
         <p:spPr>
           <a:xfrm>
             <a:off x="875104" y="101916"/>
-            <a:ext cx="2000869" cy="646331"/>
+            <a:ext cx="2424062" cy="646331"/>
           </a:xfrm>
           <a:prstGeom prst="rect">
             <a:avLst/>
@@ -7545,7 +7996,7 @@
               <a:defRPr/>
             </a:pPr>
             <a:r>
-              <a:rPr kumimoji="0" lang="ko-KR" altLang="en-US" sz="3600" b="0" i="0" u="none" strike="noStrike" kern="1200" cap="none" spc="-300" normalizeH="0" baseline="0" noProof="0" dirty="0" err="1">
+              <a:rPr kumimoji="0" lang="ko-KR" altLang="en-US" sz="3600" b="0" i="0" u="none" strike="noStrike" kern="1200" cap="none" spc="-300" normalizeH="0" baseline="0" noProof="0" dirty="0">
                 <a:ln>
                   <a:noFill/>
                 </a:ln>
@@ -7558,23 +8009,7 @@
                 <a:ea typeface="나눔스퀘어 Light"/>
                 <a:cs typeface="+mn-cs"/>
               </a:rPr>
-              <a:t>텐서</a:t>
-            </a:r>
-            <a:r>
-              <a:rPr kumimoji="0" lang="ko-KR" altLang="en-US" sz="3600" b="0" i="0" u="none" strike="noStrike" kern="1200" cap="none" spc="-300" normalizeH="0" baseline="0" noProof="0" dirty="0">
-                <a:ln>
-                  <a:noFill/>
-                </a:ln>
-                <a:solidFill>
-                  <a:prstClr val="white"/>
-                </a:solidFill>
-                <a:effectLst/>
-                <a:uLnTx/>
-                <a:uFillTx/>
-                <a:ea typeface="나눔스퀘어 Light"/>
-                <a:cs typeface="+mn-cs"/>
-              </a:rPr>
-              <a:t> </a:t>
+              <a:t>벡터의 </a:t>
             </a:r>
             <a:r>
               <a:rPr kumimoji="0" lang="ko-KR" altLang="en-US" sz="3600" b="0" i="0" u="none" strike="noStrike" kern="1200" cap="none" spc="-300" normalizeH="0" baseline="0" noProof="0" dirty="0" err="1">
@@ -7678,449 +8113,12 @@
           </a:p>
         </p:txBody>
       </p:sp>
-      <p:sp>
-        <p:nvSpPr>
-          <p:cNvPr id="17" name="TextBox 16">
-            <a:extLst>
-              <a:ext uri="{FF2B5EF4-FFF2-40B4-BE49-F238E27FC236}">
-                <a16:creationId xmlns:a16="http://schemas.microsoft.com/office/drawing/2014/main" id="{B42EAFAD-1516-4266-AEB8-C727D93D2B43}"/>
-              </a:ext>
-            </a:extLst>
-          </p:cNvPr>
-          <p:cNvSpPr txBox="1"/>
-          <p:nvPr/>
-        </p:nvSpPr>
-        <p:spPr>
-          <a:xfrm>
-            <a:off x="399062" y="1316621"/>
-            <a:ext cx="11488138" cy="830997"/>
-          </a:xfrm>
-          <a:prstGeom prst="rect">
-            <a:avLst/>
-          </a:prstGeom>
-          <a:noFill/>
-        </p:spPr>
-        <p:txBody>
-          <a:bodyPr wrap="square">
-            <a:spAutoFit/>
-          </a:bodyPr>
-          <a:lstStyle/>
-          <a:p>
-            <a:pPr marL="0" marR="0" lvl="0" indent="0" algn="l" defTabSz="914400" rtl="0" eaLnBrk="1" fontAlgn="auto" latinLnBrk="1" hangingPunct="1">
-              <a:lnSpc>
-                <a:spcPct val="100000"/>
-              </a:lnSpc>
-              <a:spcBef>
-                <a:spcPts val="0"/>
-              </a:spcBef>
-              <a:spcAft>
-                <a:spcPts val="0"/>
-              </a:spcAft>
-              <a:buClrTx/>
-              <a:buSzTx/>
-              <a:buFontTx/>
-              <a:buNone/>
-              <a:tabLst/>
-              <a:defRPr/>
-            </a:pPr>
-            <a:r>
-              <a:rPr kumimoji="0" lang="ko-KR" altLang="en-US" sz="2400" b="1" i="0" u="none" strike="noStrike" kern="1200" cap="none" spc="0" normalizeH="0" baseline="0" noProof="0" dirty="0" err="1">
-                <a:ln>
-                  <a:noFill/>
-                </a:ln>
-                <a:solidFill>
-                  <a:schemeClr val="accent2">
-                    <a:lumMod val="50000"/>
-                  </a:schemeClr>
-                </a:solidFill>
-                <a:effectLst/>
-                <a:uLnTx/>
-                <a:uFillTx/>
-                <a:latin typeface="맑은 고딕" panose="020F0502020204030204"/>
-                <a:ea typeface="맑은 고딕" panose="020B0503020000020004" pitchFamily="50" charset="-127"/>
-                <a:cs typeface="+mn-cs"/>
-              </a:rPr>
-              <a:t>텐서</a:t>
-            </a:r>
-            <a:r>
-              <a:rPr kumimoji="0" lang="ko-KR" altLang="en-US" sz="2400" b="1" i="0" u="none" strike="noStrike" kern="1200" cap="none" spc="0" normalizeH="0" baseline="0" noProof="0" dirty="0">
-                <a:ln>
-                  <a:noFill/>
-                </a:ln>
-                <a:solidFill>
-                  <a:schemeClr val="accent2">
-                    <a:lumMod val="50000"/>
-                  </a:schemeClr>
-                </a:solidFill>
-                <a:effectLst/>
-                <a:uLnTx/>
-                <a:uFillTx/>
-                <a:latin typeface="맑은 고딕" panose="020F0502020204030204"/>
-                <a:ea typeface="맑은 고딕" panose="020B0503020000020004" pitchFamily="50" charset="-127"/>
-                <a:cs typeface="+mn-cs"/>
-              </a:rPr>
-              <a:t> 곱셈</a:t>
-            </a:r>
-            <a:r>
-              <a:rPr kumimoji="0" lang="en-US" altLang="ko-KR" sz="2400" b="1" i="0" u="none" strike="noStrike" kern="1200" cap="none" spc="0" normalizeH="0" baseline="0" noProof="0" dirty="0">
-                <a:ln>
-                  <a:noFill/>
-                </a:ln>
-                <a:solidFill>
-                  <a:schemeClr val="accent2">
-                    <a:lumMod val="50000"/>
-                  </a:schemeClr>
-                </a:solidFill>
-                <a:effectLst/>
-                <a:uLnTx/>
-                <a:uFillTx/>
-                <a:latin typeface="맑은 고딕" panose="020F0502020204030204"/>
-                <a:ea typeface="맑은 고딕" panose="020B0503020000020004" pitchFamily="50" charset="-127"/>
-                <a:cs typeface="+mn-cs"/>
-              </a:rPr>
-              <a:t>(tensor product) or </a:t>
-            </a:r>
-            <a:r>
-              <a:rPr kumimoji="0" lang="ko-KR" altLang="en-US" sz="2400" b="1" i="0" u="none" strike="noStrike" kern="1200" cap="none" spc="0" normalizeH="0" baseline="0" noProof="0" dirty="0" err="1">
-                <a:ln>
-                  <a:noFill/>
-                </a:ln>
-                <a:solidFill>
-                  <a:schemeClr val="accent2">
-                    <a:lumMod val="50000"/>
-                  </a:schemeClr>
-                </a:solidFill>
-                <a:effectLst/>
-                <a:uLnTx/>
-                <a:uFillTx/>
-                <a:latin typeface="맑은 고딕" panose="020F0502020204030204"/>
-                <a:ea typeface="맑은 고딕" panose="020B0503020000020004" pitchFamily="50" charset="-127"/>
-                <a:cs typeface="+mn-cs"/>
-              </a:rPr>
-              <a:t>점곱</a:t>
-            </a:r>
-            <a:r>
-              <a:rPr kumimoji="0" lang="ko-KR" altLang="en-US" sz="2400" b="1" i="0" u="none" strike="noStrike" kern="1200" cap="none" spc="0" normalizeH="0" baseline="0" noProof="0" dirty="0">
-                <a:ln>
-                  <a:noFill/>
-                </a:ln>
-                <a:solidFill>
-                  <a:schemeClr val="accent2">
-                    <a:lumMod val="50000"/>
-                  </a:schemeClr>
-                </a:solidFill>
-                <a:effectLst/>
-                <a:uLnTx/>
-                <a:uFillTx/>
-                <a:latin typeface="맑은 고딕" panose="020F0502020204030204"/>
-                <a:ea typeface="맑은 고딕" panose="020B0503020000020004" pitchFamily="50" charset="-127"/>
-                <a:cs typeface="+mn-cs"/>
-              </a:rPr>
-              <a:t> 연산</a:t>
-            </a:r>
-            <a:r>
-              <a:rPr kumimoji="0" lang="en-US" altLang="ko-KR" sz="2400" b="1" i="0" u="none" strike="noStrike" kern="1200" cap="none" spc="0" normalizeH="0" baseline="0" noProof="0" dirty="0">
-                <a:ln>
-                  <a:noFill/>
-                </a:ln>
-                <a:solidFill>
-                  <a:schemeClr val="accent2">
-                    <a:lumMod val="50000"/>
-                  </a:schemeClr>
-                </a:solidFill>
-                <a:effectLst/>
-                <a:uLnTx/>
-                <a:uFillTx/>
-                <a:latin typeface="맑은 고딕" panose="020F0502020204030204"/>
-                <a:ea typeface="맑은 고딕" panose="020B0503020000020004" pitchFamily="50" charset="-127"/>
-                <a:cs typeface="+mn-cs"/>
-              </a:rPr>
-              <a:t>(dot operation)</a:t>
-            </a:r>
-            <a:r>
-              <a:rPr lang="ko-KR" altLang="en-US" sz="2400" b="1" dirty="0">
-                <a:solidFill>
-                  <a:schemeClr val="accent2">
-                    <a:lumMod val="50000"/>
-                  </a:schemeClr>
-                </a:solidFill>
-                <a:latin typeface="맑은 고딕" panose="020F0502020204030204"/>
-                <a:ea typeface="맑은 고딕" panose="020B0503020000020004" pitchFamily="50" charset="-127"/>
-              </a:rPr>
-              <a:t> </a:t>
-            </a:r>
-            <a:r>
-              <a:rPr lang="en-US" altLang="ko-KR" sz="2400" b="1" dirty="0">
-                <a:solidFill>
-                  <a:schemeClr val="accent2">
-                    <a:lumMod val="50000"/>
-                  </a:schemeClr>
-                </a:solidFill>
-                <a:latin typeface="맑은 고딕" panose="020F0502020204030204"/>
-                <a:ea typeface="맑은 고딕" panose="020B0503020000020004" pitchFamily="50" charset="-127"/>
-              </a:rPr>
-              <a:t>:</a:t>
-            </a:r>
-          </a:p>
-          <a:p>
-            <a:pPr marL="0" marR="0" lvl="0" indent="0" algn="ctr" defTabSz="914400" rtl="0" eaLnBrk="1" fontAlgn="auto" latinLnBrk="1" hangingPunct="1">
-              <a:lnSpc>
-                <a:spcPct val="100000"/>
-              </a:lnSpc>
-              <a:spcBef>
-                <a:spcPts val="0"/>
-              </a:spcBef>
-              <a:spcAft>
-                <a:spcPts val="0"/>
-              </a:spcAft>
-              <a:buClrTx/>
-              <a:buSzTx/>
-              <a:buFontTx/>
-              <a:buNone/>
-              <a:tabLst/>
-              <a:defRPr/>
-            </a:pPr>
-            <a:r>
-              <a:rPr kumimoji="0" lang="en-US" altLang="ko-KR" sz="2400" i="0" u="none" strike="noStrike" kern="1200" cap="none" spc="0" normalizeH="0" baseline="0" noProof="0" dirty="0">
-                <a:ln>
-                  <a:noFill/>
-                </a:ln>
-                <a:solidFill>
-                  <a:schemeClr val="accent2">
-                    <a:lumMod val="50000"/>
-                  </a:schemeClr>
-                </a:solidFill>
-                <a:effectLst/>
-                <a:uLnTx/>
-                <a:uFillTx/>
-                <a:latin typeface="맑은 고딕" panose="020F0502020204030204"/>
-                <a:ea typeface="맑은 고딕" panose="020B0503020000020004" pitchFamily="50" charset="-127"/>
-                <a:cs typeface="+mn-cs"/>
-              </a:rPr>
-              <a:t>				</a:t>
-            </a:r>
-            <a:r>
-              <a:rPr kumimoji="0" lang="ko-KR" altLang="en-US" sz="2400" i="0" u="none" strike="noStrike" kern="1200" cap="none" spc="0" normalizeH="0" baseline="0" noProof="0" dirty="0">
-                <a:ln>
-                  <a:noFill/>
-                </a:ln>
-                <a:solidFill>
-                  <a:schemeClr val="accent2">
-                    <a:lumMod val="50000"/>
-                  </a:schemeClr>
-                </a:solidFill>
-                <a:effectLst/>
-                <a:uLnTx/>
-                <a:uFillTx/>
-                <a:latin typeface="맑은 고딕" panose="020F0502020204030204"/>
-                <a:ea typeface="맑은 고딕" panose="020B0503020000020004" pitchFamily="50" charset="-127"/>
-                <a:cs typeface="+mn-cs"/>
-              </a:rPr>
-              <a:t>가장 널리 사용되고 유용한 </a:t>
-            </a:r>
-            <a:r>
-              <a:rPr kumimoji="0" lang="ko-KR" altLang="en-US" sz="2400" i="0" u="none" strike="noStrike" kern="1200" cap="none" spc="0" normalizeH="0" baseline="0" noProof="0" dirty="0" err="1">
-                <a:ln>
-                  <a:noFill/>
-                </a:ln>
-                <a:solidFill>
-                  <a:schemeClr val="accent2">
-                    <a:lumMod val="50000"/>
-                  </a:schemeClr>
-                </a:solidFill>
-                <a:effectLst/>
-                <a:uLnTx/>
-                <a:uFillTx/>
-                <a:latin typeface="맑은 고딕" panose="020F0502020204030204"/>
-                <a:ea typeface="맑은 고딕" panose="020B0503020000020004" pitchFamily="50" charset="-127"/>
-                <a:cs typeface="+mn-cs"/>
-              </a:rPr>
-              <a:t>텐서</a:t>
-            </a:r>
-            <a:r>
-              <a:rPr kumimoji="0" lang="ko-KR" altLang="en-US" sz="2400" i="0" u="none" strike="noStrike" kern="1200" cap="none" spc="0" normalizeH="0" baseline="0" noProof="0" dirty="0">
-                <a:ln>
-                  <a:noFill/>
-                </a:ln>
-                <a:solidFill>
-                  <a:schemeClr val="accent2">
-                    <a:lumMod val="50000"/>
-                  </a:schemeClr>
-                </a:solidFill>
-                <a:effectLst/>
-                <a:uLnTx/>
-                <a:uFillTx/>
-                <a:latin typeface="맑은 고딕" panose="020F0502020204030204"/>
-                <a:ea typeface="맑은 고딕" panose="020B0503020000020004" pitchFamily="50" charset="-127"/>
-                <a:cs typeface="+mn-cs"/>
-              </a:rPr>
-              <a:t> 연산</a:t>
-            </a:r>
-            <a:endParaRPr kumimoji="0" lang="en-US" altLang="ko-KR" sz="2400" i="0" u="none" strike="noStrike" kern="1200" cap="none" spc="0" normalizeH="0" baseline="0" noProof="0" dirty="0">
-              <a:ln>
-                <a:noFill/>
-              </a:ln>
-              <a:solidFill>
-                <a:schemeClr val="accent2">
-                  <a:lumMod val="50000"/>
-                </a:schemeClr>
-              </a:solidFill>
-              <a:effectLst/>
-              <a:uLnTx/>
-              <a:uFillTx/>
-              <a:latin typeface="맑은 고딕" panose="020F0502020204030204"/>
-              <a:ea typeface="맑은 고딕" panose="020B0503020000020004" pitchFamily="50" charset="-127"/>
-              <a:cs typeface="+mn-cs"/>
-            </a:endParaRPr>
-          </a:p>
-        </p:txBody>
-      </p:sp>
-      <p:sp>
-        <p:nvSpPr>
-          <p:cNvPr id="8" name="TextBox 7">
-            <a:extLst>
-              <a:ext uri="{FF2B5EF4-FFF2-40B4-BE49-F238E27FC236}">
-                <a16:creationId xmlns:a16="http://schemas.microsoft.com/office/drawing/2014/main" id="{A4D9AA96-5F57-4245-8E32-826DFE3C0155}"/>
-              </a:ext>
-            </a:extLst>
-          </p:cNvPr>
-          <p:cNvSpPr txBox="1"/>
-          <p:nvPr/>
-        </p:nvSpPr>
-        <p:spPr>
-          <a:xfrm>
-            <a:off x="2469909" y="2507414"/>
-            <a:ext cx="7346444" cy="461665"/>
-          </a:xfrm>
-          <a:prstGeom prst="rect">
-            <a:avLst/>
-          </a:prstGeom>
-          <a:noFill/>
-        </p:spPr>
-        <p:txBody>
-          <a:bodyPr wrap="square">
-            <a:spAutoFit/>
-          </a:bodyPr>
-          <a:lstStyle/>
-          <a:p>
-            <a:pPr marL="0" marR="0" lvl="0" indent="0" algn="l" defTabSz="914400" rtl="0" eaLnBrk="1" fontAlgn="auto" latinLnBrk="1" hangingPunct="1">
-              <a:lnSpc>
-                <a:spcPct val="100000"/>
-              </a:lnSpc>
-              <a:spcBef>
-                <a:spcPts val="0"/>
-              </a:spcBef>
-              <a:spcAft>
-                <a:spcPts val="0"/>
-              </a:spcAft>
-              <a:buClrTx/>
-              <a:buSzTx/>
-              <a:buFontTx/>
-              <a:buNone/>
-              <a:tabLst/>
-              <a:defRPr/>
-            </a:pPr>
-            <a:r>
-              <a:rPr kumimoji="0" lang="ko-KR" altLang="en-US" sz="2400" i="0" u="none" strike="noStrike" kern="1200" cap="none" spc="0" normalizeH="0" baseline="0" noProof="0" dirty="0" err="1">
-                <a:ln>
-                  <a:noFill/>
-                </a:ln>
-                <a:solidFill>
-                  <a:schemeClr val="accent2">
-                    <a:lumMod val="50000"/>
-                  </a:schemeClr>
-                </a:solidFill>
-                <a:effectLst/>
-                <a:uLnTx/>
-                <a:uFillTx/>
-                <a:latin typeface="맑은 고딕" panose="020F0502020204030204"/>
-                <a:ea typeface="맑은 고딕" panose="020B0503020000020004" pitchFamily="50" charset="-127"/>
-                <a:cs typeface="+mn-cs"/>
-              </a:rPr>
-              <a:t>원소별</a:t>
-            </a:r>
-            <a:r>
-              <a:rPr kumimoji="0" lang="ko-KR" altLang="en-US" sz="2400" i="0" u="none" strike="noStrike" kern="1200" cap="none" spc="0" normalizeH="0" baseline="0" noProof="0" dirty="0">
-                <a:ln>
-                  <a:noFill/>
-                </a:ln>
-                <a:solidFill>
-                  <a:schemeClr val="accent2">
-                    <a:lumMod val="50000"/>
-                  </a:schemeClr>
-                </a:solidFill>
-                <a:effectLst/>
-                <a:uLnTx/>
-                <a:uFillTx/>
-                <a:latin typeface="맑은 고딕" panose="020F0502020204030204"/>
-                <a:ea typeface="맑은 고딕" panose="020B0503020000020004" pitchFamily="50" charset="-127"/>
-                <a:cs typeface="+mn-cs"/>
-              </a:rPr>
-              <a:t> 연산과 반대로 입력 </a:t>
-            </a:r>
-            <a:r>
-              <a:rPr kumimoji="0" lang="ko-KR" altLang="en-US" sz="2400" i="0" u="none" strike="noStrike" kern="1200" cap="none" spc="0" normalizeH="0" baseline="0" noProof="0" dirty="0" err="1">
-                <a:ln>
-                  <a:noFill/>
-                </a:ln>
-                <a:solidFill>
-                  <a:schemeClr val="accent2">
-                    <a:lumMod val="50000"/>
-                  </a:schemeClr>
-                </a:solidFill>
-                <a:effectLst/>
-                <a:uLnTx/>
-                <a:uFillTx/>
-                <a:latin typeface="맑은 고딕" panose="020F0502020204030204"/>
-                <a:ea typeface="맑은 고딕" panose="020B0503020000020004" pitchFamily="50" charset="-127"/>
-                <a:cs typeface="+mn-cs"/>
-              </a:rPr>
-              <a:t>텐서의</a:t>
-            </a:r>
-            <a:r>
-              <a:rPr kumimoji="0" lang="ko-KR" altLang="en-US" sz="2400" i="0" u="none" strike="noStrike" kern="1200" cap="none" spc="0" normalizeH="0" baseline="0" noProof="0" dirty="0">
-                <a:ln>
-                  <a:noFill/>
-                </a:ln>
-                <a:solidFill>
-                  <a:schemeClr val="accent2">
-                    <a:lumMod val="50000"/>
-                  </a:schemeClr>
-                </a:solidFill>
-                <a:effectLst/>
-                <a:uLnTx/>
-                <a:uFillTx/>
-                <a:latin typeface="맑은 고딕" panose="020F0502020204030204"/>
-                <a:ea typeface="맑은 고딕" panose="020B0503020000020004" pitchFamily="50" charset="-127"/>
-                <a:cs typeface="+mn-cs"/>
-              </a:rPr>
-              <a:t> 원소들을 결합</a:t>
-            </a:r>
-            <a:endParaRPr kumimoji="0" lang="en-US" altLang="ko-KR" sz="2400" i="0" u="none" strike="noStrike" kern="1200" cap="none" spc="0" normalizeH="0" baseline="0" noProof="0" dirty="0">
-              <a:ln>
-                <a:noFill/>
-              </a:ln>
-              <a:solidFill>
-                <a:schemeClr val="accent2">
-                  <a:lumMod val="50000"/>
-                </a:schemeClr>
-              </a:solidFill>
-              <a:effectLst/>
-              <a:uLnTx/>
-              <a:uFillTx/>
-              <a:latin typeface="맑은 고딕" panose="020F0502020204030204"/>
-              <a:ea typeface="맑은 고딕" panose="020B0503020000020004" pitchFamily="50" charset="-127"/>
-              <a:cs typeface="+mn-cs"/>
-            </a:endParaRPr>
-          </a:p>
-        </p:txBody>
-      </p:sp>
       <p:pic>
         <p:nvPicPr>
-          <p:cNvPr id="6" name="그림 5">
-            <a:extLst>
-              <a:ext uri="{FF2B5EF4-FFF2-40B4-BE49-F238E27FC236}">
-                <a16:creationId xmlns:a16="http://schemas.microsoft.com/office/drawing/2014/main" id="{CA708C5F-1A3F-4581-A1B7-1F60292660CA}"/>
+          <p:cNvPr id="7" name="그림 6">
+            <a:extLst>
+              <a:ext uri="{FF2B5EF4-FFF2-40B4-BE49-F238E27FC236}">
+                <a16:creationId xmlns:a16="http://schemas.microsoft.com/office/drawing/2014/main" id="{97457C31-E235-40EF-A9D0-155B9B32BA43}"/>
               </a:ext>
             </a:extLst>
           </p:cNvPr>
@@ -8137,66 +8135,20 @@
         </p:blipFill>
         <p:spPr>
           <a:xfrm>
-            <a:off x="8153874" y="3740462"/>
-            <a:ext cx="2586457" cy="1939842"/>
+            <a:off x="3267083" y="1724121"/>
+            <a:ext cx="5657827" cy="2526231"/>
           </a:xfrm>
           <a:prstGeom prst="rect">
             <a:avLst/>
           </a:prstGeom>
         </p:spPr>
       </p:pic>
-      <p:sp>
-        <p:nvSpPr>
-          <p:cNvPr id="10" name="화살표: 오른쪽 9">
-            <a:extLst>
-              <a:ext uri="{FF2B5EF4-FFF2-40B4-BE49-F238E27FC236}">
-                <a16:creationId xmlns:a16="http://schemas.microsoft.com/office/drawing/2014/main" id="{C1F1F1CD-96DB-44B7-9166-2FCEBE84D57B}"/>
-              </a:ext>
-            </a:extLst>
-          </p:cNvPr>
-          <p:cNvSpPr/>
-          <p:nvPr/>
-        </p:nvSpPr>
-        <p:spPr>
-          <a:xfrm>
-            <a:off x="5740408" y="4351845"/>
-            <a:ext cx="1629269" cy="523220"/>
-          </a:xfrm>
-          <a:prstGeom prst="rightArrow">
-            <a:avLst/>
-          </a:prstGeom>
-        </p:spPr>
-        <p:style>
-          <a:lnRef idx="2">
-            <a:schemeClr val="accent1">
-              <a:shade val="50000"/>
-            </a:schemeClr>
-          </a:lnRef>
-          <a:fillRef idx="1">
-            <a:schemeClr val="accent1"/>
-          </a:fillRef>
-          <a:effectRef idx="0">
-            <a:schemeClr val="accent1"/>
-          </a:effectRef>
-          <a:fontRef idx="minor">
-            <a:schemeClr val="lt1"/>
-          </a:fontRef>
-        </p:style>
-        <p:txBody>
-          <a:bodyPr rtlCol="0" anchor="ctr"/>
-          <a:lstStyle/>
-          <a:p>
-            <a:pPr algn="ctr"/>
-            <a:endParaRPr lang="ko-KR" altLang="en-US"/>
-          </a:p>
-        </p:txBody>
-      </p:sp>
       <p:pic>
         <p:nvPicPr>
-          <p:cNvPr id="12" name="그림 11">
-            <a:extLst>
-              <a:ext uri="{FF2B5EF4-FFF2-40B4-BE49-F238E27FC236}">
-                <a16:creationId xmlns:a16="http://schemas.microsoft.com/office/drawing/2014/main" id="{B189A6DF-E710-4A03-A87E-E3CF3541124C}"/>
+          <p:cNvPr id="11" name="그림 10">
+            <a:extLst>
+              <a:ext uri="{FF2B5EF4-FFF2-40B4-BE49-F238E27FC236}">
+                <a16:creationId xmlns:a16="http://schemas.microsoft.com/office/drawing/2014/main" id="{7583F1B3-C4B4-4B4E-88C8-D33DE4AD79F0}"/>
               </a:ext>
             </a:extLst>
           </p:cNvPr>
@@ -8213,8 +8165,38 @@
         </p:blipFill>
         <p:spPr>
           <a:xfrm>
-            <a:off x="688157" y="4063187"/>
-            <a:ext cx="4375631" cy="1100537"/>
+            <a:off x="5152888" y="5254480"/>
+            <a:ext cx="1886213" cy="933580"/>
+          </a:xfrm>
+          <a:prstGeom prst="rect">
+            <a:avLst/>
+          </a:prstGeom>
+        </p:spPr>
+      </p:pic>
+      <p:pic>
+        <p:nvPicPr>
+          <p:cNvPr id="14" name="그림 13">
+            <a:extLst>
+              <a:ext uri="{FF2B5EF4-FFF2-40B4-BE49-F238E27FC236}">
+                <a16:creationId xmlns:a16="http://schemas.microsoft.com/office/drawing/2014/main" id="{3765FAF7-6EED-4608-A724-12AEBA335EF1}"/>
+              </a:ext>
+            </a:extLst>
+          </p:cNvPr>
+          <p:cNvPicPr>
+            <a:picLocks noChangeAspect="1"/>
+          </p:cNvPicPr>
+          <p:nvPr/>
+        </p:nvPicPr>
+        <p:blipFill>
+          <a:blip r:embed="rId4"/>
+          <a:stretch>
+            <a:fillRect/>
+          </a:stretch>
+        </p:blipFill>
+        <p:spPr>
+          <a:xfrm>
+            <a:off x="5243389" y="4825795"/>
+            <a:ext cx="1705213" cy="428685"/>
           </a:xfrm>
           <a:prstGeom prst="rect">
             <a:avLst/>
@@ -8224,7 +8206,7 @@
     </p:spTree>
     <p:extLst>
       <p:ext uri="{BB962C8B-B14F-4D97-AF65-F5344CB8AC3E}">
-        <p14:creationId xmlns:p14="http://schemas.microsoft.com/office/powerpoint/2010/main" val="3870226584"/>
+        <p14:creationId xmlns:p14="http://schemas.microsoft.com/office/powerpoint/2010/main" val="3706759661"/>
       </p:ext>
     </p:extLst>
   </p:cSld>
@@ -8243,6 +8225,81 @@
       </p:transition>
     </mc:Fallback>
   </mc:AlternateContent>
+  <p:timing>
+    <p:tnLst>
+      <p:par>
+        <p:cTn id="1" dur="indefinite" restart="never" nodeType="tmRoot">
+          <p:childTnLst>
+            <p:seq concurrent="1" nextAc="seek">
+              <p:cTn id="2" dur="indefinite" nodeType="mainSeq">
+                <p:childTnLst>
+                  <p:par>
+                    <p:cTn id="3" fill="hold">
+                      <p:stCondLst>
+                        <p:cond delay="indefinite"/>
+                      </p:stCondLst>
+                      <p:childTnLst>
+                        <p:par>
+                          <p:cTn id="4" fill="hold">
+                            <p:stCondLst>
+                              <p:cond delay="0"/>
+                            </p:stCondLst>
+                            <p:childTnLst>
+                              <p:par>
+                                <p:cTn id="5" presetID="1" presetClass="entr" presetSubtype="0" fill="hold" nodeType="clickEffect">
+                                  <p:stCondLst>
+                                    <p:cond delay="0"/>
+                                  </p:stCondLst>
+                                  <p:childTnLst>
+                                    <p:set>
+                                      <p:cBhvr>
+                                        <p:cTn id="6" dur="1" fill="hold">
+                                          <p:stCondLst>
+                                            <p:cond delay="0"/>
+                                          </p:stCondLst>
+                                        </p:cTn>
+                                        <p:tgtEl>
+                                          <p:spTgt spid="11"/>
+                                        </p:tgtEl>
+                                        <p:attrNameLst>
+                                          <p:attrName>style.visibility</p:attrName>
+                                        </p:attrNameLst>
+                                      </p:cBhvr>
+                                      <p:to>
+                                        <p:strVal val="visible"/>
+                                      </p:to>
+                                    </p:set>
+                                  </p:childTnLst>
+                                </p:cTn>
+                              </p:par>
+                            </p:childTnLst>
+                          </p:cTn>
+                        </p:par>
+                      </p:childTnLst>
+                    </p:cTn>
+                  </p:par>
+                </p:childTnLst>
+              </p:cTn>
+              <p:prevCondLst>
+                <p:cond evt="onPrev" delay="0">
+                  <p:tgtEl>
+                    <p:sldTgt/>
+                  </p:tgtEl>
+                </p:cond>
+              </p:prevCondLst>
+              <p:nextCondLst>
+                <p:cond evt="onNext" delay="0">
+                  <p:tgtEl>
+                    <p:sldTgt/>
+                  </p:tgtEl>
+                </p:cond>
+              </p:nextCondLst>
+            </p:seq>
+          </p:childTnLst>
+        </p:cTn>
+      </p:par>
+    </p:tnLst>
+  </p:timing>
 </p:sld>
 </file>
 
@@ -8352,7 +8409,7 @@
         <p:spPr>
           <a:xfrm>
             <a:off x="875104" y="101916"/>
-            <a:ext cx="2424062" cy="646331"/>
+            <a:ext cx="4786888" cy="646331"/>
           </a:xfrm>
           <a:prstGeom prst="rect">
             <a:avLst/>
@@ -8396,7 +8453,7 @@
                 <a:ea typeface="나눔스퀘어 Light"/>
                 <a:cs typeface="+mn-cs"/>
               </a:rPr>
-              <a:t>벡터의 </a:t>
+              <a:t>행렬과 벡터 사이의 </a:t>
             </a:r>
             <a:r>
               <a:rPr kumimoji="0" lang="ko-KR" altLang="en-US" sz="3600" b="0" i="0" u="none" strike="noStrike" kern="1200" cap="none" spc="-300" normalizeH="0" baseline="0" noProof="0" dirty="0" err="1">
@@ -8502,10 +8559,10 @@
       </p:sp>
       <p:pic>
         <p:nvPicPr>
-          <p:cNvPr id="7" name="그림 6">
-            <a:extLst>
-              <a:ext uri="{FF2B5EF4-FFF2-40B4-BE49-F238E27FC236}">
-                <a16:creationId xmlns:a16="http://schemas.microsoft.com/office/drawing/2014/main" id="{97457C31-E235-40EF-A9D0-155B9B32BA43}"/>
+          <p:cNvPr id="6" name="그림 5">
+            <a:extLst>
+              <a:ext uri="{FF2B5EF4-FFF2-40B4-BE49-F238E27FC236}">
+                <a16:creationId xmlns:a16="http://schemas.microsoft.com/office/drawing/2014/main" id="{1A8430C1-ED8B-4D63-8453-87A55DB5CA1F}"/>
               </a:ext>
             </a:extLst>
           </p:cNvPr>
@@ -8522,8 +8579,8 @@
         </p:blipFill>
         <p:spPr>
           <a:xfrm>
-            <a:off x="3267083" y="1724121"/>
-            <a:ext cx="5657827" cy="2526231"/>
+            <a:off x="413567" y="1326972"/>
+            <a:ext cx="1638529" cy="1209844"/>
           </a:xfrm>
           <a:prstGeom prst="rect">
             <a:avLst/>
@@ -8532,10 +8589,10 @@
       </p:pic>
       <p:pic>
         <p:nvPicPr>
-          <p:cNvPr id="11" name="그림 10">
-            <a:extLst>
-              <a:ext uri="{FF2B5EF4-FFF2-40B4-BE49-F238E27FC236}">
-                <a16:creationId xmlns:a16="http://schemas.microsoft.com/office/drawing/2014/main" id="{7583F1B3-C4B4-4B4E-88C8-D33DE4AD79F0}"/>
+          <p:cNvPr id="9" name="그림 8">
+            <a:extLst>
+              <a:ext uri="{FF2B5EF4-FFF2-40B4-BE49-F238E27FC236}">
+                <a16:creationId xmlns:a16="http://schemas.microsoft.com/office/drawing/2014/main" id="{9196ECF6-427D-4FB9-A913-5A101D6864D1}"/>
               </a:ext>
             </a:extLst>
           </p:cNvPr>
@@ -8552,38 +8609,8 @@
         </p:blipFill>
         <p:spPr>
           <a:xfrm>
-            <a:off x="5152888" y="5254480"/>
-            <a:ext cx="1886213" cy="933580"/>
-          </a:xfrm>
-          <a:prstGeom prst="rect">
-            <a:avLst/>
-          </a:prstGeom>
-        </p:spPr>
-      </p:pic>
-      <p:pic>
-        <p:nvPicPr>
-          <p:cNvPr id="14" name="그림 13">
-            <a:extLst>
-              <a:ext uri="{FF2B5EF4-FFF2-40B4-BE49-F238E27FC236}">
-                <a16:creationId xmlns:a16="http://schemas.microsoft.com/office/drawing/2014/main" id="{3765FAF7-6EED-4608-A724-12AEBA335EF1}"/>
-              </a:ext>
-            </a:extLst>
-          </p:cNvPr>
-          <p:cNvPicPr>
-            <a:picLocks noChangeAspect="1"/>
-          </p:cNvPicPr>
-          <p:nvPr/>
-        </p:nvPicPr>
-        <p:blipFill>
-          <a:blip r:embed="rId4"/>
-          <a:stretch>
-            <a:fillRect/>
-          </a:stretch>
-        </p:blipFill>
-        <p:spPr>
-          <a:xfrm>
-            <a:off x="5243389" y="4825795"/>
-            <a:ext cx="1705213" cy="428685"/>
+            <a:off x="2676168" y="2536816"/>
+            <a:ext cx="6839664" cy="2922307"/>
           </a:xfrm>
           <a:prstGeom prst="rect">
             <a:avLst/>
@@ -8593,7 +8620,7 @@
     </p:spTree>
     <p:extLst>
       <p:ext uri="{BB962C8B-B14F-4D97-AF65-F5344CB8AC3E}">
-        <p14:creationId xmlns:p14="http://schemas.microsoft.com/office/powerpoint/2010/main" val="3706759661"/>
+        <p14:creationId xmlns:p14="http://schemas.microsoft.com/office/powerpoint/2010/main" val="4181248327"/>
       </p:ext>
     </p:extLst>
   </p:cSld>
@@ -8901,38 +8928,209 @@
       </p:pic>
       <p:pic>
         <p:nvPicPr>
-          <p:cNvPr id="9" name="그림 8">
-            <a:extLst>
-              <a:ext uri="{FF2B5EF4-FFF2-40B4-BE49-F238E27FC236}">
-                <a16:creationId xmlns:a16="http://schemas.microsoft.com/office/drawing/2014/main" id="{9196ECF6-427D-4FB9-A913-5A101D6864D1}"/>
+          <p:cNvPr id="8194" name="Picture 2" descr="앤드류 응의 머신러닝 (3-4) : 행렬과 행렬의 곱셈">
+            <a:extLst>
+              <a:ext uri="{FF2B5EF4-FFF2-40B4-BE49-F238E27FC236}">
+                <a16:creationId xmlns:a16="http://schemas.microsoft.com/office/drawing/2014/main" id="{8EEAC88F-8B1C-4225-8C30-8252A8988103}"/>
               </a:ext>
             </a:extLst>
           </p:cNvPr>
           <p:cNvPicPr>
-            <a:picLocks noChangeAspect="1"/>
+            <a:picLocks noChangeAspect="1" noChangeArrowheads="1"/>
           </p:cNvPicPr>
           <p:nvPr/>
         </p:nvPicPr>
-        <p:blipFill>
-          <a:blip r:embed="rId3"/>
-          <a:stretch>
-            <a:fillRect/>
-          </a:stretch>
+        <p:blipFill rotWithShape="1">
+          <a:blip r:embed="rId3">
+            <a:extLst>
+              <a:ext uri="{28A0092B-C50C-407E-A947-70E740481C1C}">
+                <a14:useLocalDpi xmlns:a14="http://schemas.microsoft.com/office/drawing/2010/main" val="0"/>
+              </a:ext>
+            </a:extLst>
+          </a:blip>
+          <a:srcRect l="11708" r="12786" b="69845"/>
+          <a:stretch/>
         </p:blipFill>
-        <p:spPr>
-          <a:xfrm>
-            <a:off x="2676168" y="2536816"/>
-            <a:ext cx="6839664" cy="2922307"/>
+        <p:spPr bwMode="auto">
+          <a:xfrm>
+            <a:off x="1703294" y="3198159"/>
+            <a:ext cx="8946777" cy="1355716"/>
           </a:xfrm>
           <a:prstGeom prst="rect">
             <a:avLst/>
           </a:prstGeom>
+          <a:noFill/>
+          <a:extLst>
+            <a:ext uri="{909E8E84-426E-40DD-AFC4-6F175D3DCCD1}">
+              <a14:hiddenFill xmlns:a14="http://schemas.microsoft.com/office/drawing/2010/main">
+                <a:solidFill>
+                  <a:srgbClr val="FFFFFF"/>
+                </a:solidFill>
+              </a14:hiddenFill>
+            </a:ext>
+          </a:extLst>
         </p:spPr>
       </p:pic>
+      <p:sp>
+        <p:nvSpPr>
+          <p:cNvPr id="8" name="타원 7">
+            <a:extLst>
+              <a:ext uri="{FF2B5EF4-FFF2-40B4-BE49-F238E27FC236}">
+                <a16:creationId xmlns:a16="http://schemas.microsoft.com/office/drawing/2014/main" id="{919F580F-693F-406F-959A-D1E38A30F1A9}"/>
+              </a:ext>
+            </a:extLst>
+          </p:cNvPr>
+          <p:cNvSpPr/>
+          <p:nvPr/>
+        </p:nvSpPr>
+        <p:spPr>
+          <a:xfrm>
+            <a:off x="1775011" y="3338135"/>
+            <a:ext cx="1909482" cy="591670"/>
+          </a:xfrm>
+          <a:prstGeom prst="ellipse">
+            <a:avLst/>
+          </a:prstGeom>
+          <a:noFill/>
+          <a:ln w="28575">
+            <a:solidFill>
+              <a:srgbClr val="FF0000"/>
+            </a:solidFill>
+          </a:ln>
+        </p:spPr>
+        <p:style>
+          <a:lnRef idx="2">
+            <a:schemeClr val="accent1">
+              <a:shade val="50000"/>
+            </a:schemeClr>
+          </a:lnRef>
+          <a:fillRef idx="1">
+            <a:schemeClr val="accent1"/>
+          </a:fillRef>
+          <a:effectRef idx="0">
+            <a:schemeClr val="accent1"/>
+          </a:effectRef>
+          <a:fontRef idx="minor">
+            <a:schemeClr val="lt1"/>
+          </a:fontRef>
+        </p:style>
+        <p:txBody>
+          <a:bodyPr rtlCol="0" anchor="ctr"/>
+          <a:lstStyle/>
+          <a:p>
+            <a:pPr algn="ctr"/>
+            <a:endParaRPr lang="ko-KR" altLang="en-US"/>
+          </a:p>
+        </p:txBody>
+      </p:sp>
+      <p:sp>
+        <p:nvSpPr>
+          <p:cNvPr id="10" name="타원 9">
+            <a:extLst>
+              <a:ext uri="{FF2B5EF4-FFF2-40B4-BE49-F238E27FC236}">
+                <a16:creationId xmlns:a16="http://schemas.microsoft.com/office/drawing/2014/main" id="{4E28A364-CED1-4B03-9301-DFBD80D98A4D}"/>
+              </a:ext>
+            </a:extLst>
+          </p:cNvPr>
+          <p:cNvSpPr/>
+          <p:nvPr/>
+        </p:nvSpPr>
+        <p:spPr>
+          <a:xfrm rot="5400000">
+            <a:off x="3222909" y="3620523"/>
+            <a:ext cx="1577590" cy="510989"/>
+          </a:xfrm>
+          <a:prstGeom prst="ellipse">
+            <a:avLst/>
+          </a:prstGeom>
+          <a:noFill/>
+          <a:ln w="28575">
+            <a:solidFill>
+              <a:srgbClr val="FF0000"/>
+            </a:solidFill>
+          </a:ln>
+        </p:spPr>
+        <p:style>
+          <a:lnRef idx="2">
+            <a:schemeClr val="accent1">
+              <a:shade val="50000"/>
+            </a:schemeClr>
+          </a:lnRef>
+          <a:fillRef idx="1">
+            <a:schemeClr val="accent1"/>
+          </a:fillRef>
+          <a:effectRef idx="0">
+            <a:schemeClr val="accent1"/>
+          </a:effectRef>
+          <a:fontRef idx="minor">
+            <a:schemeClr val="lt1"/>
+          </a:fontRef>
+        </p:style>
+        <p:txBody>
+          <a:bodyPr rtlCol="0" anchor="ctr"/>
+          <a:lstStyle/>
+          <a:p>
+            <a:pPr algn="ctr"/>
+            <a:endParaRPr lang="ko-KR" altLang="en-US"/>
+          </a:p>
+        </p:txBody>
+      </p:sp>
+      <p:sp>
+        <p:nvSpPr>
+          <p:cNvPr id="11" name="타원 10">
+            <a:extLst>
+              <a:ext uri="{FF2B5EF4-FFF2-40B4-BE49-F238E27FC236}">
+                <a16:creationId xmlns:a16="http://schemas.microsoft.com/office/drawing/2014/main" id="{A124D54F-5889-4DCE-A178-9E8DD815AF82}"/>
+              </a:ext>
+            </a:extLst>
+          </p:cNvPr>
+          <p:cNvSpPr/>
+          <p:nvPr/>
+        </p:nvSpPr>
+        <p:spPr>
+          <a:xfrm>
+            <a:off x="1775011" y="3773946"/>
+            <a:ext cx="1909482" cy="591670"/>
+          </a:xfrm>
+          <a:prstGeom prst="ellipse">
+            <a:avLst/>
+          </a:prstGeom>
+          <a:noFill/>
+          <a:ln w="28575">
+            <a:solidFill>
+              <a:srgbClr val="FF0000"/>
+            </a:solidFill>
+          </a:ln>
+        </p:spPr>
+        <p:style>
+          <a:lnRef idx="2">
+            <a:schemeClr val="accent1">
+              <a:shade val="50000"/>
+            </a:schemeClr>
+          </a:lnRef>
+          <a:fillRef idx="1">
+            <a:schemeClr val="accent1"/>
+          </a:fillRef>
+          <a:effectRef idx="0">
+            <a:schemeClr val="accent1"/>
+          </a:effectRef>
+          <a:fontRef idx="minor">
+            <a:schemeClr val="lt1"/>
+          </a:fontRef>
+        </p:style>
+        <p:txBody>
+          <a:bodyPr rtlCol="0" anchor="ctr"/>
+          <a:lstStyle/>
+          <a:p>
+            <a:pPr algn="ctr"/>
+            <a:endParaRPr lang="ko-KR" altLang="en-US"/>
+          </a:p>
+        </p:txBody>
+      </p:sp>
     </p:spTree>
     <p:extLst>
       <p:ext uri="{BB962C8B-B14F-4D97-AF65-F5344CB8AC3E}">
-        <p14:creationId xmlns:p14="http://schemas.microsoft.com/office/powerpoint/2010/main" val="4181248327"/>
+        <p14:creationId xmlns:p14="http://schemas.microsoft.com/office/powerpoint/2010/main" val="1521001558"/>
       </p:ext>
     </p:extLst>
   </p:cSld>
@@ -8951,6 +9149,176 @@
       </p:transition>
     </mc:Fallback>
   </mc:AlternateContent>
+  <p:timing>
+    <p:tnLst>
+      <p:par>
+        <p:cTn id="1" dur="indefinite" restart="never" nodeType="tmRoot">
+          <p:childTnLst>
+            <p:seq concurrent="1" nextAc="seek">
+              <p:cTn id="2" dur="indefinite" nodeType="mainSeq">
+                <p:childTnLst>
+                  <p:par>
+                    <p:cTn id="3" fill="hold">
+                      <p:stCondLst>
+                        <p:cond delay="indefinite"/>
+                      </p:stCondLst>
+                      <p:childTnLst>
+                        <p:par>
+                          <p:cTn id="4" fill="hold">
+                            <p:stCondLst>
+                              <p:cond delay="0"/>
+                            </p:stCondLst>
+                            <p:childTnLst>
+                              <p:par>
+                                <p:cTn id="5" presetID="1" presetClass="entr" presetSubtype="0" fill="hold" grpId="0" nodeType="clickEffect">
+                                  <p:stCondLst>
+                                    <p:cond delay="0"/>
+                                  </p:stCondLst>
+                                  <p:childTnLst>
+                                    <p:set>
+                                      <p:cBhvr>
+                                        <p:cTn id="6" dur="1" fill="hold">
+                                          <p:stCondLst>
+                                            <p:cond delay="0"/>
+                                          </p:stCondLst>
+                                        </p:cTn>
+                                        <p:tgtEl>
+                                          <p:spTgt spid="10"/>
+                                        </p:tgtEl>
+                                        <p:attrNameLst>
+                                          <p:attrName>style.visibility</p:attrName>
+                                        </p:attrNameLst>
+                                      </p:cBhvr>
+                                      <p:to>
+                                        <p:strVal val="visible"/>
+                                      </p:to>
+                                    </p:set>
+                                  </p:childTnLst>
+                                </p:cTn>
+                              </p:par>
+                            </p:childTnLst>
+                          </p:cTn>
+                        </p:par>
+                      </p:childTnLst>
+                    </p:cTn>
+                  </p:par>
+                  <p:par>
+                    <p:cTn id="7" fill="hold">
+                      <p:stCondLst>
+                        <p:cond delay="indefinite"/>
+                      </p:stCondLst>
+                      <p:childTnLst>
+                        <p:par>
+                          <p:cTn id="8" fill="hold">
+                            <p:stCondLst>
+                              <p:cond delay="0"/>
+                            </p:stCondLst>
+                            <p:childTnLst>
+                              <p:par>
+                                <p:cTn id="9" presetID="1" presetClass="exit" presetSubtype="0" fill="hold" grpId="0" nodeType="clickEffect">
+                                  <p:stCondLst>
+                                    <p:cond delay="0"/>
+                                  </p:stCondLst>
+                                  <p:childTnLst>
+                                    <p:set>
+                                      <p:cBhvr>
+                                        <p:cTn id="10" dur="1" fill="hold">
+                                          <p:stCondLst>
+                                            <p:cond delay="0"/>
+                                          </p:stCondLst>
+                                        </p:cTn>
+                                        <p:tgtEl>
+                                          <p:spTgt spid="8"/>
+                                        </p:tgtEl>
+                                        <p:attrNameLst>
+                                          <p:attrName>style.visibility</p:attrName>
+                                        </p:attrNameLst>
+                                      </p:cBhvr>
+                                      <p:to>
+                                        <p:strVal val="hidden"/>
+                                      </p:to>
+                                    </p:set>
+                                  </p:childTnLst>
+                                </p:cTn>
+                              </p:par>
+                            </p:childTnLst>
+                          </p:cTn>
+                        </p:par>
+                      </p:childTnLst>
+                    </p:cTn>
+                  </p:par>
+                  <p:par>
+                    <p:cTn id="11" fill="hold">
+                      <p:stCondLst>
+                        <p:cond delay="indefinite"/>
+                      </p:stCondLst>
+                      <p:childTnLst>
+                        <p:par>
+                          <p:cTn id="12" fill="hold">
+                            <p:stCondLst>
+                              <p:cond delay="0"/>
+                            </p:stCondLst>
+                            <p:childTnLst>
+                              <p:par>
+                                <p:cTn id="13" presetID="1" presetClass="entr" presetSubtype="0" fill="hold" grpId="0" nodeType="clickEffect">
+                                  <p:stCondLst>
+                                    <p:cond delay="0"/>
+                                  </p:stCondLst>
+                                  <p:childTnLst>
+                                    <p:set>
+                                      <p:cBhvr>
+                                        <p:cTn id="14" dur="1" fill="hold">
+                                          <p:stCondLst>
+                                            <p:cond delay="0"/>
+                                          </p:stCondLst>
+                                        </p:cTn>
+                                        <p:tgtEl>
+                                          <p:spTgt spid="11"/>
+                                        </p:tgtEl>
+                                        <p:attrNameLst>
+                                          <p:attrName>style.visibility</p:attrName>
+                                        </p:attrNameLst>
+                                      </p:cBhvr>
+                                      <p:to>
+                                        <p:strVal val="visible"/>
+                                      </p:to>
+                                    </p:set>
+                                  </p:childTnLst>
+                                </p:cTn>
+                              </p:par>
+                            </p:childTnLst>
+                          </p:cTn>
+                        </p:par>
+                      </p:childTnLst>
+                    </p:cTn>
+                  </p:par>
+                </p:childTnLst>
+              </p:cTn>
+              <p:prevCondLst>
+                <p:cond evt="onPrev" delay="0">
+                  <p:tgtEl>
+                    <p:sldTgt/>
+                  </p:tgtEl>
+                </p:cond>
+              </p:prevCondLst>
+              <p:nextCondLst>
+                <p:cond evt="onNext" delay="0">
+                  <p:tgtEl>
+                    <p:sldTgt/>
+                  </p:tgtEl>
+                </p:cond>
+              </p:nextCondLst>
+            </p:seq>
+          </p:childTnLst>
+        </p:cTn>
+      </p:par>
+    </p:tnLst>
+    <p:bldLst>
+      <p:bldP spid="8" grpId="0" animBg="1"/>
+      <p:bldP spid="10" grpId="0" animBg="1"/>
+      <p:bldP spid="11" grpId="0" animBg="1"/>
+    </p:bldLst>
+  </p:timing>
 </p:sld>
 </file>
 
@@ -9210,10 +9578,10 @@
       </p:sp>
       <p:pic>
         <p:nvPicPr>
-          <p:cNvPr id="6" name="그림 5">
-            <a:extLst>
-              <a:ext uri="{FF2B5EF4-FFF2-40B4-BE49-F238E27FC236}">
-                <a16:creationId xmlns:a16="http://schemas.microsoft.com/office/drawing/2014/main" id="{1A8430C1-ED8B-4D63-8453-87A55DB5CA1F}"/>
+          <p:cNvPr id="7" name="그림 6">
+            <a:extLst>
+              <a:ext uri="{FF2B5EF4-FFF2-40B4-BE49-F238E27FC236}">
+                <a16:creationId xmlns:a16="http://schemas.microsoft.com/office/drawing/2014/main" id="{3CF8F230-760B-4914-8ED2-186558E41B3D}"/>
               </a:ext>
             </a:extLst>
           </p:cNvPr>
@@ -9230,8 +9598,8 @@
         </p:blipFill>
         <p:spPr>
           <a:xfrm>
-            <a:off x="413567" y="1326972"/>
-            <a:ext cx="1638529" cy="1209844"/>
+            <a:off x="7275904" y="3849236"/>
+            <a:ext cx="2959125" cy="1556482"/>
           </a:xfrm>
           <a:prstGeom prst="rect">
             <a:avLst/>
@@ -9240,209 +9608,68 @@
       </p:pic>
       <p:pic>
         <p:nvPicPr>
-          <p:cNvPr id="8194" name="Picture 2" descr="앤드류 응의 머신러닝 (3-4) : 행렬과 행렬의 곱셈">
-            <a:extLst>
-              <a:ext uri="{FF2B5EF4-FFF2-40B4-BE49-F238E27FC236}">
-                <a16:creationId xmlns:a16="http://schemas.microsoft.com/office/drawing/2014/main" id="{8EEAC88F-8B1C-4225-8C30-8252A8988103}"/>
+          <p:cNvPr id="12" name="그림 11">
+            <a:extLst>
+              <a:ext uri="{FF2B5EF4-FFF2-40B4-BE49-F238E27FC236}">
+                <a16:creationId xmlns:a16="http://schemas.microsoft.com/office/drawing/2014/main" id="{2060C96F-944A-4318-8C6D-40F15B43DD32}"/>
               </a:ext>
             </a:extLst>
           </p:cNvPr>
           <p:cNvPicPr>
-            <a:picLocks noChangeAspect="1" noChangeArrowheads="1"/>
+            <a:picLocks noChangeAspect="1"/>
           </p:cNvPicPr>
           <p:nvPr/>
         </p:nvPicPr>
-        <p:blipFill rotWithShape="1">
-          <a:blip r:embed="rId3">
-            <a:extLst>
-              <a:ext uri="{28A0092B-C50C-407E-A947-70E740481C1C}">
-                <a14:useLocalDpi xmlns:a14="http://schemas.microsoft.com/office/drawing/2010/main" val="0"/>
-              </a:ext>
-            </a:extLst>
-          </a:blip>
-          <a:srcRect l="11708" r="12786" b="69845"/>
-          <a:stretch/>
+        <p:blipFill>
+          <a:blip r:embed="rId3"/>
+          <a:stretch>
+            <a:fillRect/>
+          </a:stretch>
         </p:blipFill>
-        <p:spPr bwMode="auto">
-          <a:xfrm>
-            <a:off x="1703294" y="3198159"/>
-            <a:ext cx="8946777" cy="1355716"/>
+        <p:spPr>
+          <a:xfrm>
+            <a:off x="7275904" y="1824007"/>
+            <a:ext cx="4334988" cy="1935581"/>
           </a:xfrm>
           <a:prstGeom prst="rect">
             <a:avLst/>
           </a:prstGeom>
-          <a:noFill/>
-          <a:extLst>
-            <a:ext uri="{909E8E84-426E-40DD-AFC4-6F175D3DCCD1}">
-              <a14:hiddenFill xmlns:a14="http://schemas.microsoft.com/office/drawing/2010/main">
-                <a:solidFill>
-                  <a:srgbClr val="FFFFFF"/>
-                </a:solidFill>
-              </a14:hiddenFill>
-            </a:ext>
-          </a:extLst>
         </p:spPr>
       </p:pic>
-      <p:sp>
-        <p:nvSpPr>
-          <p:cNvPr id="8" name="타원 7">
-            <a:extLst>
-              <a:ext uri="{FF2B5EF4-FFF2-40B4-BE49-F238E27FC236}">
-                <a16:creationId xmlns:a16="http://schemas.microsoft.com/office/drawing/2014/main" id="{919F580F-693F-406F-959A-D1E38A30F1A9}"/>
-              </a:ext>
-            </a:extLst>
-          </p:cNvPr>
-          <p:cNvSpPr/>
+      <p:pic>
+        <p:nvPicPr>
+          <p:cNvPr id="13" name="그림 12">
+            <a:extLst>
+              <a:ext uri="{FF2B5EF4-FFF2-40B4-BE49-F238E27FC236}">
+                <a16:creationId xmlns:a16="http://schemas.microsoft.com/office/drawing/2014/main" id="{BF9E8E57-EC48-47E9-B144-715B9863C0D7}"/>
+              </a:ext>
+            </a:extLst>
+          </p:cNvPr>
+          <p:cNvPicPr>
+            <a:picLocks noChangeAspect="1"/>
+          </p:cNvPicPr>
           <p:nvPr/>
-        </p:nvSpPr>
-        <p:spPr>
-          <a:xfrm>
-            <a:off x="1775011" y="3338135"/>
-            <a:ext cx="1909482" cy="591670"/>
-          </a:xfrm>
-          <a:prstGeom prst="ellipse">
+        </p:nvPicPr>
+        <p:blipFill>
+          <a:blip r:embed="rId4"/>
+          <a:stretch>
+            <a:fillRect/>
+          </a:stretch>
+        </p:blipFill>
+        <p:spPr>
+          <a:xfrm>
+            <a:off x="695055" y="2195149"/>
+            <a:ext cx="5775661" cy="2467702"/>
+          </a:xfrm>
+          <a:prstGeom prst="rect">
             <a:avLst/>
           </a:prstGeom>
-          <a:noFill/>
-          <a:ln w="28575">
-            <a:solidFill>
-              <a:srgbClr val="FF0000"/>
-            </a:solidFill>
-          </a:ln>
-        </p:spPr>
-        <p:style>
-          <a:lnRef idx="2">
-            <a:schemeClr val="accent1">
-              <a:shade val="50000"/>
-            </a:schemeClr>
-          </a:lnRef>
-          <a:fillRef idx="1">
-            <a:schemeClr val="accent1"/>
-          </a:fillRef>
-          <a:effectRef idx="0">
-            <a:schemeClr val="accent1"/>
-          </a:effectRef>
-          <a:fontRef idx="minor">
-            <a:schemeClr val="lt1"/>
-          </a:fontRef>
-        </p:style>
-        <p:txBody>
-          <a:bodyPr rtlCol="0" anchor="ctr"/>
-          <a:lstStyle/>
-          <a:p>
-            <a:pPr algn="ctr"/>
-            <a:endParaRPr lang="ko-KR" altLang="en-US"/>
-          </a:p>
-        </p:txBody>
-      </p:sp>
-      <p:sp>
-        <p:nvSpPr>
-          <p:cNvPr id="10" name="타원 9">
-            <a:extLst>
-              <a:ext uri="{FF2B5EF4-FFF2-40B4-BE49-F238E27FC236}">
-                <a16:creationId xmlns:a16="http://schemas.microsoft.com/office/drawing/2014/main" id="{4E28A364-CED1-4B03-9301-DFBD80D98A4D}"/>
-              </a:ext>
-            </a:extLst>
-          </p:cNvPr>
-          <p:cNvSpPr/>
-          <p:nvPr/>
-        </p:nvSpPr>
-        <p:spPr>
-          <a:xfrm rot="5400000">
-            <a:off x="3222909" y="3620523"/>
-            <a:ext cx="1577590" cy="510989"/>
-          </a:xfrm>
-          <a:prstGeom prst="ellipse">
-            <a:avLst/>
-          </a:prstGeom>
-          <a:noFill/>
-          <a:ln w="28575">
-            <a:solidFill>
-              <a:srgbClr val="FF0000"/>
-            </a:solidFill>
-          </a:ln>
-        </p:spPr>
-        <p:style>
-          <a:lnRef idx="2">
-            <a:schemeClr val="accent1">
-              <a:shade val="50000"/>
-            </a:schemeClr>
-          </a:lnRef>
-          <a:fillRef idx="1">
-            <a:schemeClr val="accent1"/>
-          </a:fillRef>
-          <a:effectRef idx="0">
-            <a:schemeClr val="accent1"/>
-          </a:effectRef>
-          <a:fontRef idx="minor">
-            <a:schemeClr val="lt1"/>
-          </a:fontRef>
-        </p:style>
-        <p:txBody>
-          <a:bodyPr rtlCol="0" anchor="ctr"/>
-          <a:lstStyle/>
-          <a:p>
-            <a:pPr algn="ctr"/>
-            <a:endParaRPr lang="ko-KR" altLang="en-US"/>
-          </a:p>
-        </p:txBody>
-      </p:sp>
-      <p:sp>
-        <p:nvSpPr>
-          <p:cNvPr id="11" name="타원 10">
-            <a:extLst>
-              <a:ext uri="{FF2B5EF4-FFF2-40B4-BE49-F238E27FC236}">
-                <a16:creationId xmlns:a16="http://schemas.microsoft.com/office/drawing/2014/main" id="{A124D54F-5889-4DCE-A178-9E8DD815AF82}"/>
-              </a:ext>
-            </a:extLst>
-          </p:cNvPr>
-          <p:cNvSpPr/>
-          <p:nvPr/>
-        </p:nvSpPr>
-        <p:spPr>
-          <a:xfrm>
-            <a:off x="1775011" y="3773946"/>
-            <a:ext cx="1909482" cy="591670"/>
-          </a:xfrm>
-          <a:prstGeom prst="ellipse">
-            <a:avLst/>
-          </a:prstGeom>
-          <a:noFill/>
-          <a:ln w="28575">
-            <a:solidFill>
-              <a:srgbClr val="FF0000"/>
-            </a:solidFill>
-          </a:ln>
-        </p:spPr>
-        <p:style>
-          <a:lnRef idx="2">
-            <a:schemeClr val="accent1">
-              <a:shade val="50000"/>
-            </a:schemeClr>
-          </a:lnRef>
-          <a:fillRef idx="1">
-            <a:schemeClr val="accent1"/>
-          </a:fillRef>
-          <a:effectRef idx="0">
-            <a:schemeClr val="accent1"/>
-          </a:effectRef>
-          <a:fontRef idx="minor">
-            <a:schemeClr val="lt1"/>
-          </a:fontRef>
-        </p:style>
-        <p:txBody>
-          <a:bodyPr rtlCol="0" anchor="ctr"/>
-          <a:lstStyle/>
-          <a:p>
-            <a:pPr algn="ctr"/>
-            <a:endParaRPr lang="ko-KR" altLang="en-US"/>
-          </a:p>
-        </p:txBody>
-      </p:sp>
+        </p:spPr>
+      </p:pic>
     </p:spTree>
     <p:extLst>
       <p:ext uri="{BB962C8B-B14F-4D97-AF65-F5344CB8AC3E}">
-        <p14:creationId xmlns:p14="http://schemas.microsoft.com/office/powerpoint/2010/main" val="1521001558"/>
+        <p14:creationId xmlns:p14="http://schemas.microsoft.com/office/powerpoint/2010/main" val="3759212552"/>
       </p:ext>
     </p:extLst>
   </p:cSld>
@@ -10127,10 +10354,10 @@
       </p:sp>
       <p:pic>
         <p:nvPicPr>
-          <p:cNvPr id="7" name="그림 6">
-            <a:extLst>
-              <a:ext uri="{FF2B5EF4-FFF2-40B4-BE49-F238E27FC236}">
-                <a16:creationId xmlns:a16="http://schemas.microsoft.com/office/drawing/2014/main" id="{3CF8F230-760B-4914-8ED2-186558E41B3D}"/>
+          <p:cNvPr id="6" name="그림 5">
+            <a:extLst>
+              <a:ext uri="{FF2B5EF4-FFF2-40B4-BE49-F238E27FC236}">
+                <a16:creationId xmlns:a16="http://schemas.microsoft.com/office/drawing/2014/main" id="{E20DC9A9-606F-4DEF-9698-2D79A91F4E7C}"/>
               </a:ext>
             </a:extLst>
           </p:cNvPr>
@@ -10147,68 +10374,8 @@
         </p:blipFill>
         <p:spPr>
           <a:xfrm>
-            <a:off x="7275904" y="3849236"/>
-            <a:ext cx="2959125" cy="1556482"/>
-          </a:xfrm>
-          <a:prstGeom prst="rect">
-            <a:avLst/>
-          </a:prstGeom>
-        </p:spPr>
-      </p:pic>
-      <p:pic>
-        <p:nvPicPr>
-          <p:cNvPr id="12" name="그림 11">
-            <a:extLst>
-              <a:ext uri="{FF2B5EF4-FFF2-40B4-BE49-F238E27FC236}">
-                <a16:creationId xmlns:a16="http://schemas.microsoft.com/office/drawing/2014/main" id="{2060C96F-944A-4318-8C6D-40F15B43DD32}"/>
-              </a:ext>
-            </a:extLst>
-          </p:cNvPr>
-          <p:cNvPicPr>
-            <a:picLocks noChangeAspect="1"/>
-          </p:cNvPicPr>
-          <p:nvPr/>
-        </p:nvPicPr>
-        <p:blipFill>
-          <a:blip r:embed="rId3"/>
-          <a:stretch>
-            <a:fillRect/>
-          </a:stretch>
-        </p:blipFill>
-        <p:spPr>
-          <a:xfrm>
-            <a:off x="7275904" y="1824007"/>
-            <a:ext cx="4334988" cy="1935581"/>
-          </a:xfrm>
-          <a:prstGeom prst="rect">
-            <a:avLst/>
-          </a:prstGeom>
-        </p:spPr>
-      </p:pic>
-      <p:pic>
-        <p:nvPicPr>
-          <p:cNvPr id="13" name="그림 12">
-            <a:extLst>
-              <a:ext uri="{FF2B5EF4-FFF2-40B4-BE49-F238E27FC236}">
-                <a16:creationId xmlns:a16="http://schemas.microsoft.com/office/drawing/2014/main" id="{BF9E8E57-EC48-47E9-B144-715B9863C0D7}"/>
-              </a:ext>
-            </a:extLst>
-          </p:cNvPr>
-          <p:cNvPicPr>
-            <a:picLocks noChangeAspect="1"/>
-          </p:cNvPicPr>
-          <p:nvPr/>
-        </p:nvPicPr>
-        <p:blipFill>
-          <a:blip r:embed="rId4"/>
-          <a:stretch>
-            <a:fillRect/>
-          </a:stretch>
-        </p:blipFill>
-        <p:spPr>
-          <a:xfrm>
-            <a:off x="695055" y="2195149"/>
-            <a:ext cx="5775661" cy="2467702"/>
+            <a:off x="3625154" y="2847420"/>
+            <a:ext cx="4941691" cy="1904837"/>
           </a:xfrm>
           <a:prstGeom prst="rect">
             <a:avLst/>
@@ -10218,7 +10385,7 @@
     </p:spTree>
     <p:extLst>
       <p:ext uri="{BB962C8B-B14F-4D97-AF65-F5344CB8AC3E}">
-        <p14:creationId xmlns:p14="http://schemas.microsoft.com/office/powerpoint/2010/main" val="3759212552"/>
+        <p14:creationId xmlns:p14="http://schemas.microsoft.com/office/powerpoint/2010/main" val="1685687621"/>
       </p:ext>
     </p:extLst>
   </p:cSld>
@@ -10346,7 +10513,7 @@
         <p:spPr>
           <a:xfrm>
             <a:off x="875104" y="101916"/>
-            <a:ext cx="4786888" cy="646331"/>
+            <a:ext cx="2424062" cy="646331"/>
           </a:xfrm>
           <a:prstGeom prst="rect">
             <a:avLst/>
@@ -10390,7 +10557,7 @@
                 <a:ea typeface="나눔스퀘어 Light"/>
                 <a:cs typeface="+mn-cs"/>
               </a:rPr>
-              <a:t>행렬과 벡터 사이의 </a:t>
+              <a:t>행렬의 </a:t>
             </a:r>
             <a:r>
               <a:rPr kumimoji="0" lang="ko-KR" altLang="en-US" sz="3600" b="0" i="0" u="none" strike="noStrike" kern="1200" cap="none" spc="-300" normalizeH="0" baseline="0" noProof="0" dirty="0" err="1">
@@ -10496,10 +10663,10 @@
       </p:sp>
       <p:pic>
         <p:nvPicPr>
-          <p:cNvPr id="6" name="그림 5">
-            <a:extLst>
-              <a:ext uri="{FF2B5EF4-FFF2-40B4-BE49-F238E27FC236}">
-                <a16:creationId xmlns:a16="http://schemas.microsoft.com/office/drawing/2014/main" id="{E20DC9A9-606F-4DEF-9698-2D79A91F4E7C}"/>
+          <p:cNvPr id="7" name="그림 6">
+            <a:extLst>
+              <a:ext uri="{FF2B5EF4-FFF2-40B4-BE49-F238E27FC236}">
+                <a16:creationId xmlns:a16="http://schemas.microsoft.com/office/drawing/2014/main" id="{572CD54A-2359-4FFC-BA0F-2277A263508F}"/>
               </a:ext>
             </a:extLst>
           </p:cNvPr>
@@ -10516,8 +10683,8 @@
         </p:blipFill>
         <p:spPr>
           <a:xfrm>
-            <a:off x="3625154" y="2847420"/>
-            <a:ext cx="4941691" cy="1904837"/>
+            <a:off x="3999524" y="2372195"/>
+            <a:ext cx="4192951" cy="3005292"/>
           </a:xfrm>
           <a:prstGeom prst="rect">
             <a:avLst/>
@@ -10527,7 +10694,7 @@
     </p:spTree>
     <p:extLst>
       <p:ext uri="{BB962C8B-B14F-4D97-AF65-F5344CB8AC3E}">
-        <p14:creationId xmlns:p14="http://schemas.microsoft.com/office/powerpoint/2010/main" val="1685687621"/>
+        <p14:creationId xmlns:p14="http://schemas.microsoft.com/office/powerpoint/2010/main" val="1419913417"/>
       </p:ext>
     </p:extLst>
   </p:cSld>
@@ -10805,38 +10972,200 @@
       </p:sp>
       <p:pic>
         <p:nvPicPr>
-          <p:cNvPr id="7" name="그림 6">
-            <a:extLst>
-              <a:ext uri="{FF2B5EF4-FFF2-40B4-BE49-F238E27FC236}">
-                <a16:creationId xmlns:a16="http://schemas.microsoft.com/office/drawing/2014/main" id="{572CD54A-2359-4FFC-BA0F-2277A263508F}"/>
+          <p:cNvPr id="15362" name="Picture 2" descr="행렬의 곱셈, 행렬의 거듭제곱 – 수학방">
+            <a:extLst>
+              <a:ext uri="{FF2B5EF4-FFF2-40B4-BE49-F238E27FC236}">
+                <a16:creationId xmlns:a16="http://schemas.microsoft.com/office/drawing/2014/main" id="{1D90E76C-C592-4155-92F2-2B8754B16C43}"/>
               </a:ext>
             </a:extLst>
           </p:cNvPr>
           <p:cNvPicPr>
-            <a:picLocks noChangeAspect="1"/>
+            <a:picLocks noChangeAspect="1" noChangeArrowheads="1"/>
           </p:cNvPicPr>
           <p:nvPr/>
         </p:nvPicPr>
         <p:blipFill>
-          <a:blip r:embed="rId2"/>
+          <a:blip r:embed="rId2">
+            <a:extLst>
+              <a:ext uri="{28A0092B-C50C-407E-A947-70E740481C1C}">
+                <a14:useLocalDpi xmlns:a14="http://schemas.microsoft.com/office/drawing/2010/main" val="0"/>
+              </a:ext>
+            </a:extLst>
+          </a:blip>
+          <a:srcRect/>
           <a:stretch>
             <a:fillRect/>
           </a:stretch>
         </p:blipFill>
-        <p:spPr>
-          <a:xfrm>
-            <a:off x="3999524" y="2372195"/>
-            <a:ext cx="4192951" cy="3005292"/>
+        <p:spPr bwMode="auto">
+          <a:xfrm>
+            <a:off x="3079937" y="2834248"/>
+            <a:ext cx="6458510" cy="1719473"/>
           </a:xfrm>
           <a:prstGeom prst="rect">
             <a:avLst/>
           </a:prstGeom>
+          <a:noFill/>
+          <a:extLst>
+            <a:ext uri="{909E8E84-426E-40DD-AFC4-6F175D3DCCD1}">
+              <a14:hiddenFill xmlns:a14="http://schemas.microsoft.com/office/drawing/2010/main">
+                <a:solidFill>
+                  <a:srgbClr val="FFFFFF"/>
+                </a:solidFill>
+              </a14:hiddenFill>
+            </a:ext>
+          </a:extLst>
         </p:spPr>
       </p:pic>
+      <p:sp>
+        <p:nvSpPr>
+          <p:cNvPr id="8" name="타원 7">
+            <a:extLst>
+              <a:ext uri="{FF2B5EF4-FFF2-40B4-BE49-F238E27FC236}">
+                <a16:creationId xmlns:a16="http://schemas.microsoft.com/office/drawing/2014/main" id="{6A46B1A0-07D9-441A-BF8B-12C09F25E2BF}"/>
+              </a:ext>
+            </a:extLst>
+          </p:cNvPr>
+          <p:cNvSpPr/>
+          <p:nvPr/>
+        </p:nvSpPr>
+        <p:spPr>
+          <a:xfrm>
+            <a:off x="3702423" y="2816318"/>
+            <a:ext cx="770965" cy="265677"/>
+          </a:xfrm>
+          <a:prstGeom prst="ellipse">
+            <a:avLst/>
+          </a:prstGeom>
+          <a:noFill/>
+          <a:ln w="28575">
+            <a:solidFill>
+              <a:srgbClr val="FF0000"/>
+            </a:solidFill>
+          </a:ln>
+        </p:spPr>
+        <p:style>
+          <a:lnRef idx="2">
+            <a:schemeClr val="accent1">
+              <a:shade val="50000"/>
+            </a:schemeClr>
+          </a:lnRef>
+          <a:fillRef idx="1">
+            <a:schemeClr val="accent1"/>
+          </a:fillRef>
+          <a:effectRef idx="0">
+            <a:schemeClr val="accent1"/>
+          </a:effectRef>
+          <a:fontRef idx="minor">
+            <a:schemeClr val="lt1"/>
+          </a:fontRef>
+        </p:style>
+        <p:txBody>
+          <a:bodyPr rtlCol="0" anchor="ctr"/>
+          <a:lstStyle/>
+          <a:p>
+            <a:pPr algn="ctr"/>
+            <a:endParaRPr lang="ko-KR" altLang="en-US"/>
+          </a:p>
+        </p:txBody>
+      </p:sp>
+      <p:sp>
+        <p:nvSpPr>
+          <p:cNvPr id="9" name="타원 8">
+            <a:extLst>
+              <a:ext uri="{FF2B5EF4-FFF2-40B4-BE49-F238E27FC236}">
+                <a16:creationId xmlns:a16="http://schemas.microsoft.com/office/drawing/2014/main" id="{1C593D46-E4E9-4755-A6F6-0264E3B4EBA6}"/>
+              </a:ext>
+            </a:extLst>
+          </p:cNvPr>
+          <p:cNvSpPr/>
+          <p:nvPr/>
+        </p:nvSpPr>
+        <p:spPr>
+          <a:xfrm rot="5400000">
+            <a:off x="4577553" y="2910679"/>
+            <a:ext cx="770965" cy="265677"/>
+          </a:xfrm>
+          <a:prstGeom prst="ellipse">
+            <a:avLst/>
+          </a:prstGeom>
+          <a:noFill/>
+          <a:ln w="28575">
+            <a:solidFill>
+              <a:srgbClr val="FF0000"/>
+            </a:solidFill>
+          </a:ln>
+        </p:spPr>
+        <p:style>
+          <a:lnRef idx="2">
+            <a:schemeClr val="accent1">
+              <a:shade val="50000"/>
+            </a:schemeClr>
+          </a:lnRef>
+          <a:fillRef idx="1">
+            <a:schemeClr val="accent1"/>
+          </a:fillRef>
+          <a:effectRef idx="0">
+            <a:schemeClr val="accent1"/>
+          </a:effectRef>
+          <a:fontRef idx="minor">
+            <a:schemeClr val="lt1"/>
+          </a:fontRef>
+        </p:style>
+        <p:txBody>
+          <a:bodyPr rtlCol="0" anchor="ctr"/>
+          <a:lstStyle/>
+          <a:p>
+            <a:pPr algn="ctr"/>
+            <a:endParaRPr lang="ko-KR" altLang="en-US"/>
+          </a:p>
+        </p:txBody>
+      </p:sp>
+      <p:cxnSp>
+        <p:nvCxnSpPr>
+          <p:cNvPr id="6" name="직선 연결선 5">
+            <a:extLst>
+              <a:ext uri="{FF2B5EF4-FFF2-40B4-BE49-F238E27FC236}">
+                <a16:creationId xmlns:a16="http://schemas.microsoft.com/office/drawing/2014/main" id="{4E3CD081-0432-4328-B5B8-8C7BB9E57FC8}"/>
+              </a:ext>
+            </a:extLst>
+          </p:cNvPr>
+          <p:cNvCxnSpPr/>
+          <p:nvPr/>
+        </p:nvCxnSpPr>
+        <p:spPr>
+          <a:xfrm>
+            <a:off x="3836893" y="3649162"/>
+            <a:ext cx="1640541" cy="0"/>
+          </a:xfrm>
+          <a:prstGeom prst="line">
+            <a:avLst/>
+          </a:prstGeom>
+          <a:ln w="38100">
+            <a:solidFill>
+              <a:srgbClr val="FF0000"/>
+            </a:solidFill>
+          </a:ln>
+        </p:spPr>
+        <p:style>
+          <a:lnRef idx="1">
+            <a:schemeClr val="accent1"/>
+          </a:lnRef>
+          <a:fillRef idx="0">
+            <a:schemeClr val="accent1"/>
+          </a:fillRef>
+          <a:effectRef idx="0">
+            <a:schemeClr val="accent1"/>
+          </a:effectRef>
+          <a:fontRef idx="minor">
+            <a:schemeClr val="tx1"/>
+          </a:fontRef>
+        </p:style>
+      </p:cxnSp>
     </p:spTree>
     <p:extLst>
       <p:ext uri="{BB962C8B-B14F-4D97-AF65-F5344CB8AC3E}">
-        <p14:creationId xmlns:p14="http://schemas.microsoft.com/office/powerpoint/2010/main" val="1419913417"/>
+        <p14:creationId xmlns:p14="http://schemas.microsoft.com/office/powerpoint/2010/main" val="364548096"/>
       </p:ext>
     </p:extLst>
   </p:cSld>
@@ -10855,6 +11184,175 @@
       </p:transition>
     </mc:Fallback>
   </mc:AlternateContent>
+  <p:timing>
+    <p:tnLst>
+      <p:par>
+        <p:cTn id="1" dur="indefinite" restart="never" nodeType="tmRoot">
+          <p:childTnLst>
+            <p:seq concurrent="1" nextAc="seek">
+              <p:cTn id="2" dur="indefinite" nodeType="mainSeq">
+                <p:childTnLst>
+                  <p:par>
+                    <p:cTn id="3" fill="hold">
+                      <p:stCondLst>
+                        <p:cond delay="indefinite"/>
+                      </p:stCondLst>
+                      <p:childTnLst>
+                        <p:par>
+                          <p:cTn id="4" fill="hold">
+                            <p:stCondLst>
+                              <p:cond delay="0"/>
+                            </p:stCondLst>
+                            <p:childTnLst>
+                              <p:par>
+                                <p:cTn id="5" presetID="1" presetClass="entr" presetSubtype="0" fill="hold" grpId="0" nodeType="clickEffect">
+                                  <p:stCondLst>
+                                    <p:cond delay="0"/>
+                                  </p:stCondLst>
+                                  <p:childTnLst>
+                                    <p:set>
+                                      <p:cBhvr>
+                                        <p:cTn id="6" dur="1" fill="hold">
+                                          <p:stCondLst>
+                                            <p:cond delay="0"/>
+                                          </p:stCondLst>
+                                        </p:cTn>
+                                        <p:tgtEl>
+                                          <p:spTgt spid="8"/>
+                                        </p:tgtEl>
+                                        <p:attrNameLst>
+                                          <p:attrName>style.visibility</p:attrName>
+                                        </p:attrNameLst>
+                                      </p:cBhvr>
+                                      <p:to>
+                                        <p:strVal val="visible"/>
+                                      </p:to>
+                                    </p:set>
+                                  </p:childTnLst>
+                                </p:cTn>
+                              </p:par>
+                            </p:childTnLst>
+                          </p:cTn>
+                        </p:par>
+                      </p:childTnLst>
+                    </p:cTn>
+                  </p:par>
+                  <p:par>
+                    <p:cTn id="7" fill="hold">
+                      <p:stCondLst>
+                        <p:cond delay="indefinite"/>
+                      </p:stCondLst>
+                      <p:childTnLst>
+                        <p:par>
+                          <p:cTn id="8" fill="hold">
+                            <p:stCondLst>
+                              <p:cond delay="0"/>
+                            </p:stCondLst>
+                            <p:childTnLst>
+                              <p:par>
+                                <p:cTn id="9" presetID="1" presetClass="entr" presetSubtype="0" fill="hold" grpId="0" nodeType="clickEffect">
+                                  <p:stCondLst>
+                                    <p:cond delay="0"/>
+                                  </p:stCondLst>
+                                  <p:childTnLst>
+                                    <p:set>
+                                      <p:cBhvr>
+                                        <p:cTn id="10" dur="1" fill="hold">
+                                          <p:stCondLst>
+                                            <p:cond delay="0"/>
+                                          </p:stCondLst>
+                                        </p:cTn>
+                                        <p:tgtEl>
+                                          <p:spTgt spid="9"/>
+                                        </p:tgtEl>
+                                        <p:attrNameLst>
+                                          <p:attrName>style.visibility</p:attrName>
+                                        </p:attrNameLst>
+                                      </p:cBhvr>
+                                      <p:to>
+                                        <p:strVal val="visible"/>
+                                      </p:to>
+                                    </p:set>
+                                  </p:childTnLst>
+                                </p:cTn>
+                              </p:par>
+                            </p:childTnLst>
+                          </p:cTn>
+                        </p:par>
+                      </p:childTnLst>
+                    </p:cTn>
+                  </p:par>
+                  <p:par>
+                    <p:cTn id="11" fill="hold">
+                      <p:stCondLst>
+                        <p:cond delay="indefinite"/>
+                      </p:stCondLst>
+                      <p:childTnLst>
+                        <p:par>
+                          <p:cTn id="12" fill="hold">
+                            <p:stCondLst>
+                              <p:cond delay="0"/>
+                            </p:stCondLst>
+                            <p:childTnLst>
+                              <p:par>
+                                <p:cTn id="13" presetID="1" presetClass="entr" presetSubtype="0" fill="hold" nodeType="clickEffect">
+                                  <p:stCondLst>
+                                    <p:cond delay="0"/>
+                                  </p:stCondLst>
+                                  <p:childTnLst>
+                                    <p:set>
+                                      <p:cBhvr>
+                                        <p:cTn id="14" dur="1" fill="hold">
+                                          <p:stCondLst>
+                                            <p:cond delay="0"/>
+                                          </p:stCondLst>
+                                        </p:cTn>
+                                        <p:tgtEl>
+                                          <p:spTgt spid="6"/>
+                                        </p:tgtEl>
+                                        <p:attrNameLst>
+                                          <p:attrName>style.visibility</p:attrName>
+                                        </p:attrNameLst>
+                                      </p:cBhvr>
+                                      <p:to>
+                                        <p:strVal val="visible"/>
+                                      </p:to>
+                                    </p:set>
+                                  </p:childTnLst>
+                                </p:cTn>
+                              </p:par>
+                            </p:childTnLst>
+                          </p:cTn>
+                        </p:par>
+                      </p:childTnLst>
+                    </p:cTn>
+                  </p:par>
+                </p:childTnLst>
+              </p:cTn>
+              <p:prevCondLst>
+                <p:cond evt="onPrev" delay="0">
+                  <p:tgtEl>
+                    <p:sldTgt/>
+                  </p:tgtEl>
+                </p:cond>
+              </p:prevCondLst>
+              <p:nextCondLst>
+                <p:cond evt="onNext" delay="0">
+                  <p:tgtEl>
+                    <p:sldTgt/>
+                  </p:tgtEl>
+                </p:cond>
+              </p:nextCondLst>
+            </p:seq>
+          </p:childTnLst>
+        </p:cTn>
+      </p:par>
+    </p:tnLst>
+    <p:bldLst>
+      <p:bldP spid="8" grpId="0" animBg="1"/>
+      <p:bldP spid="9" grpId="0" animBg="1"/>
+    </p:bldLst>
+  </p:timing>
 </p:sld>
 </file>
 
@@ -11114,200 +11612,38 @@
       </p:sp>
       <p:pic>
         <p:nvPicPr>
-          <p:cNvPr id="15362" name="Picture 2" descr="행렬의 곱셈, 행렬의 거듭제곱 – 수학방">
-            <a:extLst>
-              <a:ext uri="{FF2B5EF4-FFF2-40B4-BE49-F238E27FC236}">
-                <a16:creationId xmlns:a16="http://schemas.microsoft.com/office/drawing/2014/main" id="{1D90E76C-C592-4155-92F2-2B8754B16C43}"/>
+          <p:cNvPr id="6" name="그림 5">
+            <a:extLst>
+              <a:ext uri="{FF2B5EF4-FFF2-40B4-BE49-F238E27FC236}">
+                <a16:creationId xmlns:a16="http://schemas.microsoft.com/office/drawing/2014/main" id="{4885137C-B8CA-4A90-BDC2-6C18F74936BD}"/>
               </a:ext>
             </a:extLst>
           </p:cNvPr>
           <p:cNvPicPr>
-            <a:picLocks noChangeAspect="1" noChangeArrowheads="1"/>
+            <a:picLocks noChangeAspect="1"/>
           </p:cNvPicPr>
           <p:nvPr/>
         </p:nvPicPr>
         <p:blipFill>
-          <a:blip r:embed="rId2">
-            <a:extLst>
-              <a:ext uri="{28A0092B-C50C-407E-A947-70E740481C1C}">
-                <a14:useLocalDpi xmlns:a14="http://schemas.microsoft.com/office/drawing/2010/main" val="0"/>
-              </a:ext>
-            </a:extLst>
-          </a:blip>
-          <a:srcRect/>
+          <a:blip r:embed="rId2"/>
           <a:stretch>
             <a:fillRect/>
           </a:stretch>
         </p:blipFill>
-        <p:spPr bwMode="auto">
-          <a:xfrm>
-            <a:off x="3079937" y="2834248"/>
-            <a:ext cx="6458510" cy="1719473"/>
+        <p:spPr>
+          <a:xfrm>
+            <a:off x="4332158" y="2972817"/>
+            <a:ext cx="3527683" cy="1769513"/>
           </a:xfrm>
           <a:prstGeom prst="rect">
             <a:avLst/>
           </a:prstGeom>
-          <a:noFill/>
-          <a:extLst>
-            <a:ext uri="{909E8E84-426E-40DD-AFC4-6F175D3DCCD1}">
-              <a14:hiddenFill xmlns:a14="http://schemas.microsoft.com/office/drawing/2010/main">
-                <a:solidFill>
-                  <a:srgbClr val="FFFFFF"/>
-                </a:solidFill>
-              </a14:hiddenFill>
-            </a:ext>
-          </a:extLst>
         </p:spPr>
       </p:pic>
-      <p:sp>
-        <p:nvSpPr>
-          <p:cNvPr id="8" name="타원 7">
-            <a:extLst>
-              <a:ext uri="{FF2B5EF4-FFF2-40B4-BE49-F238E27FC236}">
-                <a16:creationId xmlns:a16="http://schemas.microsoft.com/office/drawing/2014/main" id="{6A46B1A0-07D9-441A-BF8B-12C09F25E2BF}"/>
-              </a:ext>
-            </a:extLst>
-          </p:cNvPr>
-          <p:cNvSpPr/>
-          <p:nvPr/>
-        </p:nvSpPr>
-        <p:spPr>
-          <a:xfrm>
-            <a:off x="3702423" y="2816318"/>
-            <a:ext cx="770965" cy="265677"/>
-          </a:xfrm>
-          <a:prstGeom prst="ellipse">
-            <a:avLst/>
-          </a:prstGeom>
-          <a:noFill/>
-          <a:ln w="28575">
-            <a:solidFill>
-              <a:srgbClr val="FF0000"/>
-            </a:solidFill>
-          </a:ln>
-        </p:spPr>
-        <p:style>
-          <a:lnRef idx="2">
-            <a:schemeClr val="accent1">
-              <a:shade val="50000"/>
-            </a:schemeClr>
-          </a:lnRef>
-          <a:fillRef idx="1">
-            <a:schemeClr val="accent1"/>
-          </a:fillRef>
-          <a:effectRef idx="0">
-            <a:schemeClr val="accent1"/>
-          </a:effectRef>
-          <a:fontRef idx="minor">
-            <a:schemeClr val="lt1"/>
-          </a:fontRef>
-        </p:style>
-        <p:txBody>
-          <a:bodyPr rtlCol="0" anchor="ctr"/>
-          <a:lstStyle/>
-          <a:p>
-            <a:pPr algn="ctr"/>
-            <a:endParaRPr lang="ko-KR" altLang="en-US"/>
-          </a:p>
-        </p:txBody>
-      </p:sp>
-      <p:sp>
-        <p:nvSpPr>
-          <p:cNvPr id="9" name="타원 8">
-            <a:extLst>
-              <a:ext uri="{FF2B5EF4-FFF2-40B4-BE49-F238E27FC236}">
-                <a16:creationId xmlns:a16="http://schemas.microsoft.com/office/drawing/2014/main" id="{1C593D46-E4E9-4755-A6F6-0264E3B4EBA6}"/>
-              </a:ext>
-            </a:extLst>
-          </p:cNvPr>
-          <p:cNvSpPr/>
-          <p:nvPr/>
-        </p:nvSpPr>
-        <p:spPr>
-          <a:xfrm rot="5400000">
-            <a:off x="4577553" y="2910679"/>
-            <a:ext cx="770965" cy="265677"/>
-          </a:xfrm>
-          <a:prstGeom prst="ellipse">
-            <a:avLst/>
-          </a:prstGeom>
-          <a:noFill/>
-          <a:ln w="28575">
-            <a:solidFill>
-              <a:srgbClr val="FF0000"/>
-            </a:solidFill>
-          </a:ln>
-        </p:spPr>
-        <p:style>
-          <a:lnRef idx="2">
-            <a:schemeClr val="accent1">
-              <a:shade val="50000"/>
-            </a:schemeClr>
-          </a:lnRef>
-          <a:fillRef idx="1">
-            <a:schemeClr val="accent1"/>
-          </a:fillRef>
-          <a:effectRef idx="0">
-            <a:schemeClr val="accent1"/>
-          </a:effectRef>
-          <a:fontRef idx="minor">
-            <a:schemeClr val="lt1"/>
-          </a:fontRef>
-        </p:style>
-        <p:txBody>
-          <a:bodyPr rtlCol="0" anchor="ctr"/>
-          <a:lstStyle/>
-          <a:p>
-            <a:pPr algn="ctr"/>
-            <a:endParaRPr lang="ko-KR" altLang="en-US"/>
-          </a:p>
-        </p:txBody>
-      </p:sp>
-      <p:cxnSp>
-        <p:nvCxnSpPr>
-          <p:cNvPr id="6" name="직선 연결선 5">
-            <a:extLst>
-              <a:ext uri="{FF2B5EF4-FFF2-40B4-BE49-F238E27FC236}">
-                <a16:creationId xmlns:a16="http://schemas.microsoft.com/office/drawing/2014/main" id="{4E3CD081-0432-4328-B5B8-8C7BB9E57FC8}"/>
-              </a:ext>
-            </a:extLst>
-          </p:cNvPr>
-          <p:cNvCxnSpPr/>
-          <p:nvPr/>
-        </p:nvCxnSpPr>
-        <p:spPr>
-          <a:xfrm>
-            <a:off x="3836893" y="3649162"/>
-            <a:ext cx="1640541" cy="0"/>
-          </a:xfrm>
-          <a:prstGeom prst="line">
-            <a:avLst/>
-          </a:prstGeom>
-          <a:ln w="38100">
-            <a:solidFill>
-              <a:srgbClr val="FF0000"/>
-            </a:solidFill>
-          </a:ln>
-        </p:spPr>
-        <p:style>
-          <a:lnRef idx="1">
-            <a:schemeClr val="accent1"/>
-          </a:lnRef>
-          <a:fillRef idx="0">
-            <a:schemeClr val="accent1"/>
-          </a:fillRef>
-          <a:effectRef idx="0">
-            <a:schemeClr val="accent1"/>
-          </a:effectRef>
-          <a:fontRef idx="minor">
-            <a:schemeClr val="tx1"/>
-          </a:fontRef>
-        </p:style>
-      </p:cxnSp>
     </p:spTree>
     <p:extLst>
       <p:ext uri="{BB962C8B-B14F-4D97-AF65-F5344CB8AC3E}">
-        <p14:creationId xmlns:p14="http://schemas.microsoft.com/office/powerpoint/2010/main" val="364548096"/>
+        <p14:creationId xmlns:p14="http://schemas.microsoft.com/office/powerpoint/2010/main" val="2324342978"/>
       </p:ext>
     </p:extLst>
   </p:cSld>
@@ -11346,12 +11682,47 @@
           <a:chExt cx="0" cy="0"/>
         </a:xfrm>
       </p:grpSpPr>
+      <p:pic>
+        <p:nvPicPr>
+          <p:cNvPr id="3" name="그림 2">
+            <a:extLst>
+              <a:ext uri="{FF2B5EF4-FFF2-40B4-BE49-F238E27FC236}">
+                <a16:creationId xmlns:a16="http://schemas.microsoft.com/office/drawing/2014/main" id="{331F6F75-B221-4061-B962-758F7C3BEBFF}"/>
+              </a:ext>
+            </a:extLst>
+          </p:cNvPr>
+          <p:cNvPicPr>
+            <a:picLocks noChangeAspect="1"/>
+          </p:cNvPicPr>
+          <p:nvPr/>
+        </p:nvPicPr>
+        <p:blipFill rotWithShape="1">
+          <a:blip r:embed="rId2" cstate="screen">
+            <a:extLst>
+              <a:ext uri="{28A0092B-C50C-407E-A947-70E740481C1C}">
+                <a14:useLocalDpi xmlns:a14="http://schemas.microsoft.com/office/drawing/2010/main" val="0"/>
+              </a:ext>
+            </a:extLst>
+          </a:blip>
+          <a:srcRect/>
+          <a:stretch/>
+        </p:blipFill>
+        <p:spPr>
+          <a:xfrm>
+            <a:off x="3474720" y="0"/>
+            <a:ext cx="8717280" cy="6858000"/>
+          </a:xfrm>
+          <a:prstGeom prst="rect">
+            <a:avLst/>
+          </a:prstGeom>
+        </p:spPr>
+      </p:pic>
       <p:sp>
         <p:nvSpPr>
-          <p:cNvPr id="2" name="직사각형 1">
-            <a:extLst>
-              <a:ext uri="{FF2B5EF4-FFF2-40B4-BE49-F238E27FC236}">
-                <a16:creationId xmlns:a16="http://schemas.microsoft.com/office/drawing/2014/main" id="{0546E572-061A-4F66-860A-EA1641AD3DE2}"/>
+          <p:cNvPr id="7" name="직사각형 6">
+            <a:extLst>
+              <a:ext uri="{FF2B5EF4-FFF2-40B4-BE49-F238E27FC236}">
+                <a16:creationId xmlns:a16="http://schemas.microsoft.com/office/drawing/2014/main" id="{BFB742AF-8DE1-4801-BAAB-FF7C033D40F3}"/>
               </a:ext>
             </a:extLst>
           </p:cNvPr>
@@ -11361,7 +11732,7 @@
         <p:spPr>
           <a:xfrm>
             <a:off x="0" y="0"/>
-            <a:ext cx="12192000" cy="1076960"/>
+            <a:ext cx="6096000" cy="6858000"/>
           </a:xfrm>
           <a:prstGeom prst="rect">
             <a:avLst/>
@@ -11422,10 +11793,10 @@
       </p:sp>
       <p:sp>
         <p:nvSpPr>
-          <p:cNvPr id="3" name="TextBox 2">
-            <a:extLst>
-              <a:ext uri="{FF2B5EF4-FFF2-40B4-BE49-F238E27FC236}">
-                <a16:creationId xmlns:a16="http://schemas.microsoft.com/office/drawing/2014/main" id="{8951765C-E4E1-440B-B3F6-AD127EB533CF}"/>
+          <p:cNvPr id="9" name="TextBox 8">
+            <a:extLst>
+              <a:ext uri="{FF2B5EF4-FFF2-40B4-BE49-F238E27FC236}">
+                <a16:creationId xmlns:a16="http://schemas.microsoft.com/office/drawing/2014/main" id="{E9B29B74-5530-431A-9A1D-6C360E5E40A6}"/>
               </a:ext>
             </a:extLst>
           </p:cNvPr>
@@ -11434,8 +11805,8 @@
         </p:nvSpPr>
         <p:spPr>
           <a:xfrm>
-            <a:off x="875104" y="101916"/>
-            <a:ext cx="2424062" cy="646331"/>
+            <a:off x="2555473" y="3188136"/>
+            <a:ext cx="2970685" cy="646331"/>
           </a:xfrm>
           <a:prstGeom prst="rect">
             <a:avLst/>
@@ -11466,7 +11837,7 @@
               <a:defRPr/>
             </a:pPr>
             <a:r>
-              <a:rPr kumimoji="0" lang="ko-KR" altLang="en-US" sz="3600" b="0" i="0" u="none" strike="noStrike" kern="1200" cap="none" spc="-300" normalizeH="0" baseline="0" noProof="0" dirty="0">
+              <a:rPr kumimoji="0" lang="ko-KR" altLang="en-US" sz="3600" b="0" i="0" u="none" strike="noStrike" kern="1200" cap="none" spc="-300" normalizeH="0" baseline="0" noProof="0" dirty="0" err="1">
                 <a:ln>
                   <a:noFill/>
                 </a:ln>
@@ -11479,10 +11850,10 @@
                 <a:ea typeface="나눔스퀘어 Light"/>
                 <a:cs typeface="+mn-cs"/>
               </a:rPr>
-              <a:t>행렬의 </a:t>
-            </a:r>
-            <a:r>
-              <a:rPr kumimoji="0" lang="ko-KR" altLang="en-US" sz="3600" b="0" i="0" u="none" strike="noStrike" kern="1200" cap="none" spc="-300" normalizeH="0" baseline="0" noProof="0" dirty="0" err="1">
+              <a:t>텐서</a:t>
+            </a:r>
+            <a:r>
+              <a:rPr kumimoji="0" lang="ko-KR" altLang="en-US" sz="3600" b="0" i="0" u="none" strike="noStrike" kern="1200" cap="none" spc="-300" normalizeH="0" baseline="0" noProof="0" dirty="0">
                 <a:ln>
                   <a:noFill/>
                 </a:ln>
@@ -11495,9 +11866,9 @@
                 <a:ea typeface="나눔스퀘어 Light"/>
                 <a:cs typeface="+mn-cs"/>
               </a:rPr>
-              <a:t>점곱</a:t>
-            </a:r>
-            <a:endParaRPr kumimoji="0" lang="ko-KR" altLang="en-US" sz="3600" b="0" i="0" u="none" strike="noStrike" kern="1200" cap="none" spc="-300" normalizeH="0" baseline="0" noProof="0" dirty="0">
+              <a:t> 크기 변환</a:t>
+            </a:r>
+            <a:endParaRPr kumimoji="0" lang="en-US" altLang="ko-KR" sz="3600" b="0" i="0" u="none" strike="noStrike" kern="1200" cap="none" spc="-300" normalizeH="0" baseline="0" noProof="0" dirty="0">
               <a:ln>
                 <a:noFill/>
               </a:ln>
@@ -11515,10 +11886,10 @@
       </p:sp>
       <p:sp>
         <p:nvSpPr>
-          <p:cNvPr id="4" name="TextBox 3">
-            <a:extLst>
-              <a:ext uri="{FF2B5EF4-FFF2-40B4-BE49-F238E27FC236}">
-                <a16:creationId xmlns:a16="http://schemas.microsoft.com/office/drawing/2014/main" id="{8E877FB6-6DE1-44E4-8EF8-7160153CD120}"/>
+          <p:cNvPr id="11" name="TextBox 10">
+            <a:extLst>
+              <a:ext uri="{FF2B5EF4-FFF2-40B4-BE49-F238E27FC236}">
+                <a16:creationId xmlns:a16="http://schemas.microsoft.com/office/drawing/2014/main" id="{DD6DC040-1911-4DE1-B7BA-8D50B20BC5F8}"/>
               </a:ext>
             </a:extLst>
           </p:cNvPr>
@@ -11527,8 +11898,8 @@
         </p:nvSpPr>
         <p:spPr>
           <a:xfrm>
-            <a:off x="132080" y="117305"/>
-            <a:ext cx="562975" cy="307777"/>
+            <a:off x="904240" y="2846150"/>
+            <a:ext cx="625492" cy="307777"/>
           </a:xfrm>
           <a:prstGeom prst="rect">
             <a:avLst/>
@@ -11559,13 +11930,20 @@
               <a:defRPr/>
             </a:pPr>
             <a:r>
-              <a:rPr lang="en-US" altLang="ko-KR" sz="1400" dirty="0">
+              <a:rPr kumimoji="0" lang="en-US" altLang="ko-KR" sz="1400" b="0" i="0" u="none" strike="noStrike" kern="1200" cap="none" spc="0" normalizeH="0" baseline="0" noProof="0" dirty="0">
+                <a:ln>
+                  <a:noFill/>
+                </a:ln>
                 <a:solidFill>
                   <a:prstClr val="white"/>
                 </a:solidFill>
+                <a:effectLst/>
+                <a:uLnTx/>
+                <a:uFillTx/>
                 <a:ea typeface="나눔스퀘어 Light"/>
-              </a:rPr>
-              <a:t>2.3.3</a:t>
+                <a:cs typeface="+mn-cs"/>
+              </a:rPr>
+              <a:t>2.3.4 </a:t>
             </a:r>
             <a:endParaRPr kumimoji="0" lang="ko-KR" altLang="en-US" sz="1400" b="0" i="0" u="none" strike="noStrike" kern="1200" cap="none" spc="0" normalizeH="0" baseline="0" noProof="0" dirty="0">
               <a:ln>
@@ -11583,40 +11961,96 @@
           </a:p>
         </p:txBody>
       </p:sp>
-      <p:pic>
-        <p:nvPicPr>
-          <p:cNvPr id="6" name="그림 5">
-            <a:extLst>
-              <a:ext uri="{FF2B5EF4-FFF2-40B4-BE49-F238E27FC236}">
-                <a16:creationId xmlns:a16="http://schemas.microsoft.com/office/drawing/2014/main" id="{4885137C-B8CA-4A90-BDC2-6C18F74936BD}"/>
-              </a:ext>
-            </a:extLst>
-          </p:cNvPr>
-          <p:cNvPicPr>
-            <a:picLocks noChangeAspect="1"/>
-          </p:cNvPicPr>
+      <p:cxnSp>
+        <p:nvCxnSpPr>
+          <p:cNvPr id="12" name="직선 연결선 11">
+            <a:extLst>
+              <a:ext uri="{FF2B5EF4-FFF2-40B4-BE49-F238E27FC236}">
+                <a16:creationId xmlns:a16="http://schemas.microsoft.com/office/drawing/2014/main" id="{E9C7568C-DA98-40CE-9115-1F19853EEDF6}"/>
+              </a:ext>
+            </a:extLst>
+          </p:cNvPr>
+          <p:cNvCxnSpPr>
+            <a:cxnSpLocks/>
+          </p:cNvCxnSpPr>
           <p:nvPr/>
-        </p:nvPicPr>
-        <p:blipFill>
-          <a:blip r:embed="rId2"/>
-          <a:stretch>
-            <a:fillRect/>
-          </a:stretch>
-        </p:blipFill>
-        <p:spPr>
-          <a:xfrm>
-            <a:off x="4332158" y="2972817"/>
-            <a:ext cx="3527683" cy="1769513"/>
-          </a:xfrm>
-          <a:prstGeom prst="rect">
+        </p:nvCxnSpPr>
+        <p:spPr>
+          <a:xfrm>
+            <a:off x="904240" y="2823130"/>
+            <a:ext cx="4467890" cy="0"/>
+          </a:xfrm>
+          <a:prstGeom prst="line">
             <a:avLst/>
           </a:prstGeom>
-        </p:spPr>
-      </p:pic>
+          <a:ln>
+            <a:solidFill>
+              <a:schemeClr val="bg1"/>
+            </a:solidFill>
+          </a:ln>
+        </p:spPr>
+        <p:style>
+          <a:lnRef idx="1">
+            <a:schemeClr val="accent1"/>
+          </a:lnRef>
+          <a:fillRef idx="0">
+            <a:schemeClr val="accent1"/>
+          </a:fillRef>
+          <a:effectRef idx="0">
+            <a:schemeClr val="accent1"/>
+          </a:effectRef>
+          <a:fontRef idx="minor">
+            <a:schemeClr val="tx1"/>
+          </a:fontRef>
+        </p:style>
+      </p:cxnSp>
+      <p:cxnSp>
+        <p:nvCxnSpPr>
+          <p:cNvPr id="13" name="직선 연결선 12">
+            <a:extLst>
+              <a:ext uri="{FF2B5EF4-FFF2-40B4-BE49-F238E27FC236}">
+                <a16:creationId xmlns:a16="http://schemas.microsoft.com/office/drawing/2014/main" id="{92A7BF85-EFF0-4169-9F33-5B30AFBB9A2A}"/>
+              </a:ext>
+            </a:extLst>
+          </p:cNvPr>
+          <p:cNvCxnSpPr>
+            <a:cxnSpLocks/>
+          </p:cNvCxnSpPr>
+          <p:nvPr/>
+        </p:nvCxnSpPr>
+        <p:spPr>
+          <a:xfrm>
+            <a:off x="904240" y="4011850"/>
+            <a:ext cx="4467890" cy="0"/>
+          </a:xfrm>
+          <a:prstGeom prst="line">
+            <a:avLst/>
+          </a:prstGeom>
+          <a:ln>
+            <a:solidFill>
+              <a:schemeClr val="bg1"/>
+            </a:solidFill>
+          </a:ln>
+        </p:spPr>
+        <p:style>
+          <a:lnRef idx="1">
+            <a:schemeClr val="accent1"/>
+          </a:lnRef>
+          <a:fillRef idx="0">
+            <a:schemeClr val="accent1"/>
+          </a:fillRef>
+          <a:effectRef idx="0">
+            <a:schemeClr val="accent1"/>
+          </a:effectRef>
+          <a:fontRef idx="minor">
+            <a:schemeClr val="tx1"/>
+          </a:fontRef>
+        </p:style>
+      </p:cxnSp>
     </p:spTree>
     <p:extLst>
       <p:ext uri="{BB962C8B-B14F-4D97-AF65-F5344CB8AC3E}">
-        <p14:creationId xmlns:p14="http://schemas.microsoft.com/office/powerpoint/2010/main" val="2324342978"/>
+        <p14:creationId xmlns:p14="http://schemas.microsoft.com/office/powerpoint/2010/main" val="3601744485"/>
       </p:ext>
     </p:extLst>
   </p:cSld>
@@ -11655,47 +12089,12 @@
           <a:chExt cx="0" cy="0"/>
         </a:xfrm>
       </p:grpSpPr>
-      <p:pic>
-        <p:nvPicPr>
-          <p:cNvPr id="3" name="그림 2">
-            <a:extLst>
-              <a:ext uri="{FF2B5EF4-FFF2-40B4-BE49-F238E27FC236}">
-                <a16:creationId xmlns:a16="http://schemas.microsoft.com/office/drawing/2014/main" id="{331F6F75-B221-4061-B962-758F7C3BEBFF}"/>
-              </a:ext>
-            </a:extLst>
-          </p:cNvPr>
-          <p:cNvPicPr>
-            <a:picLocks noChangeAspect="1"/>
-          </p:cNvPicPr>
-          <p:nvPr/>
-        </p:nvPicPr>
-        <p:blipFill rotWithShape="1">
-          <a:blip r:embed="rId2" cstate="screen">
-            <a:extLst>
-              <a:ext uri="{28A0092B-C50C-407E-A947-70E740481C1C}">
-                <a14:useLocalDpi xmlns:a14="http://schemas.microsoft.com/office/drawing/2010/main" val="0"/>
-              </a:ext>
-            </a:extLst>
-          </a:blip>
-          <a:srcRect/>
-          <a:stretch/>
-        </p:blipFill>
-        <p:spPr>
-          <a:xfrm>
-            <a:off x="3474720" y="0"/>
-            <a:ext cx="8717280" cy="6858000"/>
-          </a:xfrm>
-          <a:prstGeom prst="rect">
-            <a:avLst/>
-          </a:prstGeom>
-        </p:spPr>
-      </p:pic>
       <p:sp>
         <p:nvSpPr>
-          <p:cNvPr id="7" name="직사각형 6">
-            <a:extLst>
-              <a:ext uri="{FF2B5EF4-FFF2-40B4-BE49-F238E27FC236}">
-                <a16:creationId xmlns:a16="http://schemas.microsoft.com/office/drawing/2014/main" id="{BFB742AF-8DE1-4801-BAAB-FF7C033D40F3}"/>
+          <p:cNvPr id="2" name="직사각형 1">
+            <a:extLst>
+              <a:ext uri="{FF2B5EF4-FFF2-40B4-BE49-F238E27FC236}">
+                <a16:creationId xmlns:a16="http://schemas.microsoft.com/office/drawing/2014/main" id="{0546E572-061A-4F66-860A-EA1641AD3DE2}"/>
               </a:ext>
             </a:extLst>
           </p:cNvPr>
@@ -11705,7 +12104,7 @@
         <p:spPr>
           <a:xfrm>
             <a:off x="0" y="0"/>
-            <a:ext cx="6096000" cy="6858000"/>
+            <a:ext cx="12192000" cy="1076960"/>
           </a:xfrm>
           <a:prstGeom prst="rect">
             <a:avLst/>
@@ -11766,10 +12165,10 @@
       </p:sp>
       <p:sp>
         <p:nvSpPr>
-          <p:cNvPr id="9" name="TextBox 8">
-            <a:extLst>
-              <a:ext uri="{FF2B5EF4-FFF2-40B4-BE49-F238E27FC236}">
-                <a16:creationId xmlns:a16="http://schemas.microsoft.com/office/drawing/2014/main" id="{E9B29B74-5530-431A-9A1D-6C360E5E40A6}"/>
+          <p:cNvPr id="3" name="TextBox 2">
+            <a:extLst>
+              <a:ext uri="{FF2B5EF4-FFF2-40B4-BE49-F238E27FC236}">
+                <a16:creationId xmlns:a16="http://schemas.microsoft.com/office/drawing/2014/main" id="{8951765C-E4E1-440B-B3F6-AD127EB533CF}"/>
               </a:ext>
             </a:extLst>
           </p:cNvPr>
@@ -11778,7 +12177,7 @@
         </p:nvSpPr>
         <p:spPr>
           <a:xfrm>
-            <a:off x="2555473" y="3188136"/>
+            <a:off x="875104" y="101916"/>
             <a:ext cx="2970685" cy="646331"/>
           </a:xfrm>
           <a:prstGeom prst="rect">
@@ -11841,28 +12240,15 @@
               </a:rPr>
               <a:t> 크기 변환</a:t>
             </a:r>
-            <a:endParaRPr kumimoji="0" lang="en-US" altLang="ko-KR" sz="3600" b="0" i="0" u="none" strike="noStrike" kern="1200" cap="none" spc="-300" normalizeH="0" baseline="0" noProof="0" dirty="0">
-              <a:ln>
-                <a:noFill/>
-              </a:ln>
-              <a:solidFill>
-                <a:prstClr val="white"/>
-              </a:solidFill>
-              <a:effectLst/>
-              <a:uLnTx/>
-              <a:uFillTx/>
-              <a:ea typeface="나눔스퀘어 Light"/>
-              <a:cs typeface="+mn-cs"/>
-            </a:endParaRPr>
           </a:p>
         </p:txBody>
       </p:sp>
       <p:sp>
         <p:nvSpPr>
-          <p:cNvPr id="11" name="TextBox 10">
-            <a:extLst>
-              <a:ext uri="{FF2B5EF4-FFF2-40B4-BE49-F238E27FC236}">
-                <a16:creationId xmlns:a16="http://schemas.microsoft.com/office/drawing/2014/main" id="{DD6DC040-1911-4DE1-B7BA-8D50B20BC5F8}"/>
+          <p:cNvPr id="4" name="TextBox 3">
+            <a:extLst>
+              <a:ext uri="{FF2B5EF4-FFF2-40B4-BE49-F238E27FC236}">
+                <a16:creationId xmlns:a16="http://schemas.microsoft.com/office/drawing/2014/main" id="{8E877FB6-6DE1-44E4-8EF8-7160153CD120}"/>
               </a:ext>
             </a:extLst>
           </p:cNvPr>
@@ -11871,8 +12257,8 @@
         </p:nvSpPr>
         <p:spPr>
           <a:xfrm>
-            <a:off x="904240" y="2846150"/>
-            <a:ext cx="625492" cy="307777"/>
+            <a:off x="132080" y="117305"/>
+            <a:ext cx="562975" cy="307777"/>
           </a:xfrm>
           <a:prstGeom prst="rect">
             <a:avLst/>
@@ -11903,20 +12289,13 @@
               <a:defRPr/>
             </a:pPr>
             <a:r>
-              <a:rPr kumimoji="0" lang="en-US" altLang="ko-KR" sz="1400" b="0" i="0" u="none" strike="noStrike" kern="1200" cap="none" spc="0" normalizeH="0" baseline="0" noProof="0" dirty="0">
-                <a:ln>
-                  <a:noFill/>
-                </a:ln>
+              <a:rPr lang="en-US" altLang="ko-KR" sz="1400" dirty="0">
                 <a:solidFill>
                   <a:prstClr val="white"/>
                 </a:solidFill>
-                <a:effectLst/>
-                <a:uLnTx/>
-                <a:uFillTx/>
                 <a:ea typeface="나눔스퀘어 Light"/>
-                <a:cs typeface="+mn-cs"/>
-              </a:rPr>
-              <a:t>2.3.4 </a:t>
+              </a:rPr>
+              <a:t>2.3.4</a:t>
             </a:r>
             <a:endParaRPr kumimoji="0" lang="ko-KR" altLang="en-US" sz="1400" b="0" i="0" u="none" strike="noStrike" kern="1200" cap="none" spc="0" normalizeH="0" baseline="0" noProof="0" dirty="0">
               <a:ln>
@@ -11934,96 +12313,370 @@
           </a:p>
         </p:txBody>
       </p:sp>
-      <p:cxnSp>
-        <p:nvCxnSpPr>
-          <p:cNvPr id="12" name="직선 연결선 11">
-            <a:extLst>
-              <a:ext uri="{FF2B5EF4-FFF2-40B4-BE49-F238E27FC236}">
-                <a16:creationId xmlns:a16="http://schemas.microsoft.com/office/drawing/2014/main" id="{E9C7568C-DA98-40CE-9115-1F19853EEDF6}"/>
-              </a:ext>
-            </a:extLst>
-          </p:cNvPr>
-          <p:cNvCxnSpPr>
-            <a:cxnSpLocks/>
-          </p:cNvCxnSpPr>
+      <p:sp>
+        <p:nvSpPr>
+          <p:cNvPr id="7" name="TextBox 6">
+            <a:extLst>
+              <a:ext uri="{FF2B5EF4-FFF2-40B4-BE49-F238E27FC236}">
+                <a16:creationId xmlns:a16="http://schemas.microsoft.com/office/drawing/2014/main" id="{3079BE6E-1C9D-462C-8AF7-0D6C91473A99}"/>
+              </a:ext>
+            </a:extLst>
+          </p:cNvPr>
+          <p:cNvSpPr txBox="1"/>
           <p:nvPr/>
-        </p:nvCxnSpPr>
-        <p:spPr>
-          <a:xfrm>
-            <a:off x="904240" y="2823130"/>
-            <a:ext cx="4467890" cy="0"/>
-          </a:xfrm>
-          <a:prstGeom prst="line">
+        </p:nvSpPr>
+        <p:spPr>
+          <a:xfrm>
+            <a:off x="399062" y="1316621"/>
+            <a:ext cx="11488138" cy="830997"/>
+          </a:xfrm>
+          <a:prstGeom prst="rect">
             <a:avLst/>
           </a:prstGeom>
-          <a:ln>
-            <a:solidFill>
-              <a:schemeClr val="bg1"/>
-            </a:solidFill>
-          </a:ln>
+          <a:noFill/>
+        </p:spPr>
+        <p:txBody>
+          <a:bodyPr wrap="square">
+            <a:spAutoFit/>
+          </a:bodyPr>
+          <a:lstStyle/>
+          <a:p>
+            <a:pPr marL="0" marR="0" lvl="0" indent="0" algn="l" defTabSz="914400" rtl="0" eaLnBrk="1" fontAlgn="auto" latinLnBrk="1" hangingPunct="1">
+              <a:lnSpc>
+                <a:spcPct val="100000"/>
+              </a:lnSpc>
+              <a:spcBef>
+                <a:spcPts val="0"/>
+              </a:spcBef>
+              <a:spcAft>
+                <a:spcPts val="0"/>
+              </a:spcAft>
+              <a:buClrTx/>
+              <a:buSzTx/>
+              <a:buFontTx/>
+              <a:buNone/>
+              <a:tabLst/>
+              <a:defRPr/>
+            </a:pPr>
+            <a:r>
+              <a:rPr kumimoji="0" lang="ko-KR" altLang="en-US" sz="2400" i="0" u="none" strike="noStrike" kern="1200" cap="none" spc="0" normalizeH="0" baseline="0" noProof="0" dirty="0">
+                <a:ln>
+                  <a:noFill/>
+                </a:ln>
+                <a:solidFill>
+                  <a:schemeClr val="accent2">
+                    <a:lumMod val="50000"/>
+                  </a:schemeClr>
+                </a:solidFill>
+                <a:effectLst/>
+                <a:uLnTx/>
+                <a:uFillTx/>
+                <a:latin typeface="맑은 고딕" panose="020F0502020204030204"/>
+                <a:ea typeface="맑은 고딕" panose="020B0503020000020004" pitchFamily="50" charset="-127"/>
+                <a:cs typeface="+mn-cs"/>
+              </a:rPr>
+              <a:t>신경망에 주입할 숫자 데이터를 </a:t>
+            </a:r>
+            <a:r>
+              <a:rPr kumimoji="0" lang="ko-KR" altLang="en-US" sz="2400" b="1" i="0" u="none" strike="noStrike" kern="1200" cap="none" spc="0" normalizeH="0" baseline="0" noProof="0" dirty="0" err="1">
+                <a:ln>
+                  <a:noFill/>
+                </a:ln>
+                <a:solidFill>
+                  <a:schemeClr val="accent2">
+                    <a:lumMod val="50000"/>
+                  </a:schemeClr>
+                </a:solidFill>
+                <a:effectLst/>
+                <a:uLnTx/>
+                <a:uFillTx/>
+                <a:latin typeface="맑은 고딕" panose="020F0502020204030204"/>
+                <a:ea typeface="맑은 고딕" panose="020B0503020000020004" pitchFamily="50" charset="-127"/>
+                <a:cs typeface="+mn-cs"/>
+              </a:rPr>
+              <a:t>전처리</a:t>
+            </a:r>
+            <a:r>
+              <a:rPr kumimoji="0" lang="ko-KR" altLang="en-US" sz="2400" i="0" u="none" strike="noStrike" kern="1200" cap="none" spc="0" normalizeH="0" baseline="0" noProof="0" dirty="0" err="1">
+                <a:ln>
+                  <a:noFill/>
+                </a:ln>
+                <a:solidFill>
+                  <a:schemeClr val="accent2">
+                    <a:lumMod val="50000"/>
+                  </a:schemeClr>
+                </a:solidFill>
+                <a:effectLst/>
+                <a:uLnTx/>
+                <a:uFillTx/>
+                <a:latin typeface="맑은 고딕" panose="020F0502020204030204"/>
+                <a:ea typeface="맑은 고딕" panose="020B0503020000020004" pitchFamily="50" charset="-127"/>
+                <a:cs typeface="+mn-cs"/>
+              </a:rPr>
+              <a:t>할</a:t>
+            </a:r>
+            <a:r>
+              <a:rPr kumimoji="0" lang="ko-KR" altLang="en-US" sz="2400" i="0" u="none" strike="noStrike" kern="1200" cap="none" spc="0" normalizeH="0" baseline="0" noProof="0" dirty="0">
+                <a:ln>
+                  <a:noFill/>
+                </a:ln>
+                <a:solidFill>
+                  <a:schemeClr val="accent2">
+                    <a:lumMod val="50000"/>
+                  </a:schemeClr>
+                </a:solidFill>
+                <a:effectLst/>
+                <a:uLnTx/>
+                <a:uFillTx/>
+                <a:latin typeface="맑은 고딕" panose="020F0502020204030204"/>
+                <a:ea typeface="맑은 고딕" panose="020B0503020000020004" pitchFamily="50" charset="-127"/>
+                <a:cs typeface="+mn-cs"/>
+              </a:rPr>
+              <a:t> 때 사용</a:t>
+            </a:r>
+            <a:endParaRPr kumimoji="0" lang="en-US" altLang="ko-KR" sz="2400" i="0" u="none" strike="noStrike" kern="1200" cap="none" spc="0" normalizeH="0" baseline="0" noProof="0" dirty="0">
+              <a:ln>
+                <a:noFill/>
+              </a:ln>
+              <a:solidFill>
+                <a:schemeClr val="accent2">
+                  <a:lumMod val="50000"/>
+                </a:schemeClr>
+              </a:solidFill>
+              <a:effectLst/>
+              <a:uLnTx/>
+              <a:uFillTx/>
+              <a:latin typeface="맑은 고딕" panose="020F0502020204030204"/>
+              <a:ea typeface="맑은 고딕" panose="020B0503020000020004" pitchFamily="50" charset="-127"/>
+              <a:cs typeface="+mn-cs"/>
+            </a:endParaRPr>
+          </a:p>
+          <a:p>
+            <a:pPr marL="0" marR="0" lvl="0" indent="0" algn="l" defTabSz="914400" rtl="0" eaLnBrk="1" fontAlgn="auto" latinLnBrk="1" hangingPunct="1">
+              <a:lnSpc>
+                <a:spcPct val="100000"/>
+              </a:lnSpc>
+              <a:spcBef>
+                <a:spcPts val="0"/>
+              </a:spcBef>
+              <a:spcAft>
+                <a:spcPts val="0"/>
+              </a:spcAft>
+              <a:buClrTx/>
+              <a:buSzTx/>
+              <a:buFontTx/>
+              <a:buNone/>
+              <a:tabLst/>
+              <a:defRPr/>
+            </a:pPr>
+            <a:r>
+              <a:rPr kumimoji="0" lang="ko-KR" altLang="en-US" sz="2400" i="0" u="none" strike="noStrike" kern="1200" cap="none" spc="0" normalizeH="0" baseline="0" noProof="0" dirty="0">
+                <a:ln>
+                  <a:noFill/>
+                </a:ln>
+                <a:solidFill>
+                  <a:schemeClr val="accent2">
+                    <a:lumMod val="50000"/>
+                  </a:schemeClr>
+                </a:solidFill>
+                <a:effectLst/>
+                <a:uLnTx/>
+                <a:uFillTx/>
+                <a:latin typeface="맑은 고딕" panose="020F0502020204030204"/>
+                <a:ea typeface="맑은 고딕" panose="020B0503020000020004" pitchFamily="50" charset="-127"/>
+                <a:cs typeface="+mn-cs"/>
+              </a:rPr>
+              <a:t>특정 크기에 맞게 열과 행을 재배열</a:t>
+            </a:r>
+            <a:endParaRPr kumimoji="0" lang="en-US" altLang="ko-KR" sz="2400" i="0" u="none" strike="noStrike" kern="1200" cap="none" spc="0" normalizeH="0" baseline="0" noProof="0" dirty="0">
+              <a:ln>
+                <a:noFill/>
+              </a:ln>
+              <a:solidFill>
+                <a:schemeClr val="accent2">
+                  <a:lumMod val="50000"/>
+                </a:schemeClr>
+              </a:solidFill>
+              <a:effectLst/>
+              <a:uLnTx/>
+              <a:uFillTx/>
+              <a:latin typeface="맑은 고딕" panose="020F0502020204030204"/>
+              <a:ea typeface="맑은 고딕" panose="020B0503020000020004" pitchFamily="50" charset="-127"/>
+              <a:cs typeface="+mn-cs"/>
+            </a:endParaRPr>
+          </a:p>
+        </p:txBody>
+      </p:sp>
+      <p:pic>
+        <p:nvPicPr>
+          <p:cNvPr id="8" name="그림 7">
+            <a:extLst>
+              <a:ext uri="{FF2B5EF4-FFF2-40B4-BE49-F238E27FC236}">
+                <a16:creationId xmlns:a16="http://schemas.microsoft.com/office/drawing/2014/main" id="{B0935A88-C84C-4E37-BDD7-1CAFE5778742}"/>
+              </a:ext>
+            </a:extLst>
+          </p:cNvPr>
+          <p:cNvPicPr>
+            <a:picLocks noChangeAspect="1"/>
+          </p:cNvPicPr>
+          <p:nvPr/>
+        </p:nvPicPr>
+        <p:blipFill>
+          <a:blip r:embed="rId2"/>
+          <a:stretch>
+            <a:fillRect/>
+          </a:stretch>
+        </p:blipFill>
+        <p:spPr>
+          <a:xfrm>
+            <a:off x="695055" y="2461600"/>
+            <a:ext cx="2819794" cy="733527"/>
+          </a:xfrm>
+          <a:prstGeom prst="rect">
+            <a:avLst/>
+          </a:prstGeom>
+        </p:spPr>
+      </p:pic>
+      <p:pic>
+        <p:nvPicPr>
+          <p:cNvPr id="12" name="그림 11">
+            <a:extLst>
+              <a:ext uri="{FF2B5EF4-FFF2-40B4-BE49-F238E27FC236}">
+                <a16:creationId xmlns:a16="http://schemas.microsoft.com/office/drawing/2014/main" id="{5E6F75A8-0968-47E1-94B4-E05E8912A153}"/>
+              </a:ext>
+            </a:extLst>
+          </p:cNvPr>
+          <p:cNvPicPr>
+            <a:picLocks noChangeAspect="1"/>
+          </p:cNvPicPr>
+          <p:nvPr/>
+        </p:nvPicPr>
+        <p:blipFill>
+          <a:blip r:embed="rId3"/>
+          <a:stretch>
+            <a:fillRect/>
+          </a:stretch>
+        </p:blipFill>
+        <p:spPr>
+          <a:xfrm>
+            <a:off x="1843773" y="3873906"/>
+            <a:ext cx="2495898" cy="838317"/>
+          </a:xfrm>
+          <a:prstGeom prst="rect">
+            <a:avLst/>
+          </a:prstGeom>
+        </p:spPr>
+      </p:pic>
+      <p:pic>
+        <p:nvPicPr>
+          <p:cNvPr id="14" name="그림 13">
+            <a:extLst>
+              <a:ext uri="{FF2B5EF4-FFF2-40B4-BE49-F238E27FC236}">
+                <a16:creationId xmlns:a16="http://schemas.microsoft.com/office/drawing/2014/main" id="{845F2F2D-740E-4E54-A491-47A1D81CEE4B}"/>
+              </a:ext>
+            </a:extLst>
+          </p:cNvPr>
+          <p:cNvPicPr>
+            <a:picLocks noChangeAspect="1"/>
+          </p:cNvPicPr>
+          <p:nvPr/>
+        </p:nvPicPr>
+        <p:blipFill>
+          <a:blip r:embed="rId4"/>
+          <a:stretch>
+            <a:fillRect/>
+          </a:stretch>
+        </p:blipFill>
+        <p:spPr>
+          <a:xfrm>
+            <a:off x="8029418" y="2534994"/>
+            <a:ext cx="2229161" cy="2181529"/>
+          </a:xfrm>
+          <a:prstGeom prst="rect">
+            <a:avLst/>
+          </a:prstGeom>
+        </p:spPr>
+      </p:pic>
+      <p:sp>
+        <p:nvSpPr>
+          <p:cNvPr id="15" name="화살표: 오른쪽 14">
+            <a:extLst>
+              <a:ext uri="{FF2B5EF4-FFF2-40B4-BE49-F238E27FC236}">
+                <a16:creationId xmlns:a16="http://schemas.microsoft.com/office/drawing/2014/main" id="{7B46E0B8-7DF3-4C82-92CB-8BEADF470F3A}"/>
+              </a:ext>
+            </a:extLst>
+          </p:cNvPr>
+          <p:cNvSpPr/>
+          <p:nvPr/>
+        </p:nvSpPr>
+        <p:spPr>
+          <a:xfrm>
+            <a:off x="5328496" y="4031454"/>
+            <a:ext cx="1629269" cy="523220"/>
+          </a:xfrm>
+          <a:prstGeom prst="rightArrow">
+            <a:avLst/>
+          </a:prstGeom>
         </p:spPr>
         <p:style>
-          <a:lnRef idx="1">
-            <a:schemeClr val="accent1"/>
+          <a:lnRef idx="2">
+            <a:schemeClr val="accent1">
+              <a:shade val="50000"/>
+            </a:schemeClr>
           </a:lnRef>
-          <a:fillRef idx="0">
+          <a:fillRef idx="1">
             <a:schemeClr val="accent1"/>
           </a:fillRef>
           <a:effectRef idx="0">
             <a:schemeClr val="accent1"/>
           </a:effectRef>
           <a:fontRef idx="minor">
-            <a:schemeClr val="tx1"/>
+            <a:schemeClr val="lt1"/>
           </a:fontRef>
         </p:style>
-      </p:cxnSp>
-      <p:cxnSp>
-        <p:nvCxnSpPr>
-          <p:cNvPr id="13" name="직선 연결선 12">
-            <a:extLst>
-              <a:ext uri="{FF2B5EF4-FFF2-40B4-BE49-F238E27FC236}">
-                <a16:creationId xmlns:a16="http://schemas.microsoft.com/office/drawing/2014/main" id="{92A7BF85-EFF0-4169-9F33-5B30AFBB9A2A}"/>
-              </a:ext>
-            </a:extLst>
-          </p:cNvPr>
-          <p:cNvCxnSpPr>
-            <a:cxnSpLocks/>
-          </p:cNvCxnSpPr>
+        <p:txBody>
+          <a:bodyPr rtlCol="0" anchor="ctr"/>
+          <a:lstStyle/>
+          <a:p>
+            <a:pPr algn="ctr"/>
+            <a:endParaRPr lang="ko-KR" altLang="en-US"/>
+          </a:p>
+        </p:txBody>
+      </p:sp>
+      <p:pic>
+        <p:nvPicPr>
+          <p:cNvPr id="17" name="그림 16">
+            <a:extLst>
+              <a:ext uri="{FF2B5EF4-FFF2-40B4-BE49-F238E27FC236}">
+                <a16:creationId xmlns:a16="http://schemas.microsoft.com/office/drawing/2014/main" id="{E78C576A-05C2-45DE-8490-2E7F1451DCBE}"/>
+              </a:ext>
+            </a:extLst>
+          </p:cNvPr>
+          <p:cNvPicPr>
+            <a:picLocks noChangeAspect="1"/>
+          </p:cNvPicPr>
           <p:nvPr/>
-        </p:nvCxnSpPr>
-        <p:spPr>
-          <a:xfrm>
-            <a:off x="904240" y="4011850"/>
-            <a:ext cx="4467890" cy="0"/>
-          </a:xfrm>
-          <a:prstGeom prst="line">
+        </p:nvPicPr>
+        <p:blipFill>
+          <a:blip r:embed="rId5"/>
+          <a:stretch>
+            <a:fillRect/>
+          </a:stretch>
+        </p:blipFill>
+        <p:spPr>
+          <a:xfrm>
+            <a:off x="7981786" y="4921314"/>
+            <a:ext cx="2276793" cy="1419423"/>
+          </a:xfrm>
+          <a:prstGeom prst="rect">
             <a:avLst/>
           </a:prstGeom>
-          <a:ln>
-            <a:solidFill>
-              <a:schemeClr val="bg1"/>
-            </a:solidFill>
-          </a:ln>
-        </p:spPr>
-        <p:style>
-          <a:lnRef idx="1">
-            <a:schemeClr val="accent1"/>
-          </a:lnRef>
-          <a:fillRef idx="0">
-            <a:schemeClr val="accent1"/>
-          </a:fillRef>
-          <a:effectRef idx="0">
-            <a:schemeClr val="accent1"/>
-          </a:effectRef>
-          <a:fontRef idx="minor">
-            <a:schemeClr val="tx1"/>
-          </a:fontRef>
-        </p:style>
-      </p:cxnSp>
+        </p:spPr>
+      </p:pic>
     </p:spTree>
     <p:extLst>
       <p:ext uri="{BB962C8B-B14F-4D97-AF65-F5344CB8AC3E}">
-        <p14:creationId xmlns:p14="http://schemas.microsoft.com/office/powerpoint/2010/main" val="3601744485"/>
+        <p14:creationId xmlns:p14="http://schemas.microsoft.com/office/powerpoint/2010/main" val="1300049147"/>
       </p:ext>
     </p:extLst>
   </p:cSld>
@@ -12151,632 +12804,6 @@
         <p:spPr>
           <a:xfrm>
             <a:off x="875104" y="101916"/>
-            <a:ext cx="2970685" cy="646331"/>
-          </a:xfrm>
-          <a:prstGeom prst="rect">
-            <a:avLst/>
-          </a:prstGeom>
-          <a:noFill/>
-        </p:spPr>
-        <p:txBody>
-          <a:bodyPr wrap="none" rtlCol="0">
-            <a:spAutoFit/>
-          </a:bodyPr>
-          <a:lstStyle/>
-          <a:p>
-            <a:pPr marL="0" marR="0" lvl="0" indent="0" algn="l" defTabSz="914400" rtl="0" eaLnBrk="1" fontAlgn="auto" latinLnBrk="1" hangingPunct="1">
-              <a:lnSpc>
-                <a:spcPct val="100000"/>
-              </a:lnSpc>
-              <a:spcBef>
-                <a:spcPts val="0"/>
-              </a:spcBef>
-              <a:spcAft>
-                <a:spcPts val="0"/>
-              </a:spcAft>
-              <a:buClrTx/>
-              <a:buSzTx/>
-              <a:buFontTx/>
-              <a:buNone/>
-              <a:tabLst/>
-              <a:defRPr/>
-            </a:pPr>
-            <a:r>
-              <a:rPr kumimoji="0" lang="ko-KR" altLang="en-US" sz="3600" b="0" i="0" u="none" strike="noStrike" kern="1200" cap="none" spc="-300" normalizeH="0" baseline="0" noProof="0" dirty="0" err="1">
-                <a:ln>
-                  <a:noFill/>
-                </a:ln>
-                <a:solidFill>
-                  <a:prstClr val="white"/>
-                </a:solidFill>
-                <a:effectLst/>
-                <a:uLnTx/>
-                <a:uFillTx/>
-                <a:ea typeface="나눔스퀘어 Light"/>
-                <a:cs typeface="+mn-cs"/>
-              </a:rPr>
-              <a:t>텐서</a:t>
-            </a:r>
-            <a:r>
-              <a:rPr kumimoji="0" lang="ko-KR" altLang="en-US" sz="3600" b="0" i="0" u="none" strike="noStrike" kern="1200" cap="none" spc="-300" normalizeH="0" baseline="0" noProof="0" dirty="0">
-                <a:ln>
-                  <a:noFill/>
-                </a:ln>
-                <a:solidFill>
-                  <a:prstClr val="white"/>
-                </a:solidFill>
-                <a:effectLst/>
-                <a:uLnTx/>
-                <a:uFillTx/>
-                <a:ea typeface="나눔스퀘어 Light"/>
-                <a:cs typeface="+mn-cs"/>
-              </a:rPr>
-              <a:t> 크기 변환</a:t>
-            </a:r>
-          </a:p>
-        </p:txBody>
-      </p:sp>
-      <p:sp>
-        <p:nvSpPr>
-          <p:cNvPr id="4" name="TextBox 3">
-            <a:extLst>
-              <a:ext uri="{FF2B5EF4-FFF2-40B4-BE49-F238E27FC236}">
-                <a16:creationId xmlns:a16="http://schemas.microsoft.com/office/drawing/2014/main" id="{8E877FB6-6DE1-44E4-8EF8-7160153CD120}"/>
-              </a:ext>
-            </a:extLst>
-          </p:cNvPr>
-          <p:cNvSpPr txBox="1"/>
-          <p:nvPr/>
-        </p:nvSpPr>
-        <p:spPr>
-          <a:xfrm>
-            <a:off x="132080" y="117305"/>
-            <a:ext cx="562975" cy="307777"/>
-          </a:xfrm>
-          <a:prstGeom prst="rect">
-            <a:avLst/>
-          </a:prstGeom>
-          <a:noFill/>
-        </p:spPr>
-        <p:txBody>
-          <a:bodyPr wrap="none" rtlCol="0">
-            <a:spAutoFit/>
-          </a:bodyPr>
-          <a:lstStyle/>
-          <a:p>
-            <a:pPr marL="0" marR="0" lvl="0" indent="0" algn="l" defTabSz="914400" rtl="0" eaLnBrk="1" fontAlgn="auto" latinLnBrk="1" hangingPunct="1">
-              <a:lnSpc>
-                <a:spcPct val="100000"/>
-              </a:lnSpc>
-              <a:spcBef>
-                <a:spcPts val="0"/>
-              </a:spcBef>
-              <a:spcAft>
-                <a:spcPts val="0"/>
-              </a:spcAft>
-              <a:buClrTx/>
-              <a:buSzTx/>
-              <a:buFontTx/>
-              <a:buNone/>
-              <a:tabLst/>
-              <a:defRPr/>
-            </a:pPr>
-            <a:r>
-              <a:rPr lang="en-US" altLang="ko-KR" sz="1400" dirty="0">
-                <a:solidFill>
-                  <a:prstClr val="white"/>
-                </a:solidFill>
-                <a:ea typeface="나눔스퀘어 Light"/>
-              </a:rPr>
-              <a:t>2.3.4</a:t>
-            </a:r>
-            <a:endParaRPr kumimoji="0" lang="ko-KR" altLang="en-US" sz="1400" b="0" i="0" u="none" strike="noStrike" kern="1200" cap="none" spc="0" normalizeH="0" baseline="0" noProof="0" dirty="0">
-              <a:ln>
-                <a:noFill/>
-              </a:ln>
-              <a:solidFill>
-                <a:prstClr val="white"/>
-              </a:solidFill>
-              <a:effectLst/>
-              <a:uLnTx/>
-              <a:uFillTx/>
-              <a:ea typeface="나눔스퀘어 Light"/>
-              <a:cs typeface="+mn-cs"/>
-            </a:endParaRPr>
-          </a:p>
-        </p:txBody>
-      </p:sp>
-      <p:sp>
-        <p:nvSpPr>
-          <p:cNvPr id="7" name="TextBox 6">
-            <a:extLst>
-              <a:ext uri="{FF2B5EF4-FFF2-40B4-BE49-F238E27FC236}">
-                <a16:creationId xmlns:a16="http://schemas.microsoft.com/office/drawing/2014/main" id="{3079BE6E-1C9D-462C-8AF7-0D6C91473A99}"/>
-              </a:ext>
-            </a:extLst>
-          </p:cNvPr>
-          <p:cNvSpPr txBox="1"/>
-          <p:nvPr/>
-        </p:nvSpPr>
-        <p:spPr>
-          <a:xfrm>
-            <a:off x="399062" y="1316621"/>
-            <a:ext cx="11488138" cy="830997"/>
-          </a:xfrm>
-          <a:prstGeom prst="rect">
-            <a:avLst/>
-          </a:prstGeom>
-          <a:noFill/>
-        </p:spPr>
-        <p:txBody>
-          <a:bodyPr wrap="square">
-            <a:spAutoFit/>
-          </a:bodyPr>
-          <a:lstStyle/>
-          <a:p>
-            <a:pPr marL="0" marR="0" lvl="0" indent="0" algn="l" defTabSz="914400" rtl="0" eaLnBrk="1" fontAlgn="auto" latinLnBrk="1" hangingPunct="1">
-              <a:lnSpc>
-                <a:spcPct val="100000"/>
-              </a:lnSpc>
-              <a:spcBef>
-                <a:spcPts val="0"/>
-              </a:spcBef>
-              <a:spcAft>
-                <a:spcPts val="0"/>
-              </a:spcAft>
-              <a:buClrTx/>
-              <a:buSzTx/>
-              <a:buFontTx/>
-              <a:buNone/>
-              <a:tabLst/>
-              <a:defRPr/>
-            </a:pPr>
-            <a:r>
-              <a:rPr kumimoji="0" lang="ko-KR" altLang="en-US" sz="2400" i="0" u="none" strike="noStrike" kern="1200" cap="none" spc="0" normalizeH="0" baseline="0" noProof="0" dirty="0">
-                <a:ln>
-                  <a:noFill/>
-                </a:ln>
-                <a:solidFill>
-                  <a:schemeClr val="accent2">
-                    <a:lumMod val="50000"/>
-                  </a:schemeClr>
-                </a:solidFill>
-                <a:effectLst/>
-                <a:uLnTx/>
-                <a:uFillTx/>
-                <a:latin typeface="맑은 고딕" panose="020F0502020204030204"/>
-                <a:ea typeface="맑은 고딕" panose="020B0503020000020004" pitchFamily="50" charset="-127"/>
-                <a:cs typeface="+mn-cs"/>
-              </a:rPr>
-              <a:t>신경망에 주입할 숫자 데이터를 </a:t>
-            </a:r>
-            <a:r>
-              <a:rPr kumimoji="0" lang="ko-KR" altLang="en-US" sz="2400" b="1" i="0" u="none" strike="noStrike" kern="1200" cap="none" spc="0" normalizeH="0" baseline="0" noProof="0" dirty="0" err="1">
-                <a:ln>
-                  <a:noFill/>
-                </a:ln>
-                <a:solidFill>
-                  <a:schemeClr val="accent2">
-                    <a:lumMod val="50000"/>
-                  </a:schemeClr>
-                </a:solidFill>
-                <a:effectLst/>
-                <a:uLnTx/>
-                <a:uFillTx/>
-                <a:latin typeface="맑은 고딕" panose="020F0502020204030204"/>
-                <a:ea typeface="맑은 고딕" panose="020B0503020000020004" pitchFamily="50" charset="-127"/>
-                <a:cs typeface="+mn-cs"/>
-              </a:rPr>
-              <a:t>전처리</a:t>
-            </a:r>
-            <a:r>
-              <a:rPr kumimoji="0" lang="ko-KR" altLang="en-US" sz="2400" i="0" u="none" strike="noStrike" kern="1200" cap="none" spc="0" normalizeH="0" baseline="0" noProof="0" dirty="0" err="1">
-                <a:ln>
-                  <a:noFill/>
-                </a:ln>
-                <a:solidFill>
-                  <a:schemeClr val="accent2">
-                    <a:lumMod val="50000"/>
-                  </a:schemeClr>
-                </a:solidFill>
-                <a:effectLst/>
-                <a:uLnTx/>
-                <a:uFillTx/>
-                <a:latin typeface="맑은 고딕" panose="020F0502020204030204"/>
-                <a:ea typeface="맑은 고딕" panose="020B0503020000020004" pitchFamily="50" charset="-127"/>
-                <a:cs typeface="+mn-cs"/>
-              </a:rPr>
-              <a:t>할</a:t>
-            </a:r>
-            <a:r>
-              <a:rPr kumimoji="0" lang="ko-KR" altLang="en-US" sz="2400" i="0" u="none" strike="noStrike" kern="1200" cap="none" spc="0" normalizeH="0" baseline="0" noProof="0" dirty="0">
-                <a:ln>
-                  <a:noFill/>
-                </a:ln>
-                <a:solidFill>
-                  <a:schemeClr val="accent2">
-                    <a:lumMod val="50000"/>
-                  </a:schemeClr>
-                </a:solidFill>
-                <a:effectLst/>
-                <a:uLnTx/>
-                <a:uFillTx/>
-                <a:latin typeface="맑은 고딕" panose="020F0502020204030204"/>
-                <a:ea typeface="맑은 고딕" panose="020B0503020000020004" pitchFamily="50" charset="-127"/>
-                <a:cs typeface="+mn-cs"/>
-              </a:rPr>
-              <a:t> 때 사용</a:t>
-            </a:r>
-            <a:endParaRPr kumimoji="0" lang="en-US" altLang="ko-KR" sz="2400" i="0" u="none" strike="noStrike" kern="1200" cap="none" spc="0" normalizeH="0" baseline="0" noProof="0" dirty="0">
-              <a:ln>
-                <a:noFill/>
-              </a:ln>
-              <a:solidFill>
-                <a:schemeClr val="accent2">
-                  <a:lumMod val="50000"/>
-                </a:schemeClr>
-              </a:solidFill>
-              <a:effectLst/>
-              <a:uLnTx/>
-              <a:uFillTx/>
-              <a:latin typeface="맑은 고딕" panose="020F0502020204030204"/>
-              <a:ea typeface="맑은 고딕" panose="020B0503020000020004" pitchFamily="50" charset="-127"/>
-              <a:cs typeface="+mn-cs"/>
-            </a:endParaRPr>
-          </a:p>
-          <a:p>
-            <a:pPr marL="0" marR="0" lvl="0" indent="0" algn="l" defTabSz="914400" rtl="0" eaLnBrk="1" fontAlgn="auto" latinLnBrk="1" hangingPunct="1">
-              <a:lnSpc>
-                <a:spcPct val="100000"/>
-              </a:lnSpc>
-              <a:spcBef>
-                <a:spcPts val="0"/>
-              </a:spcBef>
-              <a:spcAft>
-                <a:spcPts val="0"/>
-              </a:spcAft>
-              <a:buClrTx/>
-              <a:buSzTx/>
-              <a:buFontTx/>
-              <a:buNone/>
-              <a:tabLst/>
-              <a:defRPr/>
-            </a:pPr>
-            <a:r>
-              <a:rPr kumimoji="0" lang="ko-KR" altLang="en-US" sz="2400" i="0" u="none" strike="noStrike" kern="1200" cap="none" spc="0" normalizeH="0" baseline="0" noProof="0" dirty="0">
-                <a:ln>
-                  <a:noFill/>
-                </a:ln>
-                <a:solidFill>
-                  <a:schemeClr val="accent2">
-                    <a:lumMod val="50000"/>
-                  </a:schemeClr>
-                </a:solidFill>
-                <a:effectLst/>
-                <a:uLnTx/>
-                <a:uFillTx/>
-                <a:latin typeface="맑은 고딕" panose="020F0502020204030204"/>
-                <a:ea typeface="맑은 고딕" panose="020B0503020000020004" pitchFamily="50" charset="-127"/>
-                <a:cs typeface="+mn-cs"/>
-              </a:rPr>
-              <a:t>특정 크기에 맞게 열과 행을 재배열</a:t>
-            </a:r>
-            <a:endParaRPr kumimoji="0" lang="en-US" altLang="ko-KR" sz="2400" i="0" u="none" strike="noStrike" kern="1200" cap="none" spc="0" normalizeH="0" baseline="0" noProof="0" dirty="0">
-              <a:ln>
-                <a:noFill/>
-              </a:ln>
-              <a:solidFill>
-                <a:schemeClr val="accent2">
-                  <a:lumMod val="50000"/>
-                </a:schemeClr>
-              </a:solidFill>
-              <a:effectLst/>
-              <a:uLnTx/>
-              <a:uFillTx/>
-              <a:latin typeface="맑은 고딕" panose="020F0502020204030204"/>
-              <a:ea typeface="맑은 고딕" panose="020B0503020000020004" pitchFamily="50" charset="-127"/>
-              <a:cs typeface="+mn-cs"/>
-            </a:endParaRPr>
-          </a:p>
-        </p:txBody>
-      </p:sp>
-      <p:pic>
-        <p:nvPicPr>
-          <p:cNvPr id="8" name="그림 7">
-            <a:extLst>
-              <a:ext uri="{FF2B5EF4-FFF2-40B4-BE49-F238E27FC236}">
-                <a16:creationId xmlns:a16="http://schemas.microsoft.com/office/drawing/2014/main" id="{B0935A88-C84C-4E37-BDD7-1CAFE5778742}"/>
-              </a:ext>
-            </a:extLst>
-          </p:cNvPr>
-          <p:cNvPicPr>
-            <a:picLocks noChangeAspect="1"/>
-          </p:cNvPicPr>
-          <p:nvPr/>
-        </p:nvPicPr>
-        <p:blipFill>
-          <a:blip r:embed="rId2"/>
-          <a:stretch>
-            <a:fillRect/>
-          </a:stretch>
-        </p:blipFill>
-        <p:spPr>
-          <a:xfrm>
-            <a:off x="695055" y="2461600"/>
-            <a:ext cx="2819794" cy="733527"/>
-          </a:xfrm>
-          <a:prstGeom prst="rect">
-            <a:avLst/>
-          </a:prstGeom>
-        </p:spPr>
-      </p:pic>
-      <p:pic>
-        <p:nvPicPr>
-          <p:cNvPr id="12" name="그림 11">
-            <a:extLst>
-              <a:ext uri="{FF2B5EF4-FFF2-40B4-BE49-F238E27FC236}">
-                <a16:creationId xmlns:a16="http://schemas.microsoft.com/office/drawing/2014/main" id="{5E6F75A8-0968-47E1-94B4-E05E8912A153}"/>
-              </a:ext>
-            </a:extLst>
-          </p:cNvPr>
-          <p:cNvPicPr>
-            <a:picLocks noChangeAspect="1"/>
-          </p:cNvPicPr>
-          <p:nvPr/>
-        </p:nvPicPr>
-        <p:blipFill>
-          <a:blip r:embed="rId3"/>
-          <a:stretch>
-            <a:fillRect/>
-          </a:stretch>
-        </p:blipFill>
-        <p:spPr>
-          <a:xfrm>
-            <a:off x="1843773" y="3873906"/>
-            <a:ext cx="2495898" cy="838317"/>
-          </a:xfrm>
-          <a:prstGeom prst="rect">
-            <a:avLst/>
-          </a:prstGeom>
-        </p:spPr>
-      </p:pic>
-      <p:pic>
-        <p:nvPicPr>
-          <p:cNvPr id="14" name="그림 13">
-            <a:extLst>
-              <a:ext uri="{FF2B5EF4-FFF2-40B4-BE49-F238E27FC236}">
-                <a16:creationId xmlns:a16="http://schemas.microsoft.com/office/drawing/2014/main" id="{845F2F2D-740E-4E54-A491-47A1D81CEE4B}"/>
-              </a:ext>
-            </a:extLst>
-          </p:cNvPr>
-          <p:cNvPicPr>
-            <a:picLocks noChangeAspect="1"/>
-          </p:cNvPicPr>
-          <p:nvPr/>
-        </p:nvPicPr>
-        <p:blipFill>
-          <a:blip r:embed="rId4"/>
-          <a:stretch>
-            <a:fillRect/>
-          </a:stretch>
-        </p:blipFill>
-        <p:spPr>
-          <a:xfrm>
-            <a:off x="8029418" y="2534994"/>
-            <a:ext cx="2229161" cy="2181529"/>
-          </a:xfrm>
-          <a:prstGeom prst="rect">
-            <a:avLst/>
-          </a:prstGeom>
-        </p:spPr>
-      </p:pic>
-      <p:sp>
-        <p:nvSpPr>
-          <p:cNvPr id="15" name="화살표: 오른쪽 14">
-            <a:extLst>
-              <a:ext uri="{FF2B5EF4-FFF2-40B4-BE49-F238E27FC236}">
-                <a16:creationId xmlns:a16="http://schemas.microsoft.com/office/drawing/2014/main" id="{7B46E0B8-7DF3-4C82-92CB-8BEADF470F3A}"/>
-              </a:ext>
-            </a:extLst>
-          </p:cNvPr>
-          <p:cNvSpPr/>
-          <p:nvPr/>
-        </p:nvSpPr>
-        <p:spPr>
-          <a:xfrm>
-            <a:off x="5328496" y="4031454"/>
-            <a:ext cx="1629269" cy="523220"/>
-          </a:xfrm>
-          <a:prstGeom prst="rightArrow">
-            <a:avLst/>
-          </a:prstGeom>
-        </p:spPr>
-        <p:style>
-          <a:lnRef idx="2">
-            <a:schemeClr val="accent1">
-              <a:shade val="50000"/>
-            </a:schemeClr>
-          </a:lnRef>
-          <a:fillRef idx="1">
-            <a:schemeClr val="accent1"/>
-          </a:fillRef>
-          <a:effectRef idx="0">
-            <a:schemeClr val="accent1"/>
-          </a:effectRef>
-          <a:fontRef idx="minor">
-            <a:schemeClr val="lt1"/>
-          </a:fontRef>
-        </p:style>
-        <p:txBody>
-          <a:bodyPr rtlCol="0" anchor="ctr"/>
-          <a:lstStyle/>
-          <a:p>
-            <a:pPr algn="ctr"/>
-            <a:endParaRPr lang="ko-KR" altLang="en-US"/>
-          </a:p>
-        </p:txBody>
-      </p:sp>
-      <p:pic>
-        <p:nvPicPr>
-          <p:cNvPr id="17" name="그림 16">
-            <a:extLst>
-              <a:ext uri="{FF2B5EF4-FFF2-40B4-BE49-F238E27FC236}">
-                <a16:creationId xmlns:a16="http://schemas.microsoft.com/office/drawing/2014/main" id="{E78C576A-05C2-45DE-8490-2E7F1451DCBE}"/>
-              </a:ext>
-            </a:extLst>
-          </p:cNvPr>
-          <p:cNvPicPr>
-            <a:picLocks noChangeAspect="1"/>
-          </p:cNvPicPr>
-          <p:nvPr/>
-        </p:nvPicPr>
-        <p:blipFill>
-          <a:blip r:embed="rId5"/>
-          <a:stretch>
-            <a:fillRect/>
-          </a:stretch>
-        </p:blipFill>
-        <p:spPr>
-          <a:xfrm>
-            <a:off x="7981786" y="4921314"/>
-            <a:ext cx="2276793" cy="1419423"/>
-          </a:xfrm>
-          <a:prstGeom prst="rect">
-            <a:avLst/>
-          </a:prstGeom>
-        </p:spPr>
-      </p:pic>
-    </p:spTree>
-    <p:extLst>
-      <p:ext uri="{BB962C8B-B14F-4D97-AF65-F5344CB8AC3E}">
-        <p14:creationId xmlns:p14="http://schemas.microsoft.com/office/powerpoint/2010/main" val="1300049147"/>
-      </p:ext>
-    </p:extLst>
-  </p:cSld>
-  <p:clrMapOvr>
-    <a:masterClrMapping/>
-  </p:clrMapOvr>
-  <mc:AlternateContent xmlns:mc="http://schemas.openxmlformats.org/markup-compatibility/2006" xmlns:p159="http://schemas.microsoft.com/office/powerpoint/2015/09/main">
-    <mc:Choice Requires="p159">
-      <p:transition xmlns:p14="http://schemas.microsoft.com/office/powerpoint/2010/main" spd="slow" p14:dur="2000">
-        <p159:morph option="byObject"/>
-      </p:transition>
-    </mc:Choice>
-    <mc:Fallback xmlns="">
-      <p:transition spd="slow">
-        <p:fade/>
-      </p:transition>
-    </mc:Fallback>
-  </mc:AlternateContent>
-</p:sld>
-</file>
-
-<file path=ppt/slides/slide27.xml><?xml version="1.0" encoding="utf-8"?>
-<p:sld xmlns:a="http://schemas.openxmlformats.org/drawingml/2006/main" xmlns:r="http://schemas.openxmlformats.org/officeDocument/2006/relationships" xmlns:p="http://schemas.openxmlformats.org/presentationml/2006/main">
-  <p:cSld>
-    <p:spTree>
-      <p:nvGrpSpPr>
-        <p:cNvPr id="1" name=""/>
-        <p:cNvGrpSpPr/>
-        <p:nvPr/>
-      </p:nvGrpSpPr>
-      <p:grpSpPr>
-        <a:xfrm>
-          <a:off x="0" y="0"/>
-          <a:ext cx="0" cy="0"/>
-          <a:chOff x="0" y="0"/>
-          <a:chExt cx="0" cy="0"/>
-        </a:xfrm>
-      </p:grpSpPr>
-      <p:sp>
-        <p:nvSpPr>
-          <p:cNvPr id="2" name="직사각형 1">
-            <a:extLst>
-              <a:ext uri="{FF2B5EF4-FFF2-40B4-BE49-F238E27FC236}">
-                <a16:creationId xmlns:a16="http://schemas.microsoft.com/office/drawing/2014/main" id="{0546E572-061A-4F66-860A-EA1641AD3DE2}"/>
-              </a:ext>
-            </a:extLst>
-          </p:cNvPr>
-          <p:cNvSpPr/>
-          <p:nvPr/>
-        </p:nvSpPr>
-        <p:spPr>
-          <a:xfrm>
-            <a:off x="0" y="0"/>
-            <a:ext cx="12192000" cy="1076960"/>
-          </a:xfrm>
-          <a:prstGeom prst="rect">
-            <a:avLst/>
-          </a:prstGeom>
-        </p:spPr>
-        <p:style>
-          <a:lnRef idx="2">
-            <a:schemeClr val="accent1">
-              <a:shade val="50000"/>
-            </a:schemeClr>
-          </a:lnRef>
-          <a:fillRef idx="1">
-            <a:schemeClr val="accent1"/>
-          </a:fillRef>
-          <a:effectRef idx="0">
-            <a:schemeClr val="accent1"/>
-          </a:effectRef>
-          <a:fontRef idx="minor">
-            <a:schemeClr val="lt1"/>
-          </a:fontRef>
-        </p:style>
-        <p:txBody>
-          <a:bodyPr rtlCol="0" anchor="ctr"/>
-          <a:lstStyle/>
-          <a:p>
-            <a:pPr marL="0" marR="0" lvl="0" indent="0" algn="ctr" defTabSz="914400" rtl="0" eaLnBrk="1" fontAlgn="auto" latinLnBrk="1" hangingPunct="1">
-              <a:lnSpc>
-                <a:spcPct val="100000"/>
-              </a:lnSpc>
-              <a:spcBef>
-                <a:spcPts val="0"/>
-              </a:spcBef>
-              <a:spcAft>
-                <a:spcPts val="0"/>
-              </a:spcAft>
-              <a:buClrTx/>
-              <a:buSzTx/>
-              <a:buFontTx/>
-              <a:buNone/>
-              <a:tabLst/>
-              <a:defRPr/>
-            </a:pPr>
-            <a:endParaRPr kumimoji="0" lang="ko-KR" altLang="en-US" sz="1800" b="0" i="0" u="none" strike="noStrike" kern="1200" cap="none" spc="0" normalizeH="0" baseline="0" noProof="0">
-              <a:ln>
-                <a:noFill/>
-              </a:ln>
-              <a:solidFill>
-                <a:prstClr val="white"/>
-              </a:solidFill>
-              <a:effectLst/>
-              <a:uLnTx/>
-              <a:uFillTx/>
-              <a:ea typeface="나눔스퀘어 Light"/>
-              <a:cs typeface="+mn-cs"/>
-            </a:endParaRPr>
-          </a:p>
-        </p:txBody>
-      </p:sp>
-      <p:sp>
-        <p:nvSpPr>
-          <p:cNvPr id="3" name="TextBox 2">
-            <a:extLst>
-              <a:ext uri="{FF2B5EF4-FFF2-40B4-BE49-F238E27FC236}">
-                <a16:creationId xmlns:a16="http://schemas.microsoft.com/office/drawing/2014/main" id="{8951765C-E4E1-440B-B3F6-AD127EB533CF}"/>
-              </a:ext>
-            </a:extLst>
-          </p:cNvPr>
-          <p:cNvSpPr txBox="1"/>
-          <p:nvPr/>
-        </p:nvSpPr>
-        <p:spPr>
-          <a:xfrm>
-            <a:off x="875104" y="101916"/>
             <a:ext cx="1031051" cy="646331"/>
           </a:xfrm>
           <a:prstGeom prst="rect">
@@ -13209,7 +13236,7 @@
 </p:sld>
 </file>
 
-<file path=ppt/slides/slide28.xml><?xml version="1.0" encoding="utf-8"?>
+<file path=ppt/slides/slide27.xml><?xml version="1.0" encoding="utf-8"?>
 <p:sld xmlns:a="http://schemas.openxmlformats.org/drawingml/2006/main" xmlns:r="http://schemas.openxmlformats.org/officeDocument/2006/relationships" xmlns:p="http://schemas.openxmlformats.org/presentationml/2006/main">
   <p:cSld>
     <p:spTree>
@@ -13616,7 +13643,7 @@
 </p:sld>
 </file>
 
-<file path=ppt/slides/slide29.xml><?xml version="1.0" encoding="utf-8"?>
+<file path=ppt/slides/slide28.xml><?xml version="1.0" encoding="utf-8"?>
 <p:sld xmlns:a="http://schemas.openxmlformats.org/drawingml/2006/main" xmlns:r="http://schemas.openxmlformats.org/officeDocument/2006/relationships" xmlns:p="http://schemas.openxmlformats.org/presentationml/2006/main">
   <p:cSld>
     <p:spTree>
@@ -13921,6 +13948,463 @@
     <p:extLst>
       <p:ext uri="{BB962C8B-B14F-4D97-AF65-F5344CB8AC3E}">
         <p14:creationId xmlns:p14="http://schemas.microsoft.com/office/powerpoint/2010/main" val="2261745030"/>
+      </p:ext>
+    </p:extLst>
+  </p:cSld>
+  <p:clrMapOvr>
+    <a:masterClrMapping/>
+  </p:clrMapOvr>
+  <mc:AlternateContent xmlns:mc="http://schemas.openxmlformats.org/markup-compatibility/2006" xmlns:p159="http://schemas.microsoft.com/office/powerpoint/2015/09/main">
+    <mc:Choice Requires="p159">
+      <p:transition xmlns:p14="http://schemas.microsoft.com/office/powerpoint/2010/main" spd="slow" p14:dur="2000">
+        <p159:morph option="byObject"/>
+      </p:transition>
+    </mc:Choice>
+    <mc:Fallback xmlns="">
+      <p:transition spd="slow">
+        <p:fade/>
+      </p:transition>
+    </mc:Fallback>
+  </mc:AlternateContent>
+</p:sld>
+</file>
+
+<file path=ppt/slides/slide29.xml><?xml version="1.0" encoding="utf-8"?>
+<p:sld xmlns:a="http://schemas.openxmlformats.org/drawingml/2006/main" xmlns:r="http://schemas.openxmlformats.org/officeDocument/2006/relationships" xmlns:p="http://schemas.openxmlformats.org/presentationml/2006/main">
+  <p:cSld>
+    <p:spTree>
+      <p:nvGrpSpPr>
+        <p:cNvPr id="1" name=""/>
+        <p:cNvGrpSpPr/>
+        <p:nvPr/>
+      </p:nvGrpSpPr>
+      <p:grpSpPr>
+        <a:xfrm>
+          <a:off x="0" y="0"/>
+          <a:ext cx="0" cy="0"/>
+          <a:chOff x="0" y="0"/>
+          <a:chExt cx="0" cy="0"/>
+        </a:xfrm>
+      </p:grpSpPr>
+      <p:pic>
+        <p:nvPicPr>
+          <p:cNvPr id="3" name="그림 2">
+            <a:extLst>
+              <a:ext uri="{FF2B5EF4-FFF2-40B4-BE49-F238E27FC236}">
+                <a16:creationId xmlns:a16="http://schemas.microsoft.com/office/drawing/2014/main" id="{331F6F75-B221-4061-B962-758F7C3BEBFF}"/>
+              </a:ext>
+            </a:extLst>
+          </p:cNvPr>
+          <p:cNvPicPr>
+            <a:picLocks noChangeAspect="1"/>
+          </p:cNvPicPr>
+          <p:nvPr/>
+        </p:nvPicPr>
+        <p:blipFill rotWithShape="1">
+          <a:blip r:embed="rId2" cstate="screen">
+            <a:extLst>
+              <a:ext uri="{28A0092B-C50C-407E-A947-70E740481C1C}">
+                <a14:useLocalDpi xmlns:a14="http://schemas.microsoft.com/office/drawing/2010/main" val="0"/>
+              </a:ext>
+            </a:extLst>
+          </a:blip>
+          <a:srcRect/>
+          <a:stretch/>
+        </p:blipFill>
+        <p:spPr>
+          <a:xfrm>
+            <a:off x="3474720" y="0"/>
+            <a:ext cx="8717280" cy="6858000"/>
+          </a:xfrm>
+          <a:prstGeom prst="rect">
+            <a:avLst/>
+          </a:prstGeom>
+        </p:spPr>
+      </p:pic>
+      <p:sp>
+        <p:nvSpPr>
+          <p:cNvPr id="7" name="직사각형 6">
+            <a:extLst>
+              <a:ext uri="{FF2B5EF4-FFF2-40B4-BE49-F238E27FC236}">
+                <a16:creationId xmlns:a16="http://schemas.microsoft.com/office/drawing/2014/main" id="{BFB742AF-8DE1-4801-BAAB-FF7C033D40F3}"/>
+              </a:ext>
+            </a:extLst>
+          </p:cNvPr>
+          <p:cNvSpPr/>
+          <p:nvPr/>
+        </p:nvSpPr>
+        <p:spPr>
+          <a:xfrm>
+            <a:off x="0" y="0"/>
+            <a:ext cx="6096000" cy="6858000"/>
+          </a:xfrm>
+          <a:prstGeom prst="rect">
+            <a:avLst/>
+          </a:prstGeom>
+        </p:spPr>
+        <p:style>
+          <a:lnRef idx="2">
+            <a:schemeClr val="accent1">
+              <a:shade val="50000"/>
+            </a:schemeClr>
+          </a:lnRef>
+          <a:fillRef idx="1">
+            <a:schemeClr val="accent1"/>
+          </a:fillRef>
+          <a:effectRef idx="0">
+            <a:schemeClr val="accent1"/>
+          </a:effectRef>
+          <a:fontRef idx="minor">
+            <a:schemeClr val="lt1"/>
+          </a:fontRef>
+        </p:style>
+        <p:txBody>
+          <a:bodyPr rtlCol="0" anchor="ctr"/>
+          <a:lstStyle/>
+          <a:p>
+            <a:pPr marL="0" marR="0" lvl="0" indent="0" algn="ctr" defTabSz="914400" rtl="0" eaLnBrk="1" fontAlgn="auto" latinLnBrk="1" hangingPunct="1">
+              <a:lnSpc>
+                <a:spcPct val="100000"/>
+              </a:lnSpc>
+              <a:spcBef>
+                <a:spcPts val="0"/>
+              </a:spcBef>
+              <a:spcAft>
+                <a:spcPts val="0"/>
+              </a:spcAft>
+              <a:buClrTx/>
+              <a:buSzTx/>
+              <a:buFontTx/>
+              <a:buNone/>
+              <a:tabLst/>
+              <a:defRPr/>
+            </a:pPr>
+            <a:endParaRPr kumimoji="0" lang="ko-KR" altLang="en-US" sz="1800" b="0" i="0" u="none" strike="noStrike" kern="1200" cap="none" spc="0" normalizeH="0" baseline="0" noProof="0">
+              <a:ln>
+                <a:noFill/>
+              </a:ln>
+              <a:solidFill>
+                <a:prstClr val="white"/>
+              </a:solidFill>
+              <a:effectLst/>
+              <a:uLnTx/>
+              <a:uFillTx/>
+              <a:ea typeface="나눔스퀘어 Light"/>
+              <a:cs typeface="+mn-cs"/>
+            </a:endParaRPr>
+          </a:p>
+        </p:txBody>
+      </p:sp>
+      <p:sp>
+        <p:nvSpPr>
+          <p:cNvPr id="9" name="TextBox 8">
+            <a:extLst>
+              <a:ext uri="{FF2B5EF4-FFF2-40B4-BE49-F238E27FC236}">
+                <a16:creationId xmlns:a16="http://schemas.microsoft.com/office/drawing/2014/main" id="{E9B29B74-5530-431A-9A1D-6C360E5E40A6}"/>
+              </a:ext>
+            </a:extLst>
+          </p:cNvPr>
+          <p:cNvSpPr txBox="1"/>
+          <p:nvPr/>
+        </p:nvSpPr>
+        <p:spPr>
+          <a:xfrm>
+            <a:off x="1684170" y="2846150"/>
+            <a:ext cx="3770584" cy="1200329"/>
+          </a:xfrm>
+          <a:prstGeom prst="rect">
+            <a:avLst/>
+          </a:prstGeom>
+          <a:noFill/>
+        </p:spPr>
+        <p:txBody>
+          <a:bodyPr wrap="none" rtlCol="0">
+            <a:spAutoFit/>
+          </a:bodyPr>
+          <a:lstStyle/>
+          <a:p>
+            <a:pPr marL="0" marR="0" lvl="0" indent="0" algn="l" defTabSz="914400" rtl="0" eaLnBrk="1" fontAlgn="auto" latinLnBrk="1" hangingPunct="1">
+              <a:lnSpc>
+                <a:spcPct val="100000"/>
+              </a:lnSpc>
+              <a:spcBef>
+                <a:spcPts val="0"/>
+              </a:spcBef>
+              <a:spcAft>
+                <a:spcPts val="0"/>
+              </a:spcAft>
+              <a:buClrTx/>
+              <a:buSzTx/>
+              <a:buFontTx/>
+              <a:buNone/>
+              <a:tabLst/>
+              <a:defRPr/>
+            </a:pPr>
+            <a:r>
+              <a:rPr lang="ko-KR" altLang="en-US" sz="3600" spc="-300" dirty="0">
+                <a:solidFill>
+                  <a:prstClr val="white"/>
+                </a:solidFill>
+                <a:ea typeface="나눔스퀘어 Light"/>
+              </a:rPr>
+              <a:t>딥러닝</a:t>
+            </a:r>
+            <a:r>
+              <a:rPr kumimoji="0" lang="ko-KR" altLang="en-US" sz="3600" b="0" i="0" u="none" strike="noStrike" kern="1200" cap="none" spc="-300" normalizeH="0" baseline="0" noProof="0" dirty="0">
+                <a:ln>
+                  <a:noFill/>
+                </a:ln>
+                <a:solidFill>
+                  <a:prstClr val="white"/>
+                </a:solidFill>
+                <a:effectLst/>
+                <a:uLnTx/>
+                <a:uFillTx/>
+                <a:ea typeface="나눔스퀘어 Light"/>
+                <a:cs typeface="+mn-cs"/>
+              </a:rPr>
+              <a:t> 연산의</a:t>
+            </a:r>
+            <a:endParaRPr kumimoji="0" lang="en-US" altLang="ko-KR" sz="3600" b="0" i="0" u="none" strike="noStrike" kern="1200" cap="none" spc="-300" normalizeH="0" baseline="0" noProof="0" dirty="0">
+              <a:ln>
+                <a:noFill/>
+              </a:ln>
+              <a:solidFill>
+                <a:prstClr val="white"/>
+              </a:solidFill>
+              <a:effectLst/>
+              <a:uLnTx/>
+              <a:uFillTx/>
+              <a:ea typeface="나눔스퀘어 Light"/>
+              <a:cs typeface="+mn-cs"/>
+            </a:endParaRPr>
+          </a:p>
+          <a:p>
+            <a:pPr marL="0" marR="0" lvl="0" indent="0" algn="l" defTabSz="914400" rtl="0" eaLnBrk="1" fontAlgn="auto" latinLnBrk="1" hangingPunct="1">
+              <a:lnSpc>
+                <a:spcPct val="100000"/>
+              </a:lnSpc>
+              <a:spcBef>
+                <a:spcPts val="0"/>
+              </a:spcBef>
+              <a:spcAft>
+                <a:spcPts val="0"/>
+              </a:spcAft>
+              <a:buClrTx/>
+              <a:buSzTx/>
+              <a:buFontTx/>
+              <a:buNone/>
+              <a:tabLst/>
+              <a:defRPr/>
+            </a:pPr>
+            <a:r>
+              <a:rPr lang="en-US" altLang="ko-KR" sz="3600" spc="-300" dirty="0">
+                <a:solidFill>
+                  <a:prstClr val="white"/>
+                </a:solidFill>
+                <a:ea typeface="나눔스퀘어 Light"/>
+              </a:rPr>
+              <a:t>	</a:t>
+            </a:r>
+            <a:r>
+              <a:rPr kumimoji="0" lang="ko-KR" altLang="en-US" sz="3600" b="0" i="0" u="none" strike="noStrike" kern="1200" cap="none" spc="-300" normalizeH="0" baseline="0" noProof="0" dirty="0">
+                <a:ln>
+                  <a:noFill/>
+                </a:ln>
+                <a:solidFill>
+                  <a:prstClr val="white"/>
+                </a:solidFill>
+                <a:effectLst/>
+                <a:uLnTx/>
+                <a:uFillTx/>
+                <a:ea typeface="나눔스퀘어 Light"/>
+                <a:cs typeface="+mn-cs"/>
+              </a:rPr>
+              <a:t>기하학적 해석</a:t>
+            </a:r>
+            <a:endParaRPr kumimoji="0" lang="en-US" altLang="ko-KR" sz="3600" b="0" i="0" u="none" strike="noStrike" kern="1200" cap="none" spc="-300" normalizeH="0" baseline="0" noProof="0" dirty="0">
+              <a:ln>
+                <a:noFill/>
+              </a:ln>
+              <a:solidFill>
+                <a:prstClr val="white"/>
+              </a:solidFill>
+              <a:effectLst/>
+              <a:uLnTx/>
+              <a:uFillTx/>
+              <a:ea typeface="나눔스퀘어 Light"/>
+              <a:cs typeface="+mn-cs"/>
+            </a:endParaRPr>
+          </a:p>
+        </p:txBody>
+      </p:sp>
+      <p:sp>
+        <p:nvSpPr>
+          <p:cNvPr id="11" name="TextBox 10">
+            <a:extLst>
+              <a:ext uri="{FF2B5EF4-FFF2-40B4-BE49-F238E27FC236}">
+                <a16:creationId xmlns:a16="http://schemas.microsoft.com/office/drawing/2014/main" id="{DD6DC040-1911-4DE1-B7BA-8D50B20BC5F8}"/>
+              </a:ext>
+            </a:extLst>
+          </p:cNvPr>
+          <p:cNvSpPr txBox="1"/>
+          <p:nvPr/>
+        </p:nvSpPr>
+        <p:spPr>
+          <a:xfrm>
+            <a:off x="904240" y="2846150"/>
+            <a:ext cx="625492" cy="307777"/>
+          </a:xfrm>
+          <a:prstGeom prst="rect">
+            <a:avLst/>
+          </a:prstGeom>
+          <a:noFill/>
+        </p:spPr>
+        <p:txBody>
+          <a:bodyPr wrap="none" rtlCol="0">
+            <a:spAutoFit/>
+          </a:bodyPr>
+          <a:lstStyle/>
+          <a:p>
+            <a:pPr marL="0" marR="0" lvl="0" indent="0" algn="l" defTabSz="914400" rtl="0" eaLnBrk="1" fontAlgn="auto" latinLnBrk="1" hangingPunct="1">
+              <a:lnSpc>
+                <a:spcPct val="100000"/>
+              </a:lnSpc>
+              <a:spcBef>
+                <a:spcPts val="0"/>
+              </a:spcBef>
+              <a:spcAft>
+                <a:spcPts val="0"/>
+              </a:spcAft>
+              <a:buClrTx/>
+              <a:buSzTx/>
+              <a:buFontTx/>
+              <a:buNone/>
+              <a:tabLst/>
+              <a:defRPr/>
+            </a:pPr>
+            <a:r>
+              <a:rPr kumimoji="0" lang="en-US" altLang="ko-KR" sz="1400" b="0" i="0" u="none" strike="noStrike" kern="1200" cap="none" spc="0" normalizeH="0" baseline="0" noProof="0" dirty="0">
+                <a:ln>
+                  <a:noFill/>
+                </a:ln>
+                <a:solidFill>
+                  <a:prstClr val="white"/>
+                </a:solidFill>
+                <a:effectLst/>
+                <a:uLnTx/>
+                <a:uFillTx/>
+                <a:ea typeface="나눔스퀘어 Light"/>
+                <a:cs typeface="+mn-cs"/>
+              </a:rPr>
+              <a:t>2.3.6 </a:t>
+            </a:r>
+            <a:endParaRPr kumimoji="0" lang="ko-KR" altLang="en-US" sz="1400" b="0" i="0" u="none" strike="noStrike" kern="1200" cap="none" spc="0" normalizeH="0" baseline="0" noProof="0" dirty="0">
+              <a:ln>
+                <a:noFill/>
+              </a:ln>
+              <a:solidFill>
+                <a:prstClr val="white"/>
+              </a:solidFill>
+              <a:effectLst/>
+              <a:uLnTx/>
+              <a:uFillTx/>
+              <a:ea typeface="나눔스퀘어 Light"/>
+              <a:cs typeface="+mn-cs"/>
+            </a:endParaRPr>
+          </a:p>
+        </p:txBody>
+      </p:sp>
+      <p:cxnSp>
+        <p:nvCxnSpPr>
+          <p:cNvPr id="12" name="직선 연결선 11">
+            <a:extLst>
+              <a:ext uri="{FF2B5EF4-FFF2-40B4-BE49-F238E27FC236}">
+                <a16:creationId xmlns:a16="http://schemas.microsoft.com/office/drawing/2014/main" id="{E9C7568C-DA98-40CE-9115-1F19853EEDF6}"/>
+              </a:ext>
+            </a:extLst>
+          </p:cNvPr>
+          <p:cNvCxnSpPr>
+            <a:cxnSpLocks/>
+          </p:cNvCxnSpPr>
+          <p:nvPr/>
+        </p:nvCxnSpPr>
+        <p:spPr>
+          <a:xfrm>
+            <a:off x="904240" y="2823130"/>
+            <a:ext cx="4467890" cy="0"/>
+          </a:xfrm>
+          <a:prstGeom prst="line">
+            <a:avLst/>
+          </a:prstGeom>
+          <a:ln>
+            <a:solidFill>
+              <a:schemeClr val="bg1"/>
+            </a:solidFill>
+          </a:ln>
+        </p:spPr>
+        <p:style>
+          <a:lnRef idx="1">
+            <a:schemeClr val="accent1"/>
+          </a:lnRef>
+          <a:fillRef idx="0">
+            <a:schemeClr val="accent1"/>
+          </a:fillRef>
+          <a:effectRef idx="0">
+            <a:schemeClr val="accent1"/>
+          </a:effectRef>
+          <a:fontRef idx="minor">
+            <a:schemeClr val="tx1"/>
+          </a:fontRef>
+        </p:style>
+      </p:cxnSp>
+      <p:cxnSp>
+        <p:nvCxnSpPr>
+          <p:cNvPr id="13" name="직선 연결선 12">
+            <a:extLst>
+              <a:ext uri="{FF2B5EF4-FFF2-40B4-BE49-F238E27FC236}">
+                <a16:creationId xmlns:a16="http://schemas.microsoft.com/office/drawing/2014/main" id="{92A7BF85-EFF0-4169-9F33-5B30AFBB9A2A}"/>
+              </a:ext>
+            </a:extLst>
+          </p:cNvPr>
+          <p:cNvCxnSpPr>
+            <a:cxnSpLocks/>
+          </p:cNvCxnSpPr>
+          <p:nvPr/>
+        </p:nvCxnSpPr>
+        <p:spPr>
+          <a:xfrm>
+            <a:off x="904240" y="4011850"/>
+            <a:ext cx="4467890" cy="0"/>
+          </a:xfrm>
+          <a:prstGeom prst="line">
+            <a:avLst/>
+          </a:prstGeom>
+          <a:ln>
+            <a:solidFill>
+              <a:schemeClr val="bg1"/>
+            </a:solidFill>
+          </a:ln>
+        </p:spPr>
+        <p:style>
+          <a:lnRef idx="1">
+            <a:schemeClr val="accent1"/>
+          </a:lnRef>
+          <a:fillRef idx="0">
+            <a:schemeClr val="accent1"/>
+          </a:fillRef>
+          <a:effectRef idx="0">
+            <a:schemeClr val="accent1"/>
+          </a:effectRef>
+          <a:fontRef idx="minor">
+            <a:schemeClr val="tx1"/>
+          </a:fontRef>
+        </p:style>
+      </p:cxnSp>
+    </p:spTree>
+    <p:extLst>
+      <p:ext uri="{BB962C8B-B14F-4D97-AF65-F5344CB8AC3E}">
+        <p14:creationId xmlns:p14="http://schemas.microsoft.com/office/powerpoint/2010/main" val="4064296427"/>
       </p:ext>
     </p:extLst>
   </p:cSld>
@@ -15026,467 +15510,318 @@
       </p:transition>
     </mc:Fallback>
   </mc:AlternateContent>
+  <p:timing>
+    <p:tnLst>
+      <p:par>
+        <p:cTn id="1" dur="indefinite" restart="never" nodeType="tmRoot">
+          <p:childTnLst>
+            <p:seq concurrent="1" nextAc="seek">
+              <p:cTn id="2" dur="indefinite" nodeType="mainSeq">
+                <p:childTnLst>
+                  <p:par>
+                    <p:cTn id="3" fill="hold">
+                      <p:stCondLst>
+                        <p:cond delay="indefinite"/>
+                      </p:stCondLst>
+                      <p:childTnLst>
+                        <p:par>
+                          <p:cTn id="4" fill="hold">
+                            <p:stCondLst>
+                              <p:cond delay="0"/>
+                            </p:stCondLst>
+                            <p:childTnLst>
+                              <p:par>
+                                <p:cTn id="5" presetID="1" presetClass="entr" presetSubtype="0" fill="hold" grpId="0" nodeType="clickEffect">
+                                  <p:stCondLst>
+                                    <p:cond delay="0"/>
+                                  </p:stCondLst>
+                                  <p:childTnLst>
+                                    <p:set>
+                                      <p:cBhvr>
+                                        <p:cTn id="6" dur="1" fill="hold">
+                                          <p:stCondLst>
+                                            <p:cond delay="0"/>
+                                          </p:stCondLst>
+                                        </p:cTn>
+                                        <p:tgtEl>
+                                          <p:spTgt spid="13"/>
+                                        </p:tgtEl>
+                                        <p:attrNameLst>
+                                          <p:attrName>style.visibility</p:attrName>
+                                        </p:attrNameLst>
+                                      </p:cBhvr>
+                                      <p:to>
+                                        <p:strVal val="visible"/>
+                                      </p:to>
+                                    </p:set>
+                                  </p:childTnLst>
+                                </p:cTn>
+                              </p:par>
+                              <p:par>
+                                <p:cTn id="7" presetID="1" presetClass="entr" presetSubtype="0" fill="hold" grpId="0" nodeType="withEffect">
+                                  <p:stCondLst>
+                                    <p:cond delay="0"/>
+                                  </p:stCondLst>
+                                  <p:childTnLst>
+                                    <p:set>
+                                      <p:cBhvr>
+                                        <p:cTn id="8" dur="1" fill="hold">
+                                          <p:stCondLst>
+                                            <p:cond delay="0"/>
+                                          </p:stCondLst>
+                                        </p:cTn>
+                                        <p:tgtEl>
+                                          <p:spTgt spid="5"/>
+                                        </p:tgtEl>
+                                        <p:attrNameLst>
+                                          <p:attrName>style.visibility</p:attrName>
+                                        </p:attrNameLst>
+                                      </p:cBhvr>
+                                      <p:to>
+                                        <p:strVal val="visible"/>
+                                      </p:to>
+                                    </p:set>
+                                  </p:childTnLst>
+                                </p:cTn>
+                              </p:par>
+                              <p:par>
+                                <p:cTn id="9" presetID="1" presetClass="entr" presetSubtype="0" fill="hold" nodeType="withEffect">
+                                  <p:stCondLst>
+                                    <p:cond delay="0"/>
+                                  </p:stCondLst>
+                                  <p:childTnLst>
+                                    <p:set>
+                                      <p:cBhvr>
+                                        <p:cTn id="10" dur="1" fill="hold">
+                                          <p:stCondLst>
+                                            <p:cond delay="0"/>
+                                          </p:stCondLst>
+                                        </p:cTn>
+                                        <p:tgtEl>
+                                          <p:spTgt spid="7"/>
+                                        </p:tgtEl>
+                                        <p:attrNameLst>
+                                          <p:attrName>style.visibility</p:attrName>
+                                        </p:attrNameLst>
+                                      </p:cBhvr>
+                                      <p:to>
+                                        <p:strVal val="visible"/>
+                                      </p:to>
+                                    </p:set>
+                                  </p:childTnLst>
+                                </p:cTn>
+                              </p:par>
+                            </p:childTnLst>
+                          </p:cTn>
+                        </p:par>
+                      </p:childTnLst>
+                    </p:cTn>
+                  </p:par>
+                  <p:par>
+                    <p:cTn id="11" fill="hold">
+                      <p:stCondLst>
+                        <p:cond delay="indefinite"/>
+                      </p:stCondLst>
+                      <p:childTnLst>
+                        <p:par>
+                          <p:cTn id="12" fill="hold">
+                            <p:stCondLst>
+                              <p:cond delay="0"/>
+                            </p:stCondLst>
+                            <p:childTnLst>
+                              <p:par>
+                                <p:cTn id="13" presetID="1" presetClass="entr" presetSubtype="0" fill="hold" nodeType="clickEffect">
+                                  <p:stCondLst>
+                                    <p:cond delay="0"/>
+                                  </p:stCondLst>
+                                  <p:childTnLst>
+                                    <p:set>
+                                      <p:cBhvr>
+                                        <p:cTn id="14" dur="1" fill="hold">
+                                          <p:stCondLst>
+                                            <p:cond delay="0"/>
+                                          </p:stCondLst>
+                                        </p:cTn>
+                                        <p:tgtEl>
+                                          <p:spTgt spid="12"/>
+                                        </p:tgtEl>
+                                        <p:attrNameLst>
+                                          <p:attrName>style.visibility</p:attrName>
+                                        </p:attrNameLst>
+                                      </p:cBhvr>
+                                      <p:to>
+                                        <p:strVal val="visible"/>
+                                      </p:to>
+                                    </p:set>
+                                  </p:childTnLst>
+                                </p:cTn>
+                              </p:par>
+                              <p:par>
+                                <p:cTn id="15" presetID="1" presetClass="entr" presetSubtype="0" fill="hold" grpId="0" nodeType="withEffect">
+                                  <p:stCondLst>
+                                    <p:cond delay="0"/>
+                                  </p:stCondLst>
+                                  <p:childTnLst>
+                                    <p:set>
+                                      <p:cBhvr>
+                                        <p:cTn id="16" dur="1" fill="hold">
+                                          <p:stCondLst>
+                                            <p:cond delay="0"/>
+                                          </p:stCondLst>
+                                        </p:cTn>
+                                        <p:tgtEl>
+                                          <p:spTgt spid="14"/>
+                                        </p:tgtEl>
+                                        <p:attrNameLst>
+                                          <p:attrName>style.visibility</p:attrName>
+                                        </p:attrNameLst>
+                                      </p:cBhvr>
+                                      <p:to>
+                                        <p:strVal val="visible"/>
+                                      </p:to>
+                                    </p:set>
+                                  </p:childTnLst>
+                                </p:cTn>
+                              </p:par>
+                              <p:par>
+                                <p:cTn id="17" presetID="1" presetClass="entr" presetSubtype="0" fill="hold" grpId="0" nodeType="withEffect">
+                                  <p:stCondLst>
+                                    <p:cond delay="0"/>
+                                  </p:stCondLst>
+                                  <p:childTnLst>
+                                    <p:set>
+                                      <p:cBhvr>
+                                        <p:cTn id="18" dur="1" fill="hold">
+                                          <p:stCondLst>
+                                            <p:cond delay="0"/>
+                                          </p:stCondLst>
+                                        </p:cTn>
+                                        <p:tgtEl>
+                                          <p:spTgt spid="15"/>
+                                        </p:tgtEl>
+                                        <p:attrNameLst>
+                                          <p:attrName>style.visibility</p:attrName>
+                                        </p:attrNameLst>
+                                      </p:cBhvr>
+                                      <p:to>
+                                        <p:strVal val="visible"/>
+                                      </p:to>
+                                    </p:set>
+                                  </p:childTnLst>
+                                </p:cTn>
+                              </p:par>
+                            </p:childTnLst>
+                          </p:cTn>
+                        </p:par>
+                      </p:childTnLst>
+                    </p:cTn>
+                  </p:par>
+                  <p:par>
+                    <p:cTn id="19" fill="hold">
+                      <p:stCondLst>
+                        <p:cond delay="indefinite"/>
+                      </p:stCondLst>
+                      <p:childTnLst>
+                        <p:par>
+                          <p:cTn id="20" fill="hold">
+                            <p:stCondLst>
+                              <p:cond delay="0"/>
+                            </p:stCondLst>
+                            <p:childTnLst>
+                              <p:par>
+                                <p:cTn id="21" presetID="1" presetClass="entr" presetSubtype="0" fill="hold" grpId="0" nodeType="clickEffect">
+                                  <p:stCondLst>
+                                    <p:cond delay="0"/>
+                                  </p:stCondLst>
+                                  <p:childTnLst>
+                                    <p:set>
+                                      <p:cBhvr>
+                                        <p:cTn id="22" dur="1" fill="hold">
+                                          <p:stCondLst>
+                                            <p:cond delay="0"/>
+                                          </p:stCondLst>
+                                        </p:cTn>
+                                        <p:tgtEl>
+                                          <p:spTgt spid="8"/>
+                                        </p:tgtEl>
+                                        <p:attrNameLst>
+                                          <p:attrName>style.visibility</p:attrName>
+                                        </p:attrNameLst>
+                                      </p:cBhvr>
+                                      <p:to>
+                                        <p:strVal val="visible"/>
+                                      </p:to>
+                                    </p:set>
+                                  </p:childTnLst>
+                                </p:cTn>
+                              </p:par>
+                              <p:par>
+                                <p:cTn id="23" presetID="1" presetClass="entr" presetSubtype="0" fill="hold" grpId="0" nodeType="withEffect">
+                                  <p:stCondLst>
+                                    <p:cond delay="0"/>
+                                  </p:stCondLst>
+                                  <p:childTnLst>
+                                    <p:set>
+                                      <p:cBhvr>
+                                        <p:cTn id="24" dur="1" fill="hold">
+                                          <p:stCondLst>
+                                            <p:cond delay="0"/>
+                                          </p:stCondLst>
+                                        </p:cTn>
+                                        <p:tgtEl>
+                                          <p:spTgt spid="16"/>
+                                        </p:tgtEl>
+                                        <p:attrNameLst>
+                                          <p:attrName>style.visibility</p:attrName>
+                                        </p:attrNameLst>
+                                      </p:cBhvr>
+                                      <p:to>
+                                        <p:strVal val="visible"/>
+                                      </p:to>
+                                    </p:set>
+                                  </p:childTnLst>
+                                </p:cTn>
+                              </p:par>
+                            </p:childTnLst>
+                          </p:cTn>
+                        </p:par>
+                      </p:childTnLst>
+                    </p:cTn>
+                  </p:par>
+                </p:childTnLst>
+              </p:cTn>
+              <p:prevCondLst>
+                <p:cond evt="onPrev" delay="0">
+                  <p:tgtEl>
+                    <p:sldTgt/>
+                  </p:tgtEl>
+                </p:cond>
+              </p:prevCondLst>
+              <p:nextCondLst>
+                <p:cond evt="onNext" delay="0">
+                  <p:tgtEl>
+                    <p:sldTgt/>
+                  </p:tgtEl>
+                </p:cond>
+              </p:nextCondLst>
+            </p:seq>
+          </p:childTnLst>
+        </p:cTn>
+      </p:par>
+    </p:tnLst>
+    <p:bldLst>
+      <p:bldP spid="13" grpId="0"/>
+      <p:bldP spid="5" grpId="0" animBg="1"/>
+      <p:bldP spid="14" grpId="0"/>
+      <p:bldP spid="15" grpId="0" animBg="1"/>
+      <p:bldP spid="8" grpId="0" animBg="1"/>
+      <p:bldP spid="16" grpId="0"/>
+    </p:bldLst>
+  </p:timing>
 </p:sld>
 </file>
 
 <file path=ppt/slides/slide30.xml><?xml version="1.0" encoding="utf-8"?>
-<p:sld xmlns:a="http://schemas.openxmlformats.org/drawingml/2006/main" xmlns:r="http://schemas.openxmlformats.org/officeDocument/2006/relationships" xmlns:p="http://schemas.openxmlformats.org/presentationml/2006/main">
-  <p:cSld>
-    <p:spTree>
-      <p:nvGrpSpPr>
-        <p:cNvPr id="1" name=""/>
-        <p:cNvGrpSpPr/>
-        <p:nvPr/>
-      </p:nvGrpSpPr>
-      <p:grpSpPr>
-        <a:xfrm>
-          <a:off x="0" y="0"/>
-          <a:ext cx="0" cy="0"/>
-          <a:chOff x="0" y="0"/>
-          <a:chExt cx="0" cy="0"/>
-        </a:xfrm>
-      </p:grpSpPr>
-      <p:pic>
-        <p:nvPicPr>
-          <p:cNvPr id="3" name="그림 2">
-            <a:extLst>
-              <a:ext uri="{FF2B5EF4-FFF2-40B4-BE49-F238E27FC236}">
-                <a16:creationId xmlns:a16="http://schemas.microsoft.com/office/drawing/2014/main" id="{331F6F75-B221-4061-B962-758F7C3BEBFF}"/>
-              </a:ext>
-            </a:extLst>
-          </p:cNvPr>
-          <p:cNvPicPr>
-            <a:picLocks noChangeAspect="1"/>
-          </p:cNvPicPr>
-          <p:nvPr/>
-        </p:nvPicPr>
-        <p:blipFill rotWithShape="1">
-          <a:blip r:embed="rId2" cstate="screen">
-            <a:extLst>
-              <a:ext uri="{28A0092B-C50C-407E-A947-70E740481C1C}">
-                <a14:useLocalDpi xmlns:a14="http://schemas.microsoft.com/office/drawing/2010/main" val="0"/>
-              </a:ext>
-            </a:extLst>
-          </a:blip>
-          <a:srcRect/>
-          <a:stretch/>
-        </p:blipFill>
-        <p:spPr>
-          <a:xfrm>
-            <a:off x="3474720" y="0"/>
-            <a:ext cx="8717280" cy="6858000"/>
-          </a:xfrm>
-          <a:prstGeom prst="rect">
-            <a:avLst/>
-          </a:prstGeom>
-        </p:spPr>
-      </p:pic>
-      <p:sp>
-        <p:nvSpPr>
-          <p:cNvPr id="7" name="직사각형 6">
-            <a:extLst>
-              <a:ext uri="{FF2B5EF4-FFF2-40B4-BE49-F238E27FC236}">
-                <a16:creationId xmlns:a16="http://schemas.microsoft.com/office/drawing/2014/main" id="{BFB742AF-8DE1-4801-BAAB-FF7C033D40F3}"/>
-              </a:ext>
-            </a:extLst>
-          </p:cNvPr>
-          <p:cNvSpPr/>
-          <p:nvPr/>
-        </p:nvSpPr>
-        <p:spPr>
-          <a:xfrm>
-            <a:off x="0" y="0"/>
-            <a:ext cx="6096000" cy="6858000"/>
-          </a:xfrm>
-          <a:prstGeom prst="rect">
-            <a:avLst/>
-          </a:prstGeom>
-        </p:spPr>
-        <p:style>
-          <a:lnRef idx="2">
-            <a:schemeClr val="accent1">
-              <a:shade val="50000"/>
-            </a:schemeClr>
-          </a:lnRef>
-          <a:fillRef idx="1">
-            <a:schemeClr val="accent1"/>
-          </a:fillRef>
-          <a:effectRef idx="0">
-            <a:schemeClr val="accent1"/>
-          </a:effectRef>
-          <a:fontRef idx="minor">
-            <a:schemeClr val="lt1"/>
-          </a:fontRef>
-        </p:style>
-        <p:txBody>
-          <a:bodyPr rtlCol="0" anchor="ctr"/>
-          <a:lstStyle/>
-          <a:p>
-            <a:pPr marL="0" marR="0" lvl="0" indent="0" algn="ctr" defTabSz="914400" rtl="0" eaLnBrk="1" fontAlgn="auto" latinLnBrk="1" hangingPunct="1">
-              <a:lnSpc>
-                <a:spcPct val="100000"/>
-              </a:lnSpc>
-              <a:spcBef>
-                <a:spcPts val="0"/>
-              </a:spcBef>
-              <a:spcAft>
-                <a:spcPts val="0"/>
-              </a:spcAft>
-              <a:buClrTx/>
-              <a:buSzTx/>
-              <a:buFontTx/>
-              <a:buNone/>
-              <a:tabLst/>
-              <a:defRPr/>
-            </a:pPr>
-            <a:endParaRPr kumimoji="0" lang="ko-KR" altLang="en-US" sz="1800" b="0" i="0" u="none" strike="noStrike" kern="1200" cap="none" spc="0" normalizeH="0" baseline="0" noProof="0">
-              <a:ln>
-                <a:noFill/>
-              </a:ln>
-              <a:solidFill>
-                <a:prstClr val="white"/>
-              </a:solidFill>
-              <a:effectLst/>
-              <a:uLnTx/>
-              <a:uFillTx/>
-              <a:ea typeface="나눔스퀘어 Light"/>
-              <a:cs typeface="+mn-cs"/>
-            </a:endParaRPr>
-          </a:p>
-        </p:txBody>
-      </p:sp>
-      <p:sp>
-        <p:nvSpPr>
-          <p:cNvPr id="9" name="TextBox 8">
-            <a:extLst>
-              <a:ext uri="{FF2B5EF4-FFF2-40B4-BE49-F238E27FC236}">
-                <a16:creationId xmlns:a16="http://schemas.microsoft.com/office/drawing/2014/main" id="{E9B29B74-5530-431A-9A1D-6C360E5E40A6}"/>
-              </a:ext>
-            </a:extLst>
-          </p:cNvPr>
-          <p:cNvSpPr txBox="1"/>
-          <p:nvPr/>
-        </p:nvSpPr>
-        <p:spPr>
-          <a:xfrm>
-            <a:off x="1684170" y="2846150"/>
-            <a:ext cx="3770584" cy="1200329"/>
-          </a:xfrm>
-          <a:prstGeom prst="rect">
-            <a:avLst/>
-          </a:prstGeom>
-          <a:noFill/>
-        </p:spPr>
-        <p:txBody>
-          <a:bodyPr wrap="none" rtlCol="0">
-            <a:spAutoFit/>
-          </a:bodyPr>
-          <a:lstStyle/>
-          <a:p>
-            <a:pPr marL="0" marR="0" lvl="0" indent="0" algn="l" defTabSz="914400" rtl="0" eaLnBrk="1" fontAlgn="auto" latinLnBrk="1" hangingPunct="1">
-              <a:lnSpc>
-                <a:spcPct val="100000"/>
-              </a:lnSpc>
-              <a:spcBef>
-                <a:spcPts val="0"/>
-              </a:spcBef>
-              <a:spcAft>
-                <a:spcPts val="0"/>
-              </a:spcAft>
-              <a:buClrTx/>
-              <a:buSzTx/>
-              <a:buFontTx/>
-              <a:buNone/>
-              <a:tabLst/>
-              <a:defRPr/>
-            </a:pPr>
-            <a:r>
-              <a:rPr lang="ko-KR" altLang="en-US" sz="3600" spc="-300" dirty="0">
-                <a:solidFill>
-                  <a:prstClr val="white"/>
-                </a:solidFill>
-                <a:ea typeface="나눔스퀘어 Light"/>
-              </a:rPr>
-              <a:t>딥러닝</a:t>
-            </a:r>
-            <a:r>
-              <a:rPr kumimoji="0" lang="ko-KR" altLang="en-US" sz="3600" b="0" i="0" u="none" strike="noStrike" kern="1200" cap="none" spc="-300" normalizeH="0" baseline="0" noProof="0" dirty="0">
-                <a:ln>
-                  <a:noFill/>
-                </a:ln>
-                <a:solidFill>
-                  <a:prstClr val="white"/>
-                </a:solidFill>
-                <a:effectLst/>
-                <a:uLnTx/>
-                <a:uFillTx/>
-                <a:ea typeface="나눔스퀘어 Light"/>
-                <a:cs typeface="+mn-cs"/>
-              </a:rPr>
-              <a:t> 연산의</a:t>
-            </a:r>
-            <a:endParaRPr kumimoji="0" lang="en-US" altLang="ko-KR" sz="3600" b="0" i="0" u="none" strike="noStrike" kern="1200" cap="none" spc="-300" normalizeH="0" baseline="0" noProof="0" dirty="0">
-              <a:ln>
-                <a:noFill/>
-              </a:ln>
-              <a:solidFill>
-                <a:prstClr val="white"/>
-              </a:solidFill>
-              <a:effectLst/>
-              <a:uLnTx/>
-              <a:uFillTx/>
-              <a:ea typeface="나눔스퀘어 Light"/>
-              <a:cs typeface="+mn-cs"/>
-            </a:endParaRPr>
-          </a:p>
-          <a:p>
-            <a:pPr marL="0" marR="0" lvl="0" indent="0" algn="l" defTabSz="914400" rtl="0" eaLnBrk="1" fontAlgn="auto" latinLnBrk="1" hangingPunct="1">
-              <a:lnSpc>
-                <a:spcPct val="100000"/>
-              </a:lnSpc>
-              <a:spcBef>
-                <a:spcPts val="0"/>
-              </a:spcBef>
-              <a:spcAft>
-                <a:spcPts val="0"/>
-              </a:spcAft>
-              <a:buClrTx/>
-              <a:buSzTx/>
-              <a:buFontTx/>
-              <a:buNone/>
-              <a:tabLst/>
-              <a:defRPr/>
-            </a:pPr>
-            <a:r>
-              <a:rPr lang="en-US" altLang="ko-KR" sz="3600" spc="-300" dirty="0">
-                <a:solidFill>
-                  <a:prstClr val="white"/>
-                </a:solidFill>
-                <a:ea typeface="나눔스퀘어 Light"/>
-              </a:rPr>
-              <a:t>	</a:t>
-            </a:r>
-            <a:r>
-              <a:rPr kumimoji="0" lang="ko-KR" altLang="en-US" sz="3600" b="0" i="0" u="none" strike="noStrike" kern="1200" cap="none" spc="-300" normalizeH="0" baseline="0" noProof="0" dirty="0">
-                <a:ln>
-                  <a:noFill/>
-                </a:ln>
-                <a:solidFill>
-                  <a:prstClr val="white"/>
-                </a:solidFill>
-                <a:effectLst/>
-                <a:uLnTx/>
-                <a:uFillTx/>
-                <a:ea typeface="나눔스퀘어 Light"/>
-                <a:cs typeface="+mn-cs"/>
-              </a:rPr>
-              <a:t>기하학적 해석</a:t>
-            </a:r>
-            <a:endParaRPr kumimoji="0" lang="en-US" altLang="ko-KR" sz="3600" b="0" i="0" u="none" strike="noStrike" kern="1200" cap="none" spc="-300" normalizeH="0" baseline="0" noProof="0" dirty="0">
-              <a:ln>
-                <a:noFill/>
-              </a:ln>
-              <a:solidFill>
-                <a:prstClr val="white"/>
-              </a:solidFill>
-              <a:effectLst/>
-              <a:uLnTx/>
-              <a:uFillTx/>
-              <a:ea typeface="나눔스퀘어 Light"/>
-              <a:cs typeface="+mn-cs"/>
-            </a:endParaRPr>
-          </a:p>
-        </p:txBody>
-      </p:sp>
-      <p:sp>
-        <p:nvSpPr>
-          <p:cNvPr id="11" name="TextBox 10">
-            <a:extLst>
-              <a:ext uri="{FF2B5EF4-FFF2-40B4-BE49-F238E27FC236}">
-                <a16:creationId xmlns:a16="http://schemas.microsoft.com/office/drawing/2014/main" id="{DD6DC040-1911-4DE1-B7BA-8D50B20BC5F8}"/>
-              </a:ext>
-            </a:extLst>
-          </p:cNvPr>
-          <p:cNvSpPr txBox="1"/>
-          <p:nvPr/>
-        </p:nvSpPr>
-        <p:spPr>
-          <a:xfrm>
-            <a:off x="904240" y="2846150"/>
-            <a:ext cx="625492" cy="307777"/>
-          </a:xfrm>
-          <a:prstGeom prst="rect">
-            <a:avLst/>
-          </a:prstGeom>
-          <a:noFill/>
-        </p:spPr>
-        <p:txBody>
-          <a:bodyPr wrap="none" rtlCol="0">
-            <a:spAutoFit/>
-          </a:bodyPr>
-          <a:lstStyle/>
-          <a:p>
-            <a:pPr marL="0" marR="0" lvl="0" indent="0" algn="l" defTabSz="914400" rtl="0" eaLnBrk="1" fontAlgn="auto" latinLnBrk="1" hangingPunct="1">
-              <a:lnSpc>
-                <a:spcPct val="100000"/>
-              </a:lnSpc>
-              <a:spcBef>
-                <a:spcPts val="0"/>
-              </a:spcBef>
-              <a:spcAft>
-                <a:spcPts val="0"/>
-              </a:spcAft>
-              <a:buClrTx/>
-              <a:buSzTx/>
-              <a:buFontTx/>
-              <a:buNone/>
-              <a:tabLst/>
-              <a:defRPr/>
-            </a:pPr>
-            <a:r>
-              <a:rPr kumimoji="0" lang="en-US" altLang="ko-KR" sz="1400" b="0" i="0" u="none" strike="noStrike" kern="1200" cap="none" spc="0" normalizeH="0" baseline="0" noProof="0" dirty="0">
-                <a:ln>
-                  <a:noFill/>
-                </a:ln>
-                <a:solidFill>
-                  <a:prstClr val="white"/>
-                </a:solidFill>
-                <a:effectLst/>
-                <a:uLnTx/>
-                <a:uFillTx/>
-                <a:ea typeface="나눔스퀘어 Light"/>
-                <a:cs typeface="+mn-cs"/>
-              </a:rPr>
-              <a:t>2.3.6 </a:t>
-            </a:r>
-            <a:endParaRPr kumimoji="0" lang="ko-KR" altLang="en-US" sz="1400" b="0" i="0" u="none" strike="noStrike" kern="1200" cap="none" spc="0" normalizeH="0" baseline="0" noProof="0" dirty="0">
-              <a:ln>
-                <a:noFill/>
-              </a:ln>
-              <a:solidFill>
-                <a:prstClr val="white"/>
-              </a:solidFill>
-              <a:effectLst/>
-              <a:uLnTx/>
-              <a:uFillTx/>
-              <a:ea typeface="나눔스퀘어 Light"/>
-              <a:cs typeface="+mn-cs"/>
-            </a:endParaRPr>
-          </a:p>
-        </p:txBody>
-      </p:sp>
-      <p:cxnSp>
-        <p:nvCxnSpPr>
-          <p:cNvPr id="12" name="직선 연결선 11">
-            <a:extLst>
-              <a:ext uri="{FF2B5EF4-FFF2-40B4-BE49-F238E27FC236}">
-                <a16:creationId xmlns:a16="http://schemas.microsoft.com/office/drawing/2014/main" id="{E9C7568C-DA98-40CE-9115-1F19853EEDF6}"/>
-              </a:ext>
-            </a:extLst>
-          </p:cNvPr>
-          <p:cNvCxnSpPr>
-            <a:cxnSpLocks/>
-          </p:cNvCxnSpPr>
-          <p:nvPr/>
-        </p:nvCxnSpPr>
-        <p:spPr>
-          <a:xfrm>
-            <a:off x="904240" y="2823130"/>
-            <a:ext cx="4467890" cy="0"/>
-          </a:xfrm>
-          <a:prstGeom prst="line">
-            <a:avLst/>
-          </a:prstGeom>
-          <a:ln>
-            <a:solidFill>
-              <a:schemeClr val="bg1"/>
-            </a:solidFill>
-          </a:ln>
-        </p:spPr>
-        <p:style>
-          <a:lnRef idx="1">
-            <a:schemeClr val="accent1"/>
-          </a:lnRef>
-          <a:fillRef idx="0">
-            <a:schemeClr val="accent1"/>
-          </a:fillRef>
-          <a:effectRef idx="0">
-            <a:schemeClr val="accent1"/>
-          </a:effectRef>
-          <a:fontRef idx="minor">
-            <a:schemeClr val="tx1"/>
-          </a:fontRef>
-        </p:style>
-      </p:cxnSp>
-      <p:cxnSp>
-        <p:nvCxnSpPr>
-          <p:cNvPr id="13" name="직선 연결선 12">
-            <a:extLst>
-              <a:ext uri="{FF2B5EF4-FFF2-40B4-BE49-F238E27FC236}">
-                <a16:creationId xmlns:a16="http://schemas.microsoft.com/office/drawing/2014/main" id="{92A7BF85-EFF0-4169-9F33-5B30AFBB9A2A}"/>
-              </a:ext>
-            </a:extLst>
-          </p:cNvPr>
-          <p:cNvCxnSpPr>
-            <a:cxnSpLocks/>
-          </p:cNvCxnSpPr>
-          <p:nvPr/>
-        </p:nvCxnSpPr>
-        <p:spPr>
-          <a:xfrm>
-            <a:off x="904240" y="4011850"/>
-            <a:ext cx="4467890" cy="0"/>
-          </a:xfrm>
-          <a:prstGeom prst="line">
-            <a:avLst/>
-          </a:prstGeom>
-          <a:ln>
-            <a:solidFill>
-              <a:schemeClr val="bg1"/>
-            </a:solidFill>
-          </a:ln>
-        </p:spPr>
-        <p:style>
-          <a:lnRef idx="1">
-            <a:schemeClr val="accent1"/>
-          </a:lnRef>
-          <a:fillRef idx="0">
-            <a:schemeClr val="accent1"/>
-          </a:fillRef>
-          <a:effectRef idx="0">
-            <a:schemeClr val="accent1"/>
-          </a:effectRef>
-          <a:fontRef idx="minor">
-            <a:schemeClr val="tx1"/>
-          </a:fontRef>
-        </p:style>
-      </p:cxnSp>
-    </p:spTree>
-    <p:extLst>
-      <p:ext uri="{BB962C8B-B14F-4D97-AF65-F5344CB8AC3E}">
-        <p14:creationId xmlns:p14="http://schemas.microsoft.com/office/powerpoint/2010/main" val="4064296427"/>
-      </p:ext>
-    </p:extLst>
-  </p:cSld>
-  <p:clrMapOvr>
-    <a:masterClrMapping/>
-  </p:clrMapOvr>
-  <mc:AlternateContent xmlns:mc="http://schemas.openxmlformats.org/markup-compatibility/2006" xmlns:p159="http://schemas.microsoft.com/office/powerpoint/2015/09/main">
-    <mc:Choice Requires="p159">
-      <p:transition xmlns:p14="http://schemas.microsoft.com/office/powerpoint/2010/main" spd="slow" p14:dur="2000">
-        <p159:morph option="byObject"/>
-      </p:transition>
-    </mc:Choice>
-    <mc:Fallback xmlns="">
-      <p:transition spd="slow">
-        <p:fade/>
-      </p:transition>
-    </mc:Fallback>
-  </mc:AlternateContent>
-</p:sld>
-</file>
-
-<file path=ppt/slides/slide31.xml><?xml version="1.0" encoding="utf-8"?>
 <p:sld xmlns:a="http://schemas.openxmlformats.org/drawingml/2006/main" xmlns:r="http://schemas.openxmlformats.org/officeDocument/2006/relationships" xmlns:p="http://schemas.openxmlformats.org/presentationml/2006/main">
   <p:cSld>
     <p:spTree>
@@ -17399,500 +17734,85 @@
       </p:transition>
     </mc:Fallback>
   </mc:AlternateContent>
+  <p:timing>
+    <p:tnLst>
+      <p:par>
+        <p:cTn id="1" dur="indefinite" restart="never" nodeType="tmRoot">
+          <p:childTnLst>
+            <p:seq concurrent="1" nextAc="seek">
+              <p:cTn id="2" dur="indefinite" nodeType="mainSeq">
+                <p:childTnLst>
+                  <p:par>
+                    <p:cTn id="3" fill="hold">
+                      <p:stCondLst>
+                        <p:cond delay="indefinite"/>
+                      </p:stCondLst>
+                      <p:childTnLst>
+                        <p:par>
+                          <p:cTn id="4" fill="hold">
+                            <p:stCondLst>
+                              <p:cond delay="0"/>
+                            </p:stCondLst>
+                            <p:childTnLst>
+                              <p:par>
+                                <p:cTn id="5" presetID="1" presetClass="entr" presetSubtype="0" fill="hold" nodeType="clickEffect">
+                                  <p:stCondLst>
+                                    <p:cond delay="0"/>
+                                  </p:stCondLst>
+                                  <p:childTnLst>
+                                    <p:set>
+                                      <p:cBhvr>
+                                        <p:cTn id="6" dur="1" fill="hold">
+                                          <p:stCondLst>
+                                            <p:cond delay="0"/>
+                                          </p:stCondLst>
+                                        </p:cTn>
+                                        <p:tgtEl>
+                                          <p:spTgt spid="10"/>
+                                        </p:tgtEl>
+                                        <p:attrNameLst>
+                                          <p:attrName>style.visibility</p:attrName>
+                                        </p:attrNameLst>
+                                      </p:cBhvr>
+                                      <p:to>
+                                        <p:strVal val="visible"/>
+                                      </p:to>
+                                    </p:set>
+                                  </p:childTnLst>
+                                </p:cTn>
+                              </p:par>
+                            </p:childTnLst>
+                          </p:cTn>
+                        </p:par>
+                      </p:childTnLst>
+                    </p:cTn>
+                  </p:par>
+                </p:childTnLst>
+              </p:cTn>
+              <p:prevCondLst>
+                <p:cond evt="onPrev" delay="0">
+                  <p:tgtEl>
+                    <p:sldTgt/>
+                  </p:tgtEl>
+                </p:cond>
+              </p:prevCondLst>
+              <p:nextCondLst>
+                <p:cond evt="onNext" delay="0">
+                  <p:tgtEl>
+                    <p:sldTgt/>
+                  </p:tgtEl>
+                </p:cond>
+              </p:nextCondLst>
+            </p:seq>
+          </p:childTnLst>
+        </p:cTn>
+      </p:par>
+    </p:tnLst>
+  </p:timing>
 </p:sld>
 </file>
 
 <file path=ppt/slides/slide7.xml><?xml version="1.0" encoding="utf-8"?>
-<p:sld xmlns:a="http://schemas.openxmlformats.org/drawingml/2006/main" xmlns:r="http://schemas.openxmlformats.org/officeDocument/2006/relationships" xmlns:p="http://schemas.openxmlformats.org/presentationml/2006/main">
-  <p:cSld>
-    <p:spTree>
-      <p:nvGrpSpPr>
-        <p:cNvPr id="1" name=""/>
-        <p:cNvGrpSpPr/>
-        <p:nvPr/>
-      </p:nvGrpSpPr>
-      <p:grpSpPr>
-        <a:xfrm>
-          <a:off x="0" y="0"/>
-          <a:ext cx="0" cy="0"/>
-          <a:chOff x="0" y="0"/>
-          <a:chExt cx="0" cy="0"/>
-        </a:xfrm>
-      </p:grpSpPr>
-      <p:sp>
-        <p:nvSpPr>
-          <p:cNvPr id="2" name="직사각형 1">
-            <a:extLst>
-              <a:ext uri="{FF2B5EF4-FFF2-40B4-BE49-F238E27FC236}">
-                <a16:creationId xmlns:a16="http://schemas.microsoft.com/office/drawing/2014/main" id="{0546E572-061A-4F66-860A-EA1641AD3DE2}"/>
-              </a:ext>
-            </a:extLst>
-          </p:cNvPr>
-          <p:cNvSpPr/>
-          <p:nvPr/>
-        </p:nvSpPr>
-        <p:spPr>
-          <a:xfrm>
-            <a:off x="0" y="0"/>
-            <a:ext cx="12192000" cy="1076960"/>
-          </a:xfrm>
-          <a:prstGeom prst="rect">
-            <a:avLst/>
-          </a:prstGeom>
-        </p:spPr>
-        <p:style>
-          <a:lnRef idx="2">
-            <a:schemeClr val="accent1">
-              <a:shade val="50000"/>
-            </a:schemeClr>
-          </a:lnRef>
-          <a:fillRef idx="1">
-            <a:schemeClr val="accent1"/>
-          </a:fillRef>
-          <a:effectRef idx="0">
-            <a:schemeClr val="accent1"/>
-          </a:effectRef>
-          <a:fontRef idx="minor">
-            <a:schemeClr val="lt1"/>
-          </a:fontRef>
-        </p:style>
-        <p:txBody>
-          <a:bodyPr rtlCol="0" anchor="ctr"/>
-          <a:lstStyle/>
-          <a:p>
-            <a:pPr marL="0" marR="0" lvl="0" indent="0" algn="ctr" defTabSz="914400" rtl="0" eaLnBrk="1" fontAlgn="auto" latinLnBrk="1" hangingPunct="1">
-              <a:lnSpc>
-                <a:spcPct val="100000"/>
-              </a:lnSpc>
-              <a:spcBef>
-                <a:spcPts val="0"/>
-              </a:spcBef>
-              <a:spcAft>
-                <a:spcPts val="0"/>
-              </a:spcAft>
-              <a:buClrTx/>
-              <a:buSzTx/>
-              <a:buFontTx/>
-              <a:buNone/>
-              <a:tabLst/>
-              <a:defRPr/>
-            </a:pPr>
-            <a:endParaRPr kumimoji="0" lang="ko-KR" altLang="en-US" sz="1800" b="0" i="0" u="none" strike="noStrike" kern="1200" cap="none" spc="0" normalizeH="0" baseline="0" noProof="0">
-              <a:ln>
-                <a:noFill/>
-              </a:ln>
-              <a:solidFill>
-                <a:prstClr val="white"/>
-              </a:solidFill>
-              <a:effectLst/>
-              <a:uLnTx/>
-              <a:uFillTx/>
-              <a:ea typeface="나눔스퀘어 Light"/>
-              <a:cs typeface="+mn-cs"/>
-            </a:endParaRPr>
-          </a:p>
-        </p:txBody>
-      </p:sp>
-      <p:sp>
-        <p:nvSpPr>
-          <p:cNvPr id="3" name="TextBox 2">
-            <a:extLst>
-              <a:ext uri="{FF2B5EF4-FFF2-40B4-BE49-F238E27FC236}">
-                <a16:creationId xmlns:a16="http://schemas.microsoft.com/office/drawing/2014/main" id="{8951765C-E4E1-440B-B3F6-AD127EB533CF}"/>
-              </a:ext>
-            </a:extLst>
-          </p:cNvPr>
-          <p:cNvSpPr txBox="1"/>
-          <p:nvPr/>
-        </p:nvSpPr>
-        <p:spPr>
-          <a:xfrm>
-            <a:off x="875104" y="101916"/>
-            <a:ext cx="2424062" cy="646331"/>
-          </a:xfrm>
-          <a:prstGeom prst="rect">
-            <a:avLst/>
-          </a:prstGeom>
-          <a:noFill/>
-        </p:spPr>
-        <p:txBody>
-          <a:bodyPr wrap="none" rtlCol="0">
-            <a:spAutoFit/>
-          </a:bodyPr>
-          <a:lstStyle/>
-          <a:p>
-            <a:pPr marL="0" marR="0" lvl="0" indent="0" algn="l" defTabSz="914400" rtl="0" eaLnBrk="1" fontAlgn="auto" latinLnBrk="1" hangingPunct="1">
-              <a:lnSpc>
-                <a:spcPct val="100000"/>
-              </a:lnSpc>
-              <a:spcBef>
-                <a:spcPts val="0"/>
-              </a:spcBef>
-              <a:spcAft>
-                <a:spcPts val="0"/>
-              </a:spcAft>
-              <a:buClrTx/>
-              <a:buSzTx/>
-              <a:buFontTx/>
-              <a:buNone/>
-              <a:tabLst/>
-              <a:defRPr/>
-            </a:pPr>
-            <a:r>
-              <a:rPr lang="ko-KR" altLang="en-US" sz="3600" spc="-300" dirty="0" err="1">
-                <a:solidFill>
-                  <a:prstClr val="white"/>
-                </a:solidFill>
-                <a:ea typeface="나눔스퀘어 Light"/>
-              </a:rPr>
-              <a:t>원소별</a:t>
-            </a:r>
-            <a:r>
-              <a:rPr lang="ko-KR" altLang="en-US" sz="3600" spc="-300" dirty="0">
-                <a:solidFill>
-                  <a:prstClr val="white"/>
-                </a:solidFill>
-                <a:ea typeface="나눔스퀘어 Light"/>
-              </a:rPr>
-              <a:t> 연산</a:t>
-            </a:r>
-            <a:endParaRPr lang="en-US" altLang="ko-KR" sz="3600" spc="-300" dirty="0">
-              <a:solidFill>
-                <a:prstClr val="white"/>
-              </a:solidFill>
-              <a:ea typeface="나눔스퀘어 Light"/>
-            </a:endParaRPr>
-          </a:p>
-        </p:txBody>
-      </p:sp>
-      <p:sp>
-        <p:nvSpPr>
-          <p:cNvPr id="4" name="TextBox 3">
-            <a:extLst>
-              <a:ext uri="{FF2B5EF4-FFF2-40B4-BE49-F238E27FC236}">
-                <a16:creationId xmlns:a16="http://schemas.microsoft.com/office/drawing/2014/main" id="{8E877FB6-6DE1-44E4-8EF8-7160153CD120}"/>
-              </a:ext>
-            </a:extLst>
-          </p:cNvPr>
-          <p:cNvSpPr txBox="1"/>
-          <p:nvPr/>
-        </p:nvSpPr>
-        <p:spPr>
-          <a:xfrm>
-            <a:off x="132080" y="117305"/>
-            <a:ext cx="562975" cy="523220"/>
-          </a:xfrm>
-          <a:prstGeom prst="rect">
-            <a:avLst/>
-          </a:prstGeom>
-          <a:noFill/>
-        </p:spPr>
-        <p:txBody>
-          <a:bodyPr wrap="none" rtlCol="0">
-            <a:spAutoFit/>
-          </a:bodyPr>
-          <a:lstStyle/>
-          <a:p>
-            <a:pPr marL="0" marR="0" lvl="0" indent="0" algn="l" defTabSz="914400" rtl="0" eaLnBrk="1" fontAlgn="auto" latinLnBrk="1" hangingPunct="1">
-              <a:lnSpc>
-                <a:spcPct val="100000"/>
-              </a:lnSpc>
-              <a:spcBef>
-                <a:spcPts val="0"/>
-              </a:spcBef>
-              <a:spcAft>
-                <a:spcPts val="0"/>
-              </a:spcAft>
-              <a:buClrTx/>
-              <a:buSzTx/>
-              <a:buFontTx/>
-              <a:buNone/>
-              <a:tabLst/>
-              <a:defRPr/>
-            </a:pPr>
-            <a:r>
-              <a:rPr lang="en-US" altLang="ko-KR" sz="1400" dirty="0">
-                <a:solidFill>
-                  <a:prstClr val="white"/>
-                </a:solidFill>
-                <a:ea typeface="나눔스퀘어 Light"/>
-              </a:rPr>
-              <a:t>2.3.1</a:t>
-            </a:r>
-            <a:endParaRPr kumimoji="0" lang="en-US" altLang="ko-KR" sz="1400" b="0" i="0" u="none" strike="noStrike" kern="1200" cap="none" spc="0" normalizeH="0" baseline="0" noProof="0" dirty="0">
-              <a:ln>
-                <a:noFill/>
-              </a:ln>
-              <a:solidFill>
-                <a:prstClr val="white"/>
-              </a:solidFill>
-              <a:effectLst/>
-              <a:uLnTx/>
-              <a:uFillTx/>
-              <a:ea typeface="나눔스퀘어 Light"/>
-              <a:cs typeface="+mn-cs"/>
-            </a:endParaRPr>
-          </a:p>
-          <a:p>
-            <a:pPr marL="0" marR="0" lvl="0" indent="0" algn="l" defTabSz="914400" rtl="0" eaLnBrk="1" fontAlgn="auto" latinLnBrk="1" hangingPunct="1">
-              <a:lnSpc>
-                <a:spcPct val="100000"/>
-              </a:lnSpc>
-              <a:spcBef>
-                <a:spcPts val="0"/>
-              </a:spcBef>
-              <a:spcAft>
-                <a:spcPts val="0"/>
-              </a:spcAft>
-              <a:buClrTx/>
-              <a:buSzTx/>
-              <a:buFontTx/>
-              <a:buNone/>
-              <a:tabLst/>
-              <a:defRPr/>
-            </a:pPr>
-            <a:endParaRPr kumimoji="0" lang="ko-KR" altLang="en-US" sz="1400" b="0" i="0" u="none" strike="noStrike" kern="1200" cap="none" spc="0" normalizeH="0" baseline="0" noProof="0" dirty="0">
-              <a:ln>
-                <a:noFill/>
-              </a:ln>
-              <a:solidFill>
-                <a:prstClr val="white"/>
-              </a:solidFill>
-              <a:effectLst/>
-              <a:uLnTx/>
-              <a:uFillTx/>
-              <a:ea typeface="나눔스퀘어 Light"/>
-              <a:cs typeface="+mn-cs"/>
-            </a:endParaRPr>
-          </a:p>
-        </p:txBody>
-      </p:sp>
-      <p:sp>
-        <p:nvSpPr>
-          <p:cNvPr id="9" name="TextBox 8">
-            <a:extLst>
-              <a:ext uri="{FF2B5EF4-FFF2-40B4-BE49-F238E27FC236}">
-                <a16:creationId xmlns:a16="http://schemas.microsoft.com/office/drawing/2014/main" id="{477104E1-BB9F-4FA2-BAB0-8DB8BFAE994C}"/>
-              </a:ext>
-            </a:extLst>
-          </p:cNvPr>
-          <p:cNvSpPr txBox="1"/>
-          <p:nvPr/>
-        </p:nvSpPr>
-        <p:spPr>
-          <a:xfrm>
-            <a:off x="399062" y="1316621"/>
-            <a:ext cx="11488138" cy="523220"/>
-          </a:xfrm>
-          <a:prstGeom prst="rect">
-            <a:avLst/>
-          </a:prstGeom>
-          <a:noFill/>
-        </p:spPr>
-        <p:txBody>
-          <a:bodyPr wrap="square">
-            <a:spAutoFit/>
-          </a:bodyPr>
-          <a:lstStyle/>
-          <a:p>
-            <a:pPr marL="0" marR="0" lvl="0" indent="0" algn="l" defTabSz="914400" rtl="0" eaLnBrk="1" fontAlgn="auto" latinLnBrk="1" hangingPunct="1">
-              <a:lnSpc>
-                <a:spcPct val="100000"/>
-              </a:lnSpc>
-              <a:spcBef>
-                <a:spcPts val="0"/>
-              </a:spcBef>
-              <a:spcAft>
-                <a:spcPts val="0"/>
-              </a:spcAft>
-              <a:buClrTx/>
-              <a:buSzTx/>
-              <a:buFontTx/>
-              <a:buNone/>
-              <a:tabLst/>
-              <a:defRPr/>
-            </a:pPr>
-            <a:r>
-              <a:rPr kumimoji="0" lang="ko-KR" altLang="en-US" sz="2800" i="0" u="none" strike="noStrike" kern="1200" cap="none" spc="0" normalizeH="0" baseline="0" noProof="0" dirty="0" err="1">
-                <a:ln>
-                  <a:noFill/>
-                </a:ln>
-                <a:solidFill>
-                  <a:schemeClr val="accent2">
-                    <a:lumMod val="50000"/>
-                  </a:schemeClr>
-                </a:solidFill>
-                <a:effectLst/>
-                <a:uLnTx/>
-                <a:uFillTx/>
-                <a:latin typeface="맑은 고딕" panose="020F0502020204030204"/>
-                <a:ea typeface="맑은 고딕" panose="020B0503020000020004" pitchFamily="50" charset="-127"/>
-                <a:cs typeface="+mn-cs"/>
-              </a:rPr>
-              <a:t>텐서에</a:t>
-            </a:r>
-            <a:r>
-              <a:rPr kumimoji="0" lang="ko-KR" altLang="en-US" sz="2800" i="0" u="none" strike="noStrike" kern="1200" cap="none" spc="0" normalizeH="0" baseline="0" noProof="0" dirty="0">
-                <a:ln>
-                  <a:noFill/>
-                </a:ln>
-                <a:solidFill>
-                  <a:schemeClr val="accent2">
-                    <a:lumMod val="50000"/>
-                  </a:schemeClr>
-                </a:solidFill>
-                <a:effectLst/>
-                <a:uLnTx/>
-                <a:uFillTx/>
-                <a:latin typeface="맑은 고딕" panose="020F0502020204030204"/>
-                <a:ea typeface="맑은 고딕" panose="020B0503020000020004" pitchFamily="50" charset="-127"/>
-                <a:cs typeface="+mn-cs"/>
-              </a:rPr>
-              <a:t> 있는 각 원소에 </a:t>
-            </a:r>
-            <a:r>
-              <a:rPr kumimoji="0" lang="ko-KR" altLang="en-US" sz="2800" b="1" i="0" u="none" strike="noStrike" kern="1200" cap="none" spc="0" normalizeH="0" baseline="0" noProof="0" dirty="0">
-                <a:ln>
-                  <a:noFill/>
-                </a:ln>
-                <a:solidFill>
-                  <a:schemeClr val="accent2">
-                    <a:lumMod val="50000"/>
-                  </a:schemeClr>
-                </a:solidFill>
-                <a:effectLst/>
-                <a:uLnTx/>
-                <a:uFillTx/>
-                <a:latin typeface="맑은 고딕" panose="020F0502020204030204"/>
-                <a:ea typeface="맑은 고딕" panose="020B0503020000020004" pitchFamily="50" charset="-127"/>
-                <a:cs typeface="+mn-cs"/>
-              </a:rPr>
-              <a:t>독립적</a:t>
-            </a:r>
-            <a:r>
-              <a:rPr kumimoji="0" lang="ko-KR" altLang="en-US" sz="2800" i="0" u="none" strike="noStrike" kern="1200" cap="none" spc="0" normalizeH="0" baseline="0" noProof="0" dirty="0">
-                <a:ln>
-                  <a:noFill/>
-                </a:ln>
-                <a:solidFill>
-                  <a:schemeClr val="accent2">
-                    <a:lumMod val="50000"/>
-                  </a:schemeClr>
-                </a:solidFill>
-                <a:effectLst/>
-                <a:uLnTx/>
-                <a:uFillTx/>
-                <a:latin typeface="맑은 고딕" panose="020F0502020204030204"/>
-                <a:ea typeface="맑은 고딕" panose="020B0503020000020004" pitchFamily="50" charset="-127"/>
-                <a:cs typeface="+mn-cs"/>
-              </a:rPr>
-              <a:t>으로 적용</a:t>
-            </a:r>
-            <a:endParaRPr kumimoji="0" lang="en-US" altLang="ko-KR" sz="2400" i="0" u="none" strike="noStrike" kern="1200" cap="none" spc="0" normalizeH="0" baseline="0" noProof="0" dirty="0">
-              <a:ln>
-                <a:noFill/>
-              </a:ln>
-              <a:solidFill>
-                <a:schemeClr val="accent2">
-                  <a:lumMod val="50000"/>
-                </a:schemeClr>
-              </a:solidFill>
-              <a:effectLst/>
-              <a:uLnTx/>
-              <a:uFillTx/>
-              <a:latin typeface="맑은 고딕" panose="020F0502020204030204"/>
-              <a:ea typeface="맑은 고딕" panose="020B0503020000020004" pitchFamily="50" charset="-127"/>
-              <a:cs typeface="+mn-cs"/>
-            </a:endParaRPr>
-          </a:p>
-        </p:txBody>
-      </p:sp>
-      <p:pic>
-        <p:nvPicPr>
-          <p:cNvPr id="6" name="그림 5">
-            <a:extLst>
-              <a:ext uri="{FF2B5EF4-FFF2-40B4-BE49-F238E27FC236}">
-                <a16:creationId xmlns:a16="http://schemas.microsoft.com/office/drawing/2014/main" id="{422F6B28-AB61-4798-AF4A-5751A9D29F77}"/>
-              </a:ext>
-            </a:extLst>
-          </p:cNvPr>
-          <p:cNvPicPr>
-            <a:picLocks noChangeAspect="1"/>
-          </p:cNvPicPr>
-          <p:nvPr/>
-        </p:nvPicPr>
-        <p:blipFill>
-          <a:blip r:embed="rId2"/>
-          <a:stretch>
-            <a:fillRect/>
-          </a:stretch>
-        </p:blipFill>
-        <p:spPr>
-          <a:xfrm>
-            <a:off x="875104" y="2730889"/>
-            <a:ext cx="5420481" cy="2057687"/>
-          </a:xfrm>
-          <a:prstGeom prst="rect">
-            <a:avLst/>
-          </a:prstGeom>
-        </p:spPr>
-      </p:pic>
-      <p:pic>
-        <p:nvPicPr>
-          <p:cNvPr id="10" name="그림 9">
-            <a:extLst>
-              <a:ext uri="{FF2B5EF4-FFF2-40B4-BE49-F238E27FC236}">
-                <a16:creationId xmlns:a16="http://schemas.microsoft.com/office/drawing/2014/main" id="{86D1F19B-0787-47AE-AA04-7EE12B951E2F}"/>
-              </a:ext>
-            </a:extLst>
-          </p:cNvPr>
-          <p:cNvPicPr>
-            <a:picLocks noChangeAspect="1"/>
-          </p:cNvPicPr>
-          <p:nvPr/>
-        </p:nvPicPr>
-        <p:blipFill>
-          <a:blip r:embed="rId3"/>
-          <a:stretch>
-            <a:fillRect/>
-          </a:stretch>
-        </p:blipFill>
-        <p:spPr>
-          <a:xfrm>
-            <a:off x="7474646" y="2945231"/>
-            <a:ext cx="3410426" cy="1629002"/>
-          </a:xfrm>
-          <a:prstGeom prst="rect">
-            <a:avLst/>
-          </a:prstGeom>
-        </p:spPr>
-      </p:pic>
-    </p:spTree>
-    <p:extLst>
-      <p:ext uri="{BB962C8B-B14F-4D97-AF65-F5344CB8AC3E}">
-        <p14:creationId xmlns:p14="http://schemas.microsoft.com/office/powerpoint/2010/main" val="1304039771"/>
-      </p:ext>
-    </p:extLst>
-  </p:cSld>
-  <p:clrMapOvr>
-    <a:masterClrMapping/>
-  </p:clrMapOvr>
-  <mc:AlternateContent xmlns:mc="http://schemas.openxmlformats.org/markup-compatibility/2006" xmlns:p159="http://schemas.microsoft.com/office/powerpoint/2015/09/main">
-    <mc:Choice Requires="p159">
-      <p:transition xmlns:p14="http://schemas.microsoft.com/office/powerpoint/2010/main" spd="slow" p14:dur="2000">
-        <p159:morph option="byObject"/>
-      </p:transition>
-    </mc:Choice>
-    <mc:Fallback xmlns="">
-      <p:transition spd="slow">
-        <p:fade/>
-      </p:transition>
-    </mc:Fallback>
-  </mc:AlternateContent>
-</p:sld>
-</file>
-
-<file path=ppt/slides/slide8.xml><?xml version="1.0" encoding="utf-8"?>
 <p:sld xmlns:a="http://schemas.openxmlformats.org/drawingml/2006/main" xmlns:r="http://schemas.openxmlformats.org/officeDocument/2006/relationships" xmlns:p="http://schemas.openxmlformats.org/presentationml/2006/main">
   <p:cSld>
     <p:spTree>
@@ -18476,10 +18396,207 @@
       </p:transition>
     </mc:Fallback>
   </mc:AlternateContent>
+  <p:timing>
+    <p:tnLst>
+      <p:par>
+        <p:cTn id="1" dur="indefinite" restart="never" nodeType="tmRoot">
+          <p:childTnLst>
+            <p:seq concurrent="1" nextAc="seek">
+              <p:cTn id="2" dur="indefinite" nodeType="mainSeq">
+                <p:childTnLst>
+                  <p:par>
+                    <p:cTn id="3" fill="hold">
+                      <p:stCondLst>
+                        <p:cond delay="indefinite"/>
+                      </p:stCondLst>
+                      <p:childTnLst>
+                        <p:par>
+                          <p:cTn id="4" fill="hold">
+                            <p:stCondLst>
+                              <p:cond delay="0"/>
+                            </p:stCondLst>
+                            <p:childTnLst>
+                              <p:par>
+                                <p:cTn id="5" presetID="1" presetClass="entr" presetSubtype="0" fill="hold" nodeType="clickEffect">
+                                  <p:stCondLst>
+                                    <p:cond delay="0"/>
+                                  </p:stCondLst>
+                                  <p:childTnLst>
+                                    <p:set>
+                                      <p:cBhvr>
+                                        <p:cTn id="6" dur="1" fill="hold">
+                                          <p:stCondLst>
+                                            <p:cond delay="0"/>
+                                          </p:stCondLst>
+                                        </p:cTn>
+                                        <p:tgtEl>
+                                          <p:spTgt spid="11"/>
+                                        </p:tgtEl>
+                                        <p:attrNameLst>
+                                          <p:attrName>style.visibility</p:attrName>
+                                        </p:attrNameLst>
+                                      </p:cBhvr>
+                                      <p:to>
+                                        <p:strVal val="visible"/>
+                                      </p:to>
+                                    </p:set>
+                                  </p:childTnLst>
+                                </p:cTn>
+                              </p:par>
+                              <p:par>
+                                <p:cTn id="7" presetID="1" presetClass="entr" presetSubtype="0" fill="hold" grpId="0" nodeType="withEffect">
+                                  <p:stCondLst>
+                                    <p:cond delay="0"/>
+                                  </p:stCondLst>
+                                  <p:childTnLst>
+                                    <p:set>
+                                      <p:cBhvr>
+                                        <p:cTn id="8" dur="1" fill="hold">
+                                          <p:stCondLst>
+                                            <p:cond delay="0"/>
+                                          </p:stCondLst>
+                                        </p:cTn>
+                                        <p:tgtEl>
+                                          <p:spTgt spid="12"/>
+                                        </p:tgtEl>
+                                        <p:attrNameLst>
+                                          <p:attrName>style.visibility</p:attrName>
+                                        </p:attrNameLst>
+                                      </p:cBhvr>
+                                      <p:to>
+                                        <p:strVal val="visible"/>
+                                      </p:to>
+                                    </p:set>
+                                  </p:childTnLst>
+                                </p:cTn>
+                              </p:par>
+                            </p:childTnLst>
+                          </p:cTn>
+                        </p:par>
+                      </p:childTnLst>
+                    </p:cTn>
+                  </p:par>
+                  <p:par>
+                    <p:cTn id="9" fill="hold">
+                      <p:stCondLst>
+                        <p:cond delay="indefinite"/>
+                      </p:stCondLst>
+                      <p:childTnLst>
+                        <p:par>
+                          <p:cTn id="10" fill="hold">
+                            <p:stCondLst>
+                              <p:cond delay="0"/>
+                            </p:stCondLst>
+                            <p:childTnLst>
+                              <p:par>
+                                <p:cTn id="11" presetID="1" presetClass="entr" presetSubtype="0" fill="hold" grpId="0" nodeType="clickEffect">
+                                  <p:stCondLst>
+                                    <p:cond delay="0"/>
+                                  </p:stCondLst>
+                                  <p:childTnLst>
+                                    <p:set>
+                                      <p:cBhvr>
+                                        <p:cTn id="12" dur="1" fill="hold">
+                                          <p:stCondLst>
+                                            <p:cond delay="0"/>
+                                          </p:stCondLst>
+                                        </p:cTn>
+                                        <p:tgtEl>
+                                          <p:spTgt spid="13"/>
+                                        </p:tgtEl>
+                                        <p:attrNameLst>
+                                          <p:attrName>style.visibility</p:attrName>
+                                        </p:attrNameLst>
+                                      </p:cBhvr>
+                                      <p:to>
+                                        <p:strVal val="visible"/>
+                                      </p:to>
+                                    </p:set>
+                                  </p:childTnLst>
+                                </p:cTn>
+                              </p:par>
+                            </p:childTnLst>
+                          </p:cTn>
+                        </p:par>
+                      </p:childTnLst>
+                    </p:cTn>
+                  </p:par>
+                  <p:par>
+                    <p:cTn id="13" fill="hold">
+                      <p:stCondLst>
+                        <p:cond delay="indefinite"/>
+                      </p:stCondLst>
+                      <p:childTnLst>
+                        <p:par>
+                          <p:cTn id="14" fill="hold">
+                            <p:stCondLst>
+                              <p:cond delay="0"/>
+                            </p:stCondLst>
+                            <p:childTnLst>
+                              <p:par>
+                                <p:cTn id="15" presetID="1" presetClass="entr" presetSubtype="0" fill="hold" grpId="0" nodeType="clickEffect">
+                                  <p:stCondLst>
+                                    <p:cond delay="0"/>
+                                  </p:stCondLst>
+                                  <p:childTnLst>
+                                    <p:set>
+                                      <p:cBhvr>
+                                        <p:cTn id="16" dur="1" fill="hold">
+                                          <p:stCondLst>
+                                            <p:cond delay="0"/>
+                                          </p:stCondLst>
+                                        </p:cTn>
+                                        <p:tgtEl>
+                                          <p:spTgt spid="14"/>
+                                        </p:tgtEl>
+                                        <p:attrNameLst>
+                                          <p:attrName>style.visibility</p:attrName>
+                                        </p:attrNameLst>
+                                      </p:cBhvr>
+                                      <p:to>
+                                        <p:strVal val="visible"/>
+                                      </p:to>
+                                    </p:set>
+                                  </p:childTnLst>
+                                </p:cTn>
+                              </p:par>
+                            </p:childTnLst>
+                          </p:cTn>
+                        </p:par>
+                      </p:childTnLst>
+                    </p:cTn>
+                  </p:par>
+                </p:childTnLst>
+              </p:cTn>
+              <p:prevCondLst>
+                <p:cond evt="onPrev" delay="0">
+                  <p:tgtEl>
+                    <p:sldTgt/>
+                  </p:tgtEl>
+                </p:cond>
+              </p:prevCondLst>
+              <p:nextCondLst>
+                <p:cond evt="onNext" delay="0">
+                  <p:tgtEl>
+                    <p:sldTgt/>
+                  </p:tgtEl>
+                </p:cond>
+              </p:nextCondLst>
+            </p:seq>
+          </p:childTnLst>
+        </p:cTn>
+      </p:par>
+    </p:tnLst>
+    <p:bldLst>
+      <p:bldP spid="12" grpId="0" animBg="1"/>
+      <p:bldP spid="13" grpId="0" animBg="1"/>
+      <p:bldP spid="14" grpId="0" animBg="1"/>
+    </p:bldLst>
+  </p:timing>
 </p:sld>
 </file>
 
-<file path=ppt/slides/slide9.xml><?xml version="1.0" encoding="utf-8"?>
+<file path=ppt/slides/slide8.xml><?xml version="1.0" encoding="utf-8"?>
 <p:sld xmlns:a="http://schemas.openxmlformats.org/drawingml/2006/main" xmlns:r="http://schemas.openxmlformats.org/officeDocument/2006/relationships" xmlns:p="http://schemas.openxmlformats.org/presentationml/2006/main">
   <p:cSld>
     <p:spTree>
@@ -19011,6 +19128,475 @@
     <p:extLst>
       <p:ext uri="{BB962C8B-B14F-4D97-AF65-F5344CB8AC3E}">
         <p14:creationId xmlns:p14="http://schemas.microsoft.com/office/powerpoint/2010/main" val="2988833311"/>
+      </p:ext>
+    </p:extLst>
+  </p:cSld>
+  <p:clrMapOvr>
+    <a:masterClrMapping/>
+  </p:clrMapOvr>
+  <mc:AlternateContent xmlns:mc="http://schemas.openxmlformats.org/markup-compatibility/2006" xmlns:p159="http://schemas.microsoft.com/office/powerpoint/2015/09/main">
+    <mc:Choice Requires="p159">
+      <p:transition xmlns:p14="http://schemas.microsoft.com/office/powerpoint/2010/main" spd="slow" p14:dur="2000">
+        <p159:morph option="byObject"/>
+      </p:transition>
+    </mc:Choice>
+    <mc:Fallback xmlns="">
+      <p:transition spd="slow">
+        <p:fade/>
+      </p:transition>
+    </mc:Fallback>
+  </mc:AlternateContent>
+  <p:timing>
+    <p:tnLst>
+      <p:par>
+        <p:cTn id="1" dur="indefinite" restart="never" nodeType="tmRoot">
+          <p:childTnLst>
+            <p:seq concurrent="1" nextAc="seek">
+              <p:cTn id="2" dur="indefinite" nodeType="mainSeq">
+                <p:childTnLst>
+                  <p:par>
+                    <p:cTn id="3" fill="hold">
+                      <p:stCondLst>
+                        <p:cond delay="indefinite"/>
+                      </p:stCondLst>
+                      <p:childTnLst>
+                        <p:par>
+                          <p:cTn id="4" fill="hold">
+                            <p:stCondLst>
+                              <p:cond delay="0"/>
+                            </p:stCondLst>
+                            <p:childTnLst>
+                              <p:par>
+                                <p:cTn id="5" presetID="1" presetClass="entr" presetSubtype="0" fill="hold" grpId="0" nodeType="clickEffect">
+                                  <p:stCondLst>
+                                    <p:cond delay="0"/>
+                                  </p:stCondLst>
+                                  <p:childTnLst>
+                                    <p:set>
+                                      <p:cBhvr>
+                                        <p:cTn id="6" dur="1" fill="hold">
+                                          <p:stCondLst>
+                                            <p:cond delay="0"/>
+                                          </p:stCondLst>
+                                        </p:cTn>
+                                        <p:tgtEl>
+                                          <p:spTgt spid="11"/>
+                                        </p:tgtEl>
+                                        <p:attrNameLst>
+                                          <p:attrName>style.visibility</p:attrName>
+                                        </p:attrNameLst>
+                                      </p:cBhvr>
+                                      <p:to>
+                                        <p:strVal val="visible"/>
+                                      </p:to>
+                                    </p:set>
+                                  </p:childTnLst>
+                                </p:cTn>
+                              </p:par>
+                            </p:childTnLst>
+                          </p:cTn>
+                        </p:par>
+                      </p:childTnLst>
+                    </p:cTn>
+                  </p:par>
+                </p:childTnLst>
+              </p:cTn>
+              <p:prevCondLst>
+                <p:cond evt="onPrev" delay="0">
+                  <p:tgtEl>
+                    <p:sldTgt/>
+                  </p:tgtEl>
+                </p:cond>
+              </p:prevCondLst>
+              <p:nextCondLst>
+                <p:cond evt="onNext" delay="0">
+                  <p:tgtEl>
+                    <p:sldTgt/>
+                  </p:tgtEl>
+                </p:cond>
+              </p:nextCondLst>
+            </p:seq>
+          </p:childTnLst>
+        </p:cTn>
+      </p:par>
+    </p:tnLst>
+    <p:bldLst>
+      <p:bldP spid="11" grpId="0"/>
+    </p:bldLst>
+  </p:timing>
+</p:sld>
+</file>
+
+<file path=ppt/slides/slide9.xml><?xml version="1.0" encoding="utf-8"?>
+<p:sld xmlns:a="http://schemas.openxmlformats.org/drawingml/2006/main" xmlns:r="http://schemas.openxmlformats.org/officeDocument/2006/relationships" xmlns:p="http://schemas.openxmlformats.org/presentationml/2006/main">
+  <p:cSld>
+    <p:spTree>
+      <p:nvGrpSpPr>
+        <p:cNvPr id="1" name=""/>
+        <p:cNvGrpSpPr/>
+        <p:nvPr/>
+      </p:nvGrpSpPr>
+      <p:grpSpPr>
+        <a:xfrm>
+          <a:off x="0" y="0"/>
+          <a:ext cx="0" cy="0"/>
+          <a:chOff x="0" y="0"/>
+          <a:chExt cx="0" cy="0"/>
+        </a:xfrm>
+      </p:grpSpPr>
+      <p:pic>
+        <p:nvPicPr>
+          <p:cNvPr id="3" name="그림 2">
+            <a:extLst>
+              <a:ext uri="{FF2B5EF4-FFF2-40B4-BE49-F238E27FC236}">
+                <a16:creationId xmlns:a16="http://schemas.microsoft.com/office/drawing/2014/main" id="{331F6F75-B221-4061-B962-758F7C3BEBFF}"/>
+              </a:ext>
+            </a:extLst>
+          </p:cNvPr>
+          <p:cNvPicPr>
+            <a:picLocks noChangeAspect="1"/>
+          </p:cNvPicPr>
+          <p:nvPr/>
+        </p:nvPicPr>
+        <p:blipFill rotWithShape="1">
+          <a:blip r:embed="rId2" cstate="screen">
+            <a:extLst>
+              <a:ext uri="{28A0092B-C50C-407E-A947-70E740481C1C}">
+                <a14:useLocalDpi xmlns:a14="http://schemas.microsoft.com/office/drawing/2010/main" val="0"/>
+              </a:ext>
+            </a:extLst>
+          </a:blip>
+          <a:srcRect/>
+          <a:stretch/>
+        </p:blipFill>
+        <p:spPr>
+          <a:xfrm>
+            <a:off x="3474720" y="0"/>
+            <a:ext cx="8717280" cy="6858000"/>
+          </a:xfrm>
+          <a:prstGeom prst="rect">
+            <a:avLst/>
+          </a:prstGeom>
+        </p:spPr>
+      </p:pic>
+      <p:sp>
+        <p:nvSpPr>
+          <p:cNvPr id="7" name="직사각형 6">
+            <a:extLst>
+              <a:ext uri="{FF2B5EF4-FFF2-40B4-BE49-F238E27FC236}">
+                <a16:creationId xmlns:a16="http://schemas.microsoft.com/office/drawing/2014/main" id="{BFB742AF-8DE1-4801-BAAB-FF7C033D40F3}"/>
+              </a:ext>
+            </a:extLst>
+          </p:cNvPr>
+          <p:cNvSpPr/>
+          <p:nvPr/>
+        </p:nvSpPr>
+        <p:spPr>
+          <a:xfrm>
+            <a:off x="0" y="0"/>
+            <a:ext cx="6096000" cy="6858000"/>
+          </a:xfrm>
+          <a:prstGeom prst="rect">
+            <a:avLst/>
+          </a:prstGeom>
+        </p:spPr>
+        <p:style>
+          <a:lnRef idx="2">
+            <a:schemeClr val="accent1">
+              <a:shade val="50000"/>
+            </a:schemeClr>
+          </a:lnRef>
+          <a:fillRef idx="1">
+            <a:schemeClr val="accent1"/>
+          </a:fillRef>
+          <a:effectRef idx="0">
+            <a:schemeClr val="accent1"/>
+          </a:effectRef>
+          <a:fontRef idx="minor">
+            <a:schemeClr val="lt1"/>
+          </a:fontRef>
+        </p:style>
+        <p:txBody>
+          <a:bodyPr rtlCol="0" anchor="ctr"/>
+          <a:lstStyle/>
+          <a:p>
+            <a:pPr marL="0" marR="0" lvl="0" indent="0" algn="ctr" defTabSz="914400" rtl="0" eaLnBrk="1" fontAlgn="auto" latinLnBrk="1" hangingPunct="1">
+              <a:lnSpc>
+                <a:spcPct val="100000"/>
+              </a:lnSpc>
+              <a:spcBef>
+                <a:spcPts val="0"/>
+              </a:spcBef>
+              <a:spcAft>
+                <a:spcPts val="0"/>
+              </a:spcAft>
+              <a:buClrTx/>
+              <a:buSzTx/>
+              <a:buFontTx/>
+              <a:buNone/>
+              <a:tabLst/>
+              <a:defRPr/>
+            </a:pPr>
+            <a:endParaRPr kumimoji="0" lang="ko-KR" altLang="en-US" sz="1800" b="0" i="0" u="none" strike="noStrike" kern="1200" cap="none" spc="0" normalizeH="0" baseline="0" noProof="0">
+              <a:ln>
+                <a:noFill/>
+              </a:ln>
+              <a:solidFill>
+                <a:prstClr val="white"/>
+              </a:solidFill>
+              <a:effectLst/>
+              <a:uLnTx/>
+              <a:uFillTx/>
+              <a:ea typeface="나눔스퀘어 Light"/>
+              <a:cs typeface="+mn-cs"/>
+            </a:endParaRPr>
+          </a:p>
+        </p:txBody>
+      </p:sp>
+      <p:sp>
+        <p:nvSpPr>
+          <p:cNvPr id="9" name="TextBox 8">
+            <a:extLst>
+              <a:ext uri="{FF2B5EF4-FFF2-40B4-BE49-F238E27FC236}">
+                <a16:creationId xmlns:a16="http://schemas.microsoft.com/office/drawing/2014/main" id="{E9B29B74-5530-431A-9A1D-6C360E5E40A6}"/>
+              </a:ext>
+            </a:extLst>
+          </p:cNvPr>
+          <p:cNvSpPr txBox="1"/>
+          <p:nvPr/>
+        </p:nvSpPr>
+        <p:spPr>
+          <a:xfrm>
+            <a:off x="2648307" y="3153927"/>
+            <a:ext cx="2723823" cy="646331"/>
+          </a:xfrm>
+          <a:prstGeom prst="rect">
+            <a:avLst/>
+          </a:prstGeom>
+          <a:noFill/>
+        </p:spPr>
+        <p:txBody>
+          <a:bodyPr wrap="none" rtlCol="0">
+            <a:spAutoFit/>
+          </a:bodyPr>
+          <a:lstStyle/>
+          <a:p>
+            <a:pPr marL="0" marR="0" lvl="0" indent="0" algn="l" defTabSz="914400" rtl="0" eaLnBrk="1" fontAlgn="auto" latinLnBrk="1" hangingPunct="1">
+              <a:lnSpc>
+                <a:spcPct val="100000"/>
+              </a:lnSpc>
+              <a:spcBef>
+                <a:spcPts val="0"/>
+              </a:spcBef>
+              <a:spcAft>
+                <a:spcPts val="0"/>
+              </a:spcAft>
+              <a:buClrTx/>
+              <a:buSzTx/>
+              <a:buFontTx/>
+              <a:buNone/>
+              <a:tabLst/>
+              <a:defRPr/>
+            </a:pPr>
+            <a:r>
+              <a:rPr kumimoji="0" lang="ko-KR" altLang="en-US" sz="3600" b="0" i="0" u="none" strike="noStrike" kern="1200" cap="none" spc="-300" normalizeH="0" baseline="0" noProof="0" dirty="0" err="1">
+                <a:ln>
+                  <a:noFill/>
+                </a:ln>
+                <a:solidFill>
+                  <a:prstClr val="white"/>
+                </a:solidFill>
+                <a:effectLst/>
+                <a:uLnTx/>
+                <a:uFillTx/>
+                <a:ea typeface="나눔스퀘어 Light"/>
+                <a:cs typeface="+mn-cs"/>
+              </a:rPr>
+              <a:t>브로드캐스팅</a:t>
+            </a:r>
+            <a:endParaRPr kumimoji="0" lang="en-US" altLang="ko-KR" sz="3600" b="0" i="0" u="none" strike="noStrike" kern="1200" cap="none" spc="-300" normalizeH="0" baseline="0" noProof="0" dirty="0">
+              <a:ln>
+                <a:noFill/>
+              </a:ln>
+              <a:solidFill>
+                <a:prstClr val="white"/>
+              </a:solidFill>
+              <a:effectLst/>
+              <a:uLnTx/>
+              <a:uFillTx/>
+              <a:ea typeface="나눔스퀘어 Light"/>
+              <a:cs typeface="+mn-cs"/>
+            </a:endParaRPr>
+          </a:p>
+        </p:txBody>
+      </p:sp>
+      <p:sp>
+        <p:nvSpPr>
+          <p:cNvPr id="11" name="TextBox 10">
+            <a:extLst>
+              <a:ext uri="{FF2B5EF4-FFF2-40B4-BE49-F238E27FC236}">
+                <a16:creationId xmlns:a16="http://schemas.microsoft.com/office/drawing/2014/main" id="{DD6DC040-1911-4DE1-B7BA-8D50B20BC5F8}"/>
+              </a:ext>
+            </a:extLst>
+          </p:cNvPr>
+          <p:cNvSpPr txBox="1"/>
+          <p:nvPr/>
+        </p:nvSpPr>
+        <p:spPr>
+          <a:xfrm>
+            <a:off x="904240" y="2846150"/>
+            <a:ext cx="562975" cy="307777"/>
+          </a:xfrm>
+          <a:prstGeom prst="rect">
+            <a:avLst/>
+          </a:prstGeom>
+          <a:noFill/>
+        </p:spPr>
+        <p:txBody>
+          <a:bodyPr wrap="none" rtlCol="0">
+            <a:spAutoFit/>
+          </a:bodyPr>
+          <a:lstStyle/>
+          <a:p>
+            <a:pPr marL="0" marR="0" lvl="0" indent="0" algn="l" defTabSz="914400" rtl="0" eaLnBrk="1" fontAlgn="auto" latinLnBrk="1" hangingPunct="1">
+              <a:lnSpc>
+                <a:spcPct val="100000"/>
+              </a:lnSpc>
+              <a:spcBef>
+                <a:spcPts val="0"/>
+              </a:spcBef>
+              <a:spcAft>
+                <a:spcPts val="0"/>
+              </a:spcAft>
+              <a:buClrTx/>
+              <a:buSzTx/>
+              <a:buFontTx/>
+              <a:buNone/>
+              <a:tabLst/>
+              <a:defRPr/>
+            </a:pPr>
+            <a:r>
+              <a:rPr kumimoji="0" lang="en-US" altLang="ko-KR" sz="1400" b="0" i="0" u="none" strike="noStrike" kern="1200" cap="none" spc="0" normalizeH="0" baseline="0" noProof="0" dirty="0">
+                <a:ln>
+                  <a:noFill/>
+                </a:ln>
+                <a:solidFill>
+                  <a:prstClr val="white"/>
+                </a:solidFill>
+                <a:effectLst/>
+                <a:uLnTx/>
+                <a:uFillTx/>
+                <a:ea typeface="나눔스퀘어 Light"/>
+                <a:cs typeface="+mn-cs"/>
+              </a:rPr>
+              <a:t>2.3.2</a:t>
+            </a:r>
+            <a:endParaRPr kumimoji="0" lang="ko-KR" altLang="en-US" sz="1400" b="0" i="0" u="none" strike="noStrike" kern="1200" cap="none" spc="0" normalizeH="0" baseline="0" noProof="0" dirty="0">
+              <a:ln>
+                <a:noFill/>
+              </a:ln>
+              <a:solidFill>
+                <a:prstClr val="white"/>
+              </a:solidFill>
+              <a:effectLst/>
+              <a:uLnTx/>
+              <a:uFillTx/>
+              <a:ea typeface="나눔스퀘어 Light"/>
+              <a:cs typeface="+mn-cs"/>
+            </a:endParaRPr>
+          </a:p>
+        </p:txBody>
+      </p:sp>
+      <p:cxnSp>
+        <p:nvCxnSpPr>
+          <p:cNvPr id="12" name="직선 연결선 11">
+            <a:extLst>
+              <a:ext uri="{FF2B5EF4-FFF2-40B4-BE49-F238E27FC236}">
+                <a16:creationId xmlns:a16="http://schemas.microsoft.com/office/drawing/2014/main" id="{E9C7568C-DA98-40CE-9115-1F19853EEDF6}"/>
+              </a:ext>
+            </a:extLst>
+          </p:cNvPr>
+          <p:cNvCxnSpPr>
+            <a:cxnSpLocks/>
+          </p:cNvCxnSpPr>
+          <p:nvPr/>
+        </p:nvCxnSpPr>
+        <p:spPr>
+          <a:xfrm>
+            <a:off x="904240" y="2823130"/>
+            <a:ext cx="4467890" cy="0"/>
+          </a:xfrm>
+          <a:prstGeom prst="line">
+            <a:avLst/>
+          </a:prstGeom>
+          <a:ln>
+            <a:solidFill>
+              <a:schemeClr val="bg1"/>
+            </a:solidFill>
+          </a:ln>
+        </p:spPr>
+        <p:style>
+          <a:lnRef idx="1">
+            <a:schemeClr val="accent1"/>
+          </a:lnRef>
+          <a:fillRef idx="0">
+            <a:schemeClr val="accent1"/>
+          </a:fillRef>
+          <a:effectRef idx="0">
+            <a:schemeClr val="accent1"/>
+          </a:effectRef>
+          <a:fontRef idx="minor">
+            <a:schemeClr val="tx1"/>
+          </a:fontRef>
+        </p:style>
+      </p:cxnSp>
+      <p:cxnSp>
+        <p:nvCxnSpPr>
+          <p:cNvPr id="13" name="직선 연결선 12">
+            <a:extLst>
+              <a:ext uri="{FF2B5EF4-FFF2-40B4-BE49-F238E27FC236}">
+                <a16:creationId xmlns:a16="http://schemas.microsoft.com/office/drawing/2014/main" id="{92A7BF85-EFF0-4169-9F33-5B30AFBB9A2A}"/>
+              </a:ext>
+            </a:extLst>
+          </p:cNvPr>
+          <p:cNvCxnSpPr>
+            <a:cxnSpLocks/>
+          </p:cNvCxnSpPr>
+          <p:nvPr/>
+        </p:nvCxnSpPr>
+        <p:spPr>
+          <a:xfrm>
+            <a:off x="904240" y="4011850"/>
+            <a:ext cx="4467890" cy="0"/>
+          </a:xfrm>
+          <a:prstGeom prst="line">
+            <a:avLst/>
+          </a:prstGeom>
+          <a:ln>
+            <a:solidFill>
+              <a:schemeClr val="bg1"/>
+            </a:solidFill>
+          </a:ln>
+        </p:spPr>
+        <p:style>
+          <a:lnRef idx="1">
+            <a:schemeClr val="accent1"/>
+          </a:lnRef>
+          <a:fillRef idx="0">
+            <a:schemeClr val="accent1"/>
+          </a:fillRef>
+          <a:effectRef idx="0">
+            <a:schemeClr val="accent1"/>
+          </a:effectRef>
+          <a:fontRef idx="minor">
+            <a:schemeClr val="tx1"/>
+          </a:fontRef>
+        </p:style>
+      </p:cxnSp>
+    </p:spTree>
+    <p:extLst>
+      <p:ext uri="{BB962C8B-B14F-4D97-AF65-F5344CB8AC3E}">
+        <p14:creationId xmlns:p14="http://schemas.microsoft.com/office/powerpoint/2010/main" val="3567732404"/>
       </p:ext>
     </p:extLst>
   </p:cSld>
